--- a/PracticeTasks/Module2/FinalTask_2/FinalTask_2.pptx
+++ b/PracticeTasks/Module2/FinalTask_2/FinalTask_2.pptx
@@ -8091,8 +8091,8 @@
         </p:blipFill>
         <p:spPr bwMode="auto">
           <a:xfrm>
-            <a:off x="4418" y="2467535"/>
-            <a:ext cx="9081940" cy="2027755"/>
+            <a:off x="7676" y="2433919"/>
+            <a:ext cx="8929796" cy="2061372"/>
           </a:xfrm>
           <a:prstGeom prst="rect">
             <a:avLst/>
@@ -9343,7 +9343,7 @@
             <a:r>
               <a:rPr lang="en-GB" b="1" dirty="0">
                 <a:solidFill>
-                  <a:srgbClr val="FF0000"/>
+                  <a:schemeClr val="tx1"/>
                 </a:solidFill>
                 <a:effectLst>
                   <a:outerShdw blurRad="38100" dist="38100" dir="2700000" algn="tl">
@@ -9357,7 +9357,7 @@
             </a:r>
             <a:endParaRPr b="1" dirty="0">
               <a:solidFill>
-                <a:srgbClr val="FF0000"/>
+                <a:schemeClr val="tx1"/>
               </a:solidFill>
               <a:effectLst>
                 <a:outerShdw blurRad="38100" dist="38100" dir="2700000" algn="tl">
@@ -9385,14 +9385,14 @@
           <p:nvPr>
             <p:extLst>
               <p:ext uri="{D42A27DB-BD31-4B8C-83A1-F6EECF244321}">
-                <p14:modId xmlns:p14="http://schemas.microsoft.com/office/powerpoint/2010/main" val="2953351383"/>
+                <p14:modId xmlns:p14="http://schemas.microsoft.com/office/powerpoint/2010/main" val="2957111967"/>
               </p:ext>
             </p:extLst>
           </p:nvPr>
         </p:nvGraphicFramePr>
         <p:xfrm>
-          <a:off x="311700" y="3460247"/>
-          <a:ext cx="8520600" cy="1249680"/>
+          <a:off x="311700" y="3199835"/>
+          <a:ext cx="8520600" cy="1676400"/>
         </p:xfrm>
         <a:graphic>
           <a:graphicData uri="http://schemas.openxmlformats.org/drawingml/2006/table">
@@ -9436,6 +9436,14 @@
                     <a:bodyPr/>
                     <a:lstStyle/>
                     <a:p>
+                      <a:r>
+                        <a:rPr lang="en-US" dirty="0">
+                          <a:solidFill>
+                            <a:schemeClr val="tx1"/>
+                          </a:solidFill>
+                        </a:rPr>
+                        <a:t>Class diagrams, design complexity</a:t>
+                      </a:r>
                       <a:endParaRPr lang="ru-RU" dirty="0">
                         <a:solidFill>
                           <a:schemeClr val="tx1"/>
@@ -9499,7 +9507,7 @@
                             <a:schemeClr val="tx1"/>
                           </a:solidFill>
                         </a:rPr>
-                        <a:t>Use cases,</a:t>
+                        <a:t>Use cases, design cases</a:t>
                       </a:r>
                       <a:endParaRPr lang="ru-RU" dirty="0">
                         <a:solidFill>
@@ -9566,7 +9574,7 @@
                             <a:schemeClr val="tx1"/>
                           </a:solidFill>
                         </a:rPr>
-                        <a:t>Design cases,</a:t>
+                        <a:t>Design cases/patterns, logical and physical schemas, components diagram</a:t>
                       </a:r>
                       <a:endParaRPr lang="ru-RU" dirty="0">
                         <a:solidFill>
@@ -9633,7 +9641,7 @@
                             <a:schemeClr val="tx1"/>
                           </a:solidFill>
                         </a:rPr>
-                        <a:t>API definition, deployment</a:t>
+                        <a:t>Event flow, API definition, K8s deployment, components diagram</a:t>
                       </a:r>
                       <a:endParaRPr lang="ru-RU" dirty="0">
                         <a:solidFill>
@@ -10376,7 +10384,7 @@
         </p:blipFill>
         <p:spPr>
           <a:xfrm>
-            <a:off x="254857" y="1114448"/>
+            <a:off x="275028" y="899295"/>
             <a:ext cx="1768496" cy="2112888"/>
           </a:xfrm>
           <a:prstGeom prst="rect">
@@ -10416,7 +10424,7 @@
         </p:blipFill>
         <p:spPr>
           <a:xfrm>
-            <a:off x="2407615" y="1114448"/>
+            <a:off x="2427786" y="899295"/>
             <a:ext cx="1729413" cy="2112888"/>
           </a:xfrm>
           <a:prstGeom prst="rect">
@@ -10456,7 +10464,7 @@
         </p:blipFill>
         <p:spPr>
           <a:xfrm>
-            <a:off x="6893199" y="1082705"/>
+            <a:off x="6913370" y="867552"/>
             <a:ext cx="1680112" cy="2115755"/>
           </a:xfrm>
           <a:prstGeom prst="rect">
@@ -10496,7 +10504,7 @@
         </p:blipFill>
         <p:spPr>
           <a:xfrm>
-            <a:off x="4675057" y="1108244"/>
+            <a:off x="4695228" y="893091"/>
             <a:ext cx="1640506" cy="2115756"/>
           </a:xfrm>
           <a:prstGeom prst="rect">
@@ -12812,8 +12820,8 @@
         </p:blipFill>
         <p:spPr>
           <a:xfrm>
-            <a:off x="0" y="2335912"/>
-            <a:ext cx="9144000" cy="2136333"/>
+            <a:off x="3813" y="2144806"/>
+            <a:ext cx="9135886" cy="2518411"/>
           </a:xfrm>
           <a:prstGeom prst="rect">
             <a:avLst/>

--- a/PracticeTasks/Module2/FinalTask_2/FinalTask_2.pptx
+++ b/PracticeTasks/Module2/FinalTask_2/FinalTask_2.pptx
@@ -7492,10 +7492,10 @@
       </p:sp>
       <p:pic>
         <p:nvPicPr>
-          <p:cNvPr id="2050" name="Picture 2" descr="PlantUML Diagram">
+          <p:cNvPr id="2" name="Picture 2" descr="PlantUML Diagram">
             <a:extLst>
               <a:ext uri="{FF2B5EF4-FFF2-40B4-BE49-F238E27FC236}">
-                <a16:creationId xmlns:a16="http://schemas.microsoft.com/office/drawing/2014/main" id="{19CF0A55-CF2D-4861-9449-655585CE1D0B}"/>
+                <a16:creationId xmlns:a16="http://schemas.microsoft.com/office/drawing/2014/main" id="{97633BA9-EAF8-44A8-B6A9-60AB2D061A05}"/>
               </a:ext>
             </a:extLst>
           </p:cNvPr>
@@ -7519,8 +7519,8 @@
         </p:blipFill>
         <p:spPr bwMode="auto">
           <a:xfrm>
-            <a:off x="2090737" y="1047249"/>
-            <a:ext cx="4962525" cy="3324225"/>
+            <a:off x="0" y="1541650"/>
+            <a:ext cx="9144000" cy="2636837"/>
           </a:xfrm>
           <a:prstGeom prst="rect">
             <a:avLst/>
@@ -7537,50 +7537,6 @@
           </a:extLst>
         </p:spPr>
       </p:pic>
-      <p:sp>
-        <p:nvSpPr>
-          <p:cNvPr id="5" name="TextBox 4">
-            <a:extLst>
-              <a:ext uri="{FF2B5EF4-FFF2-40B4-BE49-F238E27FC236}">
-                <a16:creationId xmlns:a16="http://schemas.microsoft.com/office/drawing/2014/main" id="{F3FDB392-6E51-4C38-97D5-85780766EFF8}"/>
-              </a:ext>
-            </a:extLst>
-          </p:cNvPr>
-          <p:cNvSpPr txBox="1"/>
-          <p:nvPr/>
-        </p:nvSpPr>
-        <p:spPr>
-          <a:xfrm>
-            <a:off x="590145" y="4422843"/>
-            <a:ext cx="1835285" cy="523220"/>
-          </a:xfrm>
-          <a:prstGeom prst="rect">
-            <a:avLst/>
-          </a:prstGeom>
-          <a:noFill/>
-        </p:spPr>
-        <p:txBody>
-          <a:bodyPr wrap="square" rtlCol="0">
-            <a:spAutoFit/>
-          </a:bodyPr>
-          <a:lstStyle/>
-          <a:p>
-            <a:r>
-              <a:rPr lang="en-US" dirty="0">
-                <a:solidFill>
-                  <a:srgbClr val="FF0000"/>
-                </a:solidFill>
-              </a:rPr>
-              <a:t>Should update to correspond task 12?</a:t>
-            </a:r>
-            <a:endParaRPr lang="ru-RU" dirty="0">
-              <a:solidFill>
-                <a:srgbClr val="FF0000"/>
-              </a:solidFill>
-            </a:endParaRPr>
-          </a:p>
-        </p:txBody>
-      </p:sp>
     </p:spTree>
     <p:extLst>
       <p:ext uri="{BB962C8B-B14F-4D97-AF65-F5344CB8AC3E}">
@@ -11993,6 +11949,53 @@
           <a:chExt cx="0" cy="0"/>
         </a:xfrm>
       </p:grpSpPr>
+      <p:pic>
+        <p:nvPicPr>
+          <p:cNvPr id="1026" name="Picture 2" descr="PlantUML Diagram">
+            <a:extLst>
+              <a:ext uri="{FF2B5EF4-FFF2-40B4-BE49-F238E27FC236}">
+                <a16:creationId xmlns:a16="http://schemas.microsoft.com/office/drawing/2014/main" id="{CD9B4035-1D95-4BCD-B0BA-9CEC886FB3EA}"/>
+              </a:ext>
+            </a:extLst>
+          </p:cNvPr>
+          <p:cNvPicPr>
+            <a:picLocks noChangeAspect="1" noChangeArrowheads="1"/>
+          </p:cNvPicPr>
+          <p:nvPr/>
+        </p:nvPicPr>
+        <p:blipFill>
+          <a:blip r:embed="rId3">
+            <a:extLst>
+              <a:ext uri="{28A0092B-C50C-407E-A947-70E740481C1C}">
+                <a14:useLocalDpi xmlns:a14="http://schemas.microsoft.com/office/drawing/2010/main" val="0"/>
+              </a:ext>
+            </a:extLst>
+          </a:blip>
+          <a:srcRect/>
+          <a:stretch>
+            <a:fillRect/>
+          </a:stretch>
+        </p:blipFill>
+        <p:spPr bwMode="auto">
+          <a:xfrm>
+            <a:off x="0" y="908730"/>
+            <a:ext cx="9144000" cy="3951287"/>
+          </a:xfrm>
+          <a:prstGeom prst="rect">
+            <a:avLst/>
+          </a:prstGeom>
+          <a:noFill/>
+          <a:extLst>
+            <a:ext uri="{909E8E84-426E-40DD-AFC4-6F175D3DCCD1}">
+              <a14:hiddenFill xmlns:a14="http://schemas.microsoft.com/office/drawing/2010/main">
+                <a:solidFill>
+                  <a:srgbClr val="FFFFFF"/>
+                </a:solidFill>
+              </a14:hiddenFill>
+            </a:ext>
+          </a:extLst>
+        </p:spPr>
+      </p:pic>
       <p:sp>
         <p:nvSpPr>
           <p:cNvPr id="84" name="Google Shape;84;p18"/>
@@ -12089,97 +12092,6 @@
               <a:t>6</a:t>
             </a:fld>
             <a:endParaRPr lang="en-GB"/>
-          </a:p>
-        </p:txBody>
-      </p:sp>
-      <p:pic>
-        <p:nvPicPr>
-          <p:cNvPr id="2052" name="Picture 4">
-            <a:extLst>
-              <a:ext uri="{FF2B5EF4-FFF2-40B4-BE49-F238E27FC236}">
-                <a16:creationId xmlns:a16="http://schemas.microsoft.com/office/drawing/2014/main" id="{73CA7B9E-2D89-40C2-AD0B-4434A982A53A}"/>
-              </a:ext>
-            </a:extLst>
-          </p:cNvPr>
-          <p:cNvPicPr>
-            <a:picLocks noChangeAspect="1" noChangeArrowheads="1"/>
-          </p:cNvPicPr>
-          <p:nvPr/>
-        </p:nvPicPr>
-        <p:blipFill>
-          <a:blip r:embed="rId3">
-            <a:extLst>
-              <a:ext uri="{28A0092B-C50C-407E-A947-70E740481C1C}">
-                <a14:useLocalDpi xmlns:a14="http://schemas.microsoft.com/office/drawing/2010/main" val="0"/>
-              </a:ext>
-            </a:extLst>
-          </a:blip>
-          <a:srcRect/>
-          <a:stretch>
-            <a:fillRect/>
-          </a:stretch>
-        </p:blipFill>
-        <p:spPr bwMode="auto">
-          <a:xfrm>
-            <a:off x="2068216" y="995789"/>
-            <a:ext cx="4632304" cy="3864228"/>
-          </a:xfrm>
-          <a:prstGeom prst="rect">
-            <a:avLst/>
-          </a:prstGeom>
-          <a:noFill/>
-          <a:extLst>
-            <a:ext uri="{909E8E84-426E-40DD-AFC4-6F175D3DCCD1}">
-              <a14:hiddenFill xmlns:a14="http://schemas.microsoft.com/office/drawing/2010/main">
-                <a:solidFill>
-                  <a:srgbClr val="FFFFFF"/>
-                </a:solidFill>
-              </a14:hiddenFill>
-            </a:ext>
-          </a:extLst>
-        </p:spPr>
-      </p:pic>
-      <p:sp>
-        <p:nvSpPr>
-          <p:cNvPr id="2" name="TextBox 1">
-            <a:extLst>
-              <a:ext uri="{FF2B5EF4-FFF2-40B4-BE49-F238E27FC236}">
-                <a16:creationId xmlns:a16="http://schemas.microsoft.com/office/drawing/2014/main" id="{725257EE-F6DE-4B91-BF94-7A1A535E21B1}"/>
-              </a:ext>
-            </a:extLst>
-          </p:cNvPr>
-          <p:cNvSpPr txBox="1"/>
-          <p:nvPr/>
-        </p:nvSpPr>
-        <p:spPr>
-          <a:xfrm>
-            <a:off x="590145" y="4422843"/>
-            <a:ext cx="1835285" cy="523220"/>
-          </a:xfrm>
-          <a:prstGeom prst="rect">
-            <a:avLst/>
-          </a:prstGeom>
-          <a:noFill/>
-        </p:spPr>
-        <p:txBody>
-          <a:bodyPr wrap="square" rtlCol="0">
-            <a:spAutoFit/>
-          </a:bodyPr>
-          <a:lstStyle/>
-          <a:p>
-            <a:r>
-              <a:rPr lang="en-US" dirty="0">
-                <a:solidFill>
-                  <a:srgbClr val="FF0000"/>
-                </a:solidFill>
-              </a:rPr>
-              <a:t>Should update to correspond task 12?</a:t>
-            </a:r>
-            <a:endParaRPr lang="ru-RU" dirty="0">
-              <a:solidFill>
-                <a:srgbClr val="FF0000"/>
-              </a:solidFill>
-            </a:endParaRPr>
           </a:p>
         </p:txBody>
       </p:sp>

--- a/PracticeTasks/Module2/FinalTask_2/FinalTask_2.pptx
+++ b/PracticeTasks/Module2/FinalTask_2/FinalTask_2.pptx
@@ -7492,7 +7492,7 @@
       </p:sp>
       <p:pic>
         <p:nvPicPr>
-          <p:cNvPr id="2" name="Picture 2" descr="PlantUML Diagram">
+          <p:cNvPr id="2" name="Picture 2">
             <a:extLst>
               <a:ext uri="{FF2B5EF4-FFF2-40B4-BE49-F238E27FC236}">
                 <a16:creationId xmlns:a16="http://schemas.microsoft.com/office/drawing/2014/main" id="{97633BA9-EAF8-44A8-B6A9-60AB2D061A05}"/>
@@ -7505,22 +7505,14 @@
           <p:nvPr/>
         </p:nvPicPr>
         <p:blipFill>
-          <a:blip r:embed="rId3">
-            <a:extLst>
-              <a:ext uri="{28A0092B-C50C-407E-A947-70E740481C1C}">
-                <a14:useLocalDpi xmlns:a14="http://schemas.microsoft.com/office/drawing/2010/main" val="0"/>
-              </a:ext>
-            </a:extLst>
-          </a:blip>
+          <a:blip r:embed="rId3"/>
           <a:srcRect/>
-          <a:stretch>
-            <a:fillRect/>
-          </a:stretch>
+          <a:stretch/>
         </p:blipFill>
         <p:spPr bwMode="auto">
           <a:xfrm>
-            <a:off x="0" y="1541650"/>
-            <a:ext cx="9144000" cy="2636837"/>
+            <a:off x="18520" y="1506071"/>
+            <a:ext cx="9089679" cy="2702857"/>
           </a:xfrm>
           <a:prstGeom prst="rect">
             <a:avLst/>

--- a/PracticeTasks/Module2/FinalTask_2/FinalTask_2.pptx
+++ b/PracticeTasks/Module2/FinalTask_2/FinalTask_2.pptx
@@ -5,7 +5,7 @@
     <p:sldMasterId id="2147483659" r:id="rId1"/>
   </p:sldMasterIdLst>
   <p:notesMasterIdLst>
-    <p:notesMasterId r:id="rId19"/>
+    <p:notesMasterId r:id="rId20"/>
   </p:notesMasterIdLst>
   <p:sldIdLst>
     <p:sldId id="272" r:id="rId2"/>
@@ -22,9 +22,10 @@
     <p:sldId id="279" r:id="rId13"/>
     <p:sldId id="282" r:id="rId14"/>
     <p:sldId id="268" r:id="rId15"/>
-    <p:sldId id="269" r:id="rId16"/>
-    <p:sldId id="264" r:id="rId17"/>
-    <p:sldId id="265" r:id="rId18"/>
+    <p:sldId id="285" r:id="rId16"/>
+    <p:sldId id="269" r:id="rId17"/>
+    <p:sldId id="264" r:id="rId18"/>
+    <p:sldId id="265" r:id="rId19"/>
   </p:sldIdLst>
   <p:sldSz cx="9144000" cy="5143500" type="screen16x9"/>
   <p:notesSz cx="6858000" cy="9144000"/>
@@ -1361,6 +1362,115 @@
   <p:cSld>
     <p:spTree>
       <p:nvGrpSpPr>
+        <p:cNvPr id="1" name="Shape 138"/>
+        <p:cNvGrpSpPr/>
+        <p:nvPr/>
+      </p:nvGrpSpPr>
+      <p:grpSpPr>
+        <a:xfrm>
+          <a:off x="0" y="0"/>
+          <a:ext cx="0" cy="0"/>
+          <a:chOff x="0" y="0"/>
+          <a:chExt cx="0" cy="0"/>
+        </a:xfrm>
+      </p:grpSpPr>
+      <p:sp>
+        <p:nvSpPr>
+          <p:cNvPr id="139" name="Google Shape;139;g10530c09ad0_0_246:notes"/>
+          <p:cNvSpPr>
+            <a:spLocks noGrp="1" noRot="1" noChangeAspect="1"/>
+          </p:cNvSpPr>
+          <p:nvPr>
+            <p:ph type="sldImg" idx="2"/>
+          </p:nvPr>
+        </p:nvSpPr>
+        <p:spPr>
+          <a:xfrm>
+            <a:off x="381000" y="685800"/>
+            <a:ext cx="6096000" cy="3429000"/>
+          </a:xfrm>
+          <a:custGeom>
+            <a:avLst/>
+            <a:gdLst/>
+            <a:ahLst/>
+            <a:cxnLst/>
+            <a:rect l="l" t="t" r="r" b="b"/>
+            <a:pathLst>
+              <a:path w="120000" h="120000" extrusionOk="0">
+                <a:moveTo>
+                  <a:pt x="0" y="0"/>
+                </a:moveTo>
+                <a:lnTo>
+                  <a:pt x="120000" y="0"/>
+                </a:lnTo>
+                <a:lnTo>
+                  <a:pt x="120000" y="120000"/>
+                </a:lnTo>
+                <a:lnTo>
+                  <a:pt x="0" y="120000"/>
+                </a:lnTo>
+                <a:close/>
+              </a:path>
+            </a:pathLst>
+          </a:custGeom>
+        </p:spPr>
+      </p:sp>
+      <p:sp>
+        <p:nvSpPr>
+          <p:cNvPr id="140" name="Google Shape;140;g10530c09ad0_0_246:notes"/>
+          <p:cNvSpPr txBox="1">
+            <a:spLocks noGrp="1"/>
+          </p:cNvSpPr>
+          <p:nvPr>
+            <p:ph type="body" idx="1"/>
+          </p:nvPr>
+        </p:nvSpPr>
+        <p:spPr>
+          <a:xfrm>
+            <a:off x="685800" y="4343400"/>
+            <a:ext cx="5486400" cy="4114800"/>
+          </a:xfrm>
+          <a:prstGeom prst="rect">
+            <a:avLst/>
+          </a:prstGeom>
+        </p:spPr>
+        <p:txBody>
+          <a:bodyPr spcFirstLastPara="1" wrap="square" lIns="91425" tIns="91425" rIns="91425" bIns="91425" anchor="t" anchorCtr="0">
+            <a:noAutofit/>
+          </a:bodyPr>
+          <a:lstStyle/>
+          <a:p>
+            <a:pPr marL="0" lvl="0" indent="0" algn="l" rtl="0">
+              <a:spcBef>
+                <a:spcPts val="0"/>
+              </a:spcBef>
+              <a:spcAft>
+                <a:spcPts val="0"/>
+              </a:spcAft>
+              <a:buNone/>
+            </a:pPr>
+            <a:endParaRPr/>
+          </a:p>
+        </p:txBody>
+      </p:sp>
+    </p:spTree>
+    <p:extLst>
+      <p:ext uri="{BB962C8B-B14F-4D97-AF65-F5344CB8AC3E}">
+        <p14:creationId xmlns:p14="http://schemas.microsoft.com/office/powerpoint/2010/main" val="3067627038"/>
+      </p:ext>
+    </p:extLst>
+  </p:cSld>
+  <p:clrMapOvr>
+    <a:masterClrMapping/>
+  </p:clrMapOvr>
+</p:notes>
+</file>
+
+<file path=ppt/notesSlides/notesSlide16.xml><?xml version="1.0" encoding="utf-8"?>
+<p:notes xmlns:a="http://schemas.openxmlformats.org/drawingml/2006/main" xmlns:r="http://schemas.openxmlformats.org/officeDocument/2006/relationships" xmlns:p="http://schemas.openxmlformats.org/presentationml/2006/main" showMasterSp="0" showMasterPhAnim="0">
+  <p:cSld>
+    <p:spTree>
+      <p:nvGrpSpPr>
         <p:cNvPr id="1" name="Shape 144"/>
         <p:cNvGrpSpPr/>
         <p:nvPr/>
@@ -1460,7 +1570,7 @@
 </p:notes>
 </file>
 
-<file path=ppt/notesSlides/notesSlide16.xml><?xml version="1.0" encoding="utf-8"?>
+<file path=ppt/notesSlides/notesSlide17.xml><?xml version="1.0" encoding="utf-8"?>
 <p:notes xmlns:a="http://schemas.openxmlformats.org/drawingml/2006/main" xmlns:r="http://schemas.openxmlformats.org/officeDocument/2006/relationships" xmlns:p="http://schemas.openxmlformats.org/presentationml/2006/main" showMasterSp="0" showMasterPhAnim="0">
   <p:cSld>
     <p:spTree>
@@ -1564,7 +1674,7 @@
 </p:notes>
 </file>
 
-<file path=ppt/notesSlides/notesSlide17.xml><?xml version="1.0" encoding="utf-8"?>
+<file path=ppt/notesSlides/notesSlide18.xml><?xml version="1.0" encoding="utf-8"?>
 <p:notes xmlns:a="http://schemas.openxmlformats.org/drawingml/2006/main" xmlns:r="http://schemas.openxmlformats.org/officeDocument/2006/relationships" xmlns:p="http://schemas.openxmlformats.org/presentationml/2006/main" showMasterSp="0" showMasterPhAnim="0">
   <p:cSld>
     <p:spTree>
@@ -8364,6 +8474,4172 @@
             <a:r>
               <a:rPr lang="en-GB" b="1" dirty="0">
                 <a:solidFill>
+                  <a:schemeClr val="tx1"/>
+                </a:solidFill>
+                <a:effectLst>
+                  <a:outerShdw blurRad="38100" dist="38100" dir="2700000" algn="tl">
+                    <a:srgbClr val="000000">
+                      <a:alpha val="43137"/>
+                    </a:srgbClr>
+                  </a:outerShdw>
+                </a:effectLst>
+              </a:rPr>
+              <a:t>Design complexity</a:t>
+            </a:r>
+            <a:r>
+              <a:rPr lang="en-US" b="1" dirty="0">
+                <a:solidFill>
+                  <a:schemeClr val="tx1"/>
+                </a:solidFill>
+                <a:effectLst>
+                  <a:outerShdw blurRad="38100" dist="38100" dir="2700000" algn="tl">
+                    <a:srgbClr val="000000">
+                      <a:alpha val="43137"/>
+                    </a:srgbClr>
+                  </a:outerShdw>
+                </a:effectLst>
+              </a:rPr>
+              <a:t>: Service Deployer</a:t>
+            </a:r>
+            <a:endParaRPr b="1" dirty="0">
+              <a:solidFill>
+                <a:schemeClr val="tx1"/>
+              </a:solidFill>
+              <a:effectLst>
+                <a:outerShdw blurRad="38100" dist="38100" dir="2700000" algn="tl">
+                  <a:srgbClr val="000000">
+                    <a:alpha val="43137"/>
+                  </a:srgbClr>
+                </a:outerShdw>
+              </a:effectLst>
+            </a:endParaRPr>
+          </a:p>
+        </p:txBody>
+      </p:sp>
+      <p:graphicFrame>
+        <p:nvGraphicFramePr>
+          <p:cNvPr id="4" name="Таблица 3">
+            <a:extLst>
+              <a:ext uri="{FF2B5EF4-FFF2-40B4-BE49-F238E27FC236}">
+                <a16:creationId xmlns:a16="http://schemas.microsoft.com/office/drawing/2014/main" id="{A99154A3-C358-4BC7-A257-7E2D543DD61F}"/>
+              </a:ext>
+            </a:extLst>
+          </p:cNvPr>
+          <p:cNvGraphicFramePr>
+            <a:graphicFrameLocks noGrp="1"/>
+          </p:cNvGraphicFramePr>
+          <p:nvPr>
+            <p:extLst>
+              <p:ext uri="{D42A27DB-BD31-4B8C-83A1-F6EECF244321}">
+                <p14:modId xmlns:p14="http://schemas.microsoft.com/office/powerpoint/2010/main" val="1115196209"/>
+              </p:ext>
+            </p:extLst>
+          </p:nvPr>
+        </p:nvGraphicFramePr>
+        <p:xfrm>
+          <a:off x="1148157" y="1464414"/>
+          <a:ext cx="6710182" cy="2818830"/>
+        </p:xfrm>
+        <a:graphic>
+          <a:graphicData uri="http://schemas.openxmlformats.org/drawingml/2006/table">
+            <a:tbl>
+              <a:tblPr/>
+              <a:tblGrid>
+                <a:gridCol w="1722281">
+                  <a:extLst>
+                    <a:ext uri="{9D8B030D-6E8A-4147-A177-3AD203B41FA5}">
+                      <a16:colId xmlns:a16="http://schemas.microsoft.com/office/drawing/2014/main" val="1636098904"/>
+                    </a:ext>
+                  </a:extLst>
+                </a:gridCol>
+                <a:gridCol w="961793">
+                  <a:extLst>
+                    <a:ext uri="{9D8B030D-6E8A-4147-A177-3AD203B41FA5}">
+                      <a16:colId xmlns:a16="http://schemas.microsoft.com/office/drawing/2014/main" val="723940613"/>
+                    </a:ext>
+                  </a:extLst>
+                </a:gridCol>
+                <a:gridCol w="1342036">
+                  <a:extLst>
+                    <a:ext uri="{9D8B030D-6E8A-4147-A177-3AD203B41FA5}">
+                      <a16:colId xmlns:a16="http://schemas.microsoft.com/office/drawing/2014/main" val="3033018205"/>
+                    </a:ext>
+                  </a:extLst>
+                </a:gridCol>
+                <a:gridCol w="1342036">
+                  <a:extLst>
+                    <a:ext uri="{9D8B030D-6E8A-4147-A177-3AD203B41FA5}">
+                      <a16:colId xmlns:a16="http://schemas.microsoft.com/office/drawing/2014/main" val="2470044663"/>
+                    </a:ext>
+                  </a:extLst>
+                </a:gridCol>
+                <a:gridCol w="1342036">
+                  <a:extLst>
+                    <a:ext uri="{9D8B030D-6E8A-4147-A177-3AD203B41FA5}">
+                      <a16:colId xmlns:a16="http://schemas.microsoft.com/office/drawing/2014/main" val="3882684967"/>
+                    </a:ext>
+                  </a:extLst>
+                </a:gridCol>
+              </a:tblGrid>
+              <a:tr h="402690">
+                <a:tc>
+                  <a:txBody>
+                    <a:bodyPr/>
+                    <a:lstStyle/>
+                    <a:p>
+                      <a:pPr algn="ctr" rtl="0" fontAlgn="t">
+                        <a:spcBef>
+                          <a:spcPts val="0"/>
+                        </a:spcBef>
+                        <a:spcAft>
+                          <a:spcPts val="0"/>
+                        </a:spcAft>
+                      </a:pPr>
+                      <a:r>
+                        <a:rPr lang="en-US" sz="1100" b="0" i="0" u="none" strike="noStrike" dirty="0">
+                          <a:solidFill>
+                            <a:srgbClr val="000000"/>
+                          </a:solidFill>
+                          <a:effectLst/>
+                          <a:latin typeface="Arial" panose="020B0604020202020204" pitchFamily="34" charset="0"/>
+                        </a:rPr>
+                        <a:t>Class/Metrics</a:t>
+                      </a:r>
+                      <a:endParaRPr lang="en-US" dirty="0">
+                        <a:effectLst/>
+                      </a:endParaRPr>
+                    </a:p>
+                  </a:txBody>
+                  <a:tcPr marL="63500" marR="63500" marT="63500" marB="63500" anchor="ctr">
+                    <a:lnL w="12700" cap="flat" cmpd="sng" algn="ctr">
+                      <a:solidFill>
+                        <a:srgbClr val="000000"/>
+                      </a:solidFill>
+                      <a:prstDash val="solid"/>
+                      <a:round/>
+                      <a:headEnd type="none" w="med" len="med"/>
+                      <a:tailEnd type="none" w="med" len="med"/>
+                    </a:lnL>
+                    <a:lnR w="12700" cap="flat" cmpd="sng" algn="ctr">
+                      <a:solidFill>
+                        <a:srgbClr val="000000"/>
+                      </a:solidFill>
+                      <a:prstDash val="solid"/>
+                      <a:round/>
+                      <a:headEnd type="none" w="med" len="med"/>
+                      <a:tailEnd type="none" w="med" len="med"/>
+                    </a:lnR>
+                    <a:lnT w="12700" cap="flat" cmpd="sng" algn="ctr">
+                      <a:solidFill>
+                        <a:srgbClr val="000000"/>
+                      </a:solidFill>
+                      <a:prstDash val="solid"/>
+                      <a:round/>
+                      <a:headEnd type="none" w="med" len="med"/>
+                      <a:tailEnd type="none" w="med" len="med"/>
+                    </a:lnT>
+                    <a:lnB w="12700" cap="flat" cmpd="sng" algn="ctr">
+                      <a:solidFill>
+                        <a:srgbClr val="000000"/>
+                      </a:solidFill>
+                      <a:prstDash val="solid"/>
+                      <a:round/>
+                      <a:headEnd type="none" w="med" len="med"/>
+                      <a:tailEnd type="none" w="med" len="med"/>
+                    </a:lnB>
+                    <a:solidFill>
+                      <a:srgbClr val="D9D9D9"/>
+                    </a:solidFill>
+                  </a:tcPr>
+                </a:tc>
+                <a:tc>
+                  <a:txBody>
+                    <a:bodyPr/>
+                    <a:lstStyle/>
+                    <a:p>
+                      <a:pPr algn="ctr" rtl="0" fontAlgn="t">
+                        <a:spcBef>
+                          <a:spcPts val="0"/>
+                        </a:spcBef>
+                        <a:spcAft>
+                          <a:spcPts val="0"/>
+                        </a:spcAft>
+                      </a:pPr>
+                      <a:r>
+                        <a:rPr lang="en-US" sz="1100" b="0" i="0" u="none" strike="noStrike">
+                          <a:solidFill>
+                            <a:srgbClr val="000000"/>
+                          </a:solidFill>
+                          <a:effectLst/>
+                          <a:latin typeface="Arial" panose="020B0604020202020204" pitchFamily="34" charset="0"/>
+                        </a:rPr>
+                        <a:t>WMC</a:t>
+                      </a:r>
+                      <a:endParaRPr lang="en-US">
+                        <a:effectLst/>
+                      </a:endParaRPr>
+                    </a:p>
+                  </a:txBody>
+                  <a:tcPr marL="63500" marR="63500" marT="63500" marB="63500" anchor="ctr">
+                    <a:lnL w="12700" cap="flat" cmpd="sng" algn="ctr">
+                      <a:solidFill>
+                        <a:srgbClr val="000000"/>
+                      </a:solidFill>
+                      <a:prstDash val="solid"/>
+                      <a:round/>
+                      <a:headEnd type="none" w="med" len="med"/>
+                      <a:tailEnd type="none" w="med" len="med"/>
+                    </a:lnL>
+                    <a:lnR w="12700" cap="flat" cmpd="sng" algn="ctr">
+                      <a:solidFill>
+                        <a:srgbClr val="000000"/>
+                      </a:solidFill>
+                      <a:prstDash val="solid"/>
+                      <a:round/>
+                      <a:headEnd type="none" w="med" len="med"/>
+                      <a:tailEnd type="none" w="med" len="med"/>
+                    </a:lnR>
+                    <a:lnT w="12700" cap="flat" cmpd="sng" algn="ctr">
+                      <a:solidFill>
+                        <a:srgbClr val="000000"/>
+                      </a:solidFill>
+                      <a:prstDash val="solid"/>
+                      <a:round/>
+                      <a:headEnd type="none" w="med" len="med"/>
+                      <a:tailEnd type="none" w="med" len="med"/>
+                    </a:lnT>
+                    <a:lnB w="12700" cap="flat" cmpd="sng" algn="ctr">
+                      <a:solidFill>
+                        <a:srgbClr val="000000"/>
+                      </a:solidFill>
+                      <a:prstDash val="solid"/>
+                      <a:round/>
+                      <a:headEnd type="none" w="med" len="med"/>
+                      <a:tailEnd type="none" w="med" len="med"/>
+                    </a:lnB>
+                    <a:solidFill>
+                      <a:srgbClr val="D9D9D9"/>
+                    </a:solidFill>
+                  </a:tcPr>
+                </a:tc>
+                <a:tc>
+                  <a:txBody>
+                    <a:bodyPr/>
+                    <a:lstStyle/>
+                    <a:p>
+                      <a:pPr algn="ctr" rtl="0" fontAlgn="t">
+                        <a:spcBef>
+                          <a:spcPts val="0"/>
+                        </a:spcBef>
+                        <a:spcAft>
+                          <a:spcPts val="0"/>
+                        </a:spcAft>
+                      </a:pPr>
+                      <a:r>
+                        <a:rPr lang="en-US" sz="1100" b="0" i="0" u="none" strike="noStrike">
+                          <a:solidFill>
+                            <a:srgbClr val="000000"/>
+                          </a:solidFill>
+                          <a:effectLst/>
+                          <a:latin typeface="Arial" panose="020B0604020202020204" pitchFamily="34" charset="0"/>
+                        </a:rPr>
+                        <a:t>CBO</a:t>
+                      </a:r>
+                      <a:endParaRPr lang="en-US">
+                        <a:effectLst/>
+                      </a:endParaRPr>
+                    </a:p>
+                  </a:txBody>
+                  <a:tcPr marL="63500" marR="63500" marT="63500" marB="63500" anchor="ctr">
+                    <a:lnL w="12700" cap="flat" cmpd="sng" algn="ctr">
+                      <a:solidFill>
+                        <a:srgbClr val="000000"/>
+                      </a:solidFill>
+                      <a:prstDash val="solid"/>
+                      <a:round/>
+                      <a:headEnd type="none" w="med" len="med"/>
+                      <a:tailEnd type="none" w="med" len="med"/>
+                    </a:lnL>
+                    <a:lnR w="12700" cap="flat" cmpd="sng" algn="ctr">
+                      <a:solidFill>
+                        <a:srgbClr val="000000"/>
+                      </a:solidFill>
+                      <a:prstDash val="solid"/>
+                      <a:round/>
+                      <a:headEnd type="none" w="med" len="med"/>
+                      <a:tailEnd type="none" w="med" len="med"/>
+                    </a:lnR>
+                    <a:lnT w="12700" cap="flat" cmpd="sng" algn="ctr">
+                      <a:solidFill>
+                        <a:srgbClr val="000000"/>
+                      </a:solidFill>
+                      <a:prstDash val="solid"/>
+                      <a:round/>
+                      <a:headEnd type="none" w="med" len="med"/>
+                      <a:tailEnd type="none" w="med" len="med"/>
+                    </a:lnT>
+                    <a:lnB w="12700" cap="flat" cmpd="sng" algn="ctr">
+                      <a:solidFill>
+                        <a:srgbClr val="000000"/>
+                      </a:solidFill>
+                      <a:prstDash val="solid"/>
+                      <a:round/>
+                      <a:headEnd type="none" w="med" len="med"/>
+                      <a:tailEnd type="none" w="med" len="med"/>
+                    </a:lnB>
+                    <a:solidFill>
+                      <a:srgbClr val="D9D9D9"/>
+                    </a:solidFill>
+                  </a:tcPr>
+                </a:tc>
+                <a:tc>
+                  <a:txBody>
+                    <a:bodyPr/>
+                    <a:lstStyle/>
+                    <a:p>
+                      <a:pPr algn="ctr" rtl="0" fontAlgn="t">
+                        <a:spcBef>
+                          <a:spcPts val="0"/>
+                        </a:spcBef>
+                        <a:spcAft>
+                          <a:spcPts val="0"/>
+                        </a:spcAft>
+                      </a:pPr>
+                      <a:r>
+                        <a:rPr lang="en-US" sz="1100" b="0" i="0" u="none" strike="noStrike">
+                          <a:solidFill>
+                            <a:srgbClr val="000000"/>
+                          </a:solidFill>
+                          <a:effectLst/>
+                          <a:latin typeface="Arial" panose="020B0604020202020204" pitchFamily="34" charset="0"/>
+                        </a:rPr>
+                        <a:t>NOC</a:t>
+                      </a:r>
+                      <a:endParaRPr lang="en-US">
+                        <a:effectLst/>
+                      </a:endParaRPr>
+                    </a:p>
+                  </a:txBody>
+                  <a:tcPr marL="63500" marR="63500" marT="63500" marB="63500" anchor="ctr">
+                    <a:lnL w="12700" cap="flat" cmpd="sng" algn="ctr">
+                      <a:solidFill>
+                        <a:srgbClr val="000000"/>
+                      </a:solidFill>
+                      <a:prstDash val="solid"/>
+                      <a:round/>
+                      <a:headEnd type="none" w="med" len="med"/>
+                      <a:tailEnd type="none" w="med" len="med"/>
+                    </a:lnL>
+                    <a:lnR w="12700" cap="flat" cmpd="sng" algn="ctr">
+                      <a:solidFill>
+                        <a:srgbClr val="000000"/>
+                      </a:solidFill>
+                      <a:prstDash val="solid"/>
+                      <a:round/>
+                      <a:headEnd type="none" w="med" len="med"/>
+                      <a:tailEnd type="none" w="med" len="med"/>
+                    </a:lnR>
+                    <a:lnT w="12700" cap="flat" cmpd="sng" algn="ctr">
+                      <a:solidFill>
+                        <a:srgbClr val="000000"/>
+                      </a:solidFill>
+                      <a:prstDash val="solid"/>
+                      <a:round/>
+                      <a:headEnd type="none" w="med" len="med"/>
+                      <a:tailEnd type="none" w="med" len="med"/>
+                    </a:lnT>
+                    <a:lnB w="12700" cap="flat" cmpd="sng" algn="ctr">
+                      <a:solidFill>
+                        <a:srgbClr val="000000"/>
+                      </a:solidFill>
+                      <a:prstDash val="solid"/>
+                      <a:round/>
+                      <a:headEnd type="none" w="med" len="med"/>
+                      <a:tailEnd type="none" w="med" len="med"/>
+                    </a:lnB>
+                    <a:solidFill>
+                      <a:srgbClr val="D9D9D9"/>
+                    </a:solidFill>
+                  </a:tcPr>
+                </a:tc>
+                <a:tc>
+                  <a:txBody>
+                    <a:bodyPr/>
+                    <a:lstStyle/>
+                    <a:p>
+                      <a:pPr algn="ctr" rtl="0" fontAlgn="t">
+                        <a:spcBef>
+                          <a:spcPts val="0"/>
+                        </a:spcBef>
+                        <a:spcAft>
+                          <a:spcPts val="0"/>
+                        </a:spcAft>
+                      </a:pPr>
+                      <a:r>
+                        <a:rPr lang="en-US" sz="1100" b="0" i="0" u="none" strike="noStrike">
+                          <a:solidFill>
+                            <a:srgbClr val="000000"/>
+                          </a:solidFill>
+                          <a:effectLst/>
+                          <a:latin typeface="Arial" panose="020B0604020202020204" pitchFamily="34" charset="0"/>
+                        </a:rPr>
+                        <a:t>DIT</a:t>
+                      </a:r>
+                      <a:endParaRPr lang="en-US">
+                        <a:effectLst/>
+                      </a:endParaRPr>
+                    </a:p>
+                  </a:txBody>
+                  <a:tcPr marL="63500" marR="63500" marT="63500" marB="63500" anchor="ctr">
+                    <a:lnL w="12700" cap="flat" cmpd="sng" algn="ctr">
+                      <a:solidFill>
+                        <a:srgbClr val="000000"/>
+                      </a:solidFill>
+                      <a:prstDash val="solid"/>
+                      <a:round/>
+                      <a:headEnd type="none" w="med" len="med"/>
+                      <a:tailEnd type="none" w="med" len="med"/>
+                    </a:lnL>
+                    <a:lnR w="12700" cap="flat" cmpd="sng" algn="ctr">
+                      <a:solidFill>
+                        <a:srgbClr val="000000"/>
+                      </a:solidFill>
+                      <a:prstDash val="solid"/>
+                      <a:round/>
+                      <a:headEnd type="none" w="med" len="med"/>
+                      <a:tailEnd type="none" w="med" len="med"/>
+                    </a:lnR>
+                    <a:lnT w="12700" cap="flat" cmpd="sng" algn="ctr">
+                      <a:solidFill>
+                        <a:srgbClr val="000000"/>
+                      </a:solidFill>
+                      <a:prstDash val="solid"/>
+                      <a:round/>
+                      <a:headEnd type="none" w="med" len="med"/>
+                      <a:tailEnd type="none" w="med" len="med"/>
+                    </a:lnT>
+                    <a:lnB w="12700" cap="flat" cmpd="sng" algn="ctr">
+                      <a:solidFill>
+                        <a:srgbClr val="000000"/>
+                      </a:solidFill>
+                      <a:prstDash val="solid"/>
+                      <a:round/>
+                      <a:headEnd type="none" w="med" len="med"/>
+                      <a:tailEnd type="none" w="med" len="med"/>
+                    </a:lnB>
+                    <a:solidFill>
+                      <a:srgbClr val="D9D9D9"/>
+                    </a:solidFill>
+                  </a:tcPr>
+                </a:tc>
+                <a:extLst>
+                  <a:ext uri="{0D108BD9-81ED-4DB2-BD59-A6C34878D82A}">
+                    <a16:rowId xmlns:a16="http://schemas.microsoft.com/office/drawing/2014/main" val="298126595"/>
+                  </a:ext>
+                </a:extLst>
+              </a:tr>
+              <a:tr h="402690">
+                <a:tc>
+                  <a:txBody>
+                    <a:bodyPr/>
+                    <a:lstStyle/>
+                    <a:p>
+                      <a:pPr algn="l" rtl="0" fontAlgn="t">
+                        <a:spcBef>
+                          <a:spcPts val="0"/>
+                        </a:spcBef>
+                        <a:spcAft>
+                          <a:spcPts val="0"/>
+                        </a:spcAft>
+                      </a:pPr>
+                      <a:r>
+                        <a:rPr lang="en-US" sz="1100" b="0" i="0" u="none" strike="noStrike" dirty="0" err="1">
+                          <a:solidFill>
+                            <a:srgbClr val="000000"/>
+                          </a:solidFill>
+                          <a:effectLst/>
+                          <a:latin typeface="Arial" panose="020B0604020202020204" pitchFamily="34" charset="0"/>
+                        </a:rPr>
+                        <a:t>ServiceDeployer</a:t>
+                      </a:r>
+                      <a:endParaRPr lang="en-US" dirty="0">
+                        <a:effectLst/>
+                      </a:endParaRPr>
+                    </a:p>
+                  </a:txBody>
+                  <a:tcPr marL="63500" marR="63500" marT="63500" marB="63500" anchor="ctr">
+                    <a:lnL w="12700" cap="flat" cmpd="sng" algn="ctr">
+                      <a:solidFill>
+                        <a:srgbClr val="000000"/>
+                      </a:solidFill>
+                      <a:prstDash val="solid"/>
+                      <a:round/>
+                      <a:headEnd type="none" w="med" len="med"/>
+                      <a:tailEnd type="none" w="med" len="med"/>
+                    </a:lnL>
+                    <a:lnR w="12700" cap="flat" cmpd="sng" algn="ctr">
+                      <a:solidFill>
+                        <a:srgbClr val="000000"/>
+                      </a:solidFill>
+                      <a:prstDash val="solid"/>
+                      <a:round/>
+                      <a:headEnd type="none" w="med" len="med"/>
+                      <a:tailEnd type="none" w="med" len="med"/>
+                    </a:lnR>
+                    <a:lnT w="12700" cap="flat" cmpd="sng" algn="ctr">
+                      <a:solidFill>
+                        <a:srgbClr val="000000"/>
+                      </a:solidFill>
+                      <a:prstDash val="solid"/>
+                      <a:round/>
+                      <a:headEnd type="none" w="med" len="med"/>
+                      <a:tailEnd type="none" w="med" len="med"/>
+                    </a:lnT>
+                    <a:lnB w="12700" cap="flat" cmpd="sng" algn="ctr">
+                      <a:solidFill>
+                        <a:srgbClr val="000000"/>
+                      </a:solidFill>
+                      <a:prstDash val="solid"/>
+                      <a:round/>
+                      <a:headEnd type="none" w="med" len="med"/>
+                      <a:tailEnd type="none" w="med" len="med"/>
+                    </a:lnB>
+                  </a:tcPr>
+                </a:tc>
+                <a:tc>
+                  <a:txBody>
+                    <a:bodyPr/>
+                    <a:lstStyle/>
+                    <a:p>
+                      <a:pPr algn="ctr" rtl="0" fontAlgn="t">
+                        <a:spcBef>
+                          <a:spcPts val="0"/>
+                        </a:spcBef>
+                        <a:spcAft>
+                          <a:spcPts val="0"/>
+                        </a:spcAft>
+                      </a:pPr>
+                      <a:r>
+                        <a:rPr lang="ru-RU" sz="1100" b="0" i="0" u="none" strike="noStrike" dirty="0">
+                          <a:solidFill>
+                            <a:srgbClr val="000000"/>
+                          </a:solidFill>
+                          <a:effectLst/>
+                          <a:latin typeface="Arial" panose="020B0604020202020204" pitchFamily="34" charset="0"/>
+                        </a:rPr>
+                        <a:t>1</a:t>
+                      </a:r>
+                      <a:endParaRPr lang="ru-RU" dirty="0">
+                        <a:effectLst/>
+                      </a:endParaRPr>
+                    </a:p>
+                  </a:txBody>
+                  <a:tcPr marL="63500" marR="63500" marT="63500" marB="63500" anchor="ctr">
+                    <a:lnL w="12700" cap="flat" cmpd="sng" algn="ctr">
+                      <a:solidFill>
+                        <a:srgbClr val="000000"/>
+                      </a:solidFill>
+                      <a:prstDash val="solid"/>
+                      <a:round/>
+                      <a:headEnd type="none" w="med" len="med"/>
+                      <a:tailEnd type="none" w="med" len="med"/>
+                    </a:lnL>
+                    <a:lnR w="12700" cap="flat" cmpd="sng" algn="ctr">
+                      <a:solidFill>
+                        <a:srgbClr val="000000"/>
+                      </a:solidFill>
+                      <a:prstDash val="solid"/>
+                      <a:round/>
+                      <a:headEnd type="none" w="med" len="med"/>
+                      <a:tailEnd type="none" w="med" len="med"/>
+                    </a:lnR>
+                    <a:lnT w="12700" cap="flat" cmpd="sng" algn="ctr">
+                      <a:solidFill>
+                        <a:srgbClr val="000000"/>
+                      </a:solidFill>
+                      <a:prstDash val="solid"/>
+                      <a:round/>
+                      <a:headEnd type="none" w="med" len="med"/>
+                      <a:tailEnd type="none" w="med" len="med"/>
+                    </a:lnT>
+                    <a:lnB w="12700" cap="flat" cmpd="sng" algn="ctr">
+                      <a:solidFill>
+                        <a:srgbClr val="000000"/>
+                      </a:solidFill>
+                      <a:prstDash val="solid"/>
+                      <a:round/>
+                      <a:headEnd type="none" w="med" len="med"/>
+                      <a:tailEnd type="none" w="med" len="med"/>
+                    </a:lnB>
+                  </a:tcPr>
+                </a:tc>
+                <a:tc>
+                  <a:txBody>
+                    <a:bodyPr/>
+                    <a:lstStyle/>
+                    <a:p>
+                      <a:pPr algn="ctr" rtl="0" fontAlgn="t">
+                        <a:spcBef>
+                          <a:spcPts val="0"/>
+                        </a:spcBef>
+                        <a:spcAft>
+                          <a:spcPts val="0"/>
+                        </a:spcAft>
+                      </a:pPr>
+                      <a:r>
+                        <a:rPr lang="ru-RU" sz="1100" b="0" i="0" u="none" strike="noStrike">
+                          <a:solidFill>
+                            <a:srgbClr val="000000"/>
+                          </a:solidFill>
+                          <a:effectLst/>
+                          <a:latin typeface="Arial" panose="020B0604020202020204" pitchFamily="34" charset="0"/>
+                        </a:rPr>
+                        <a:t>8</a:t>
+                      </a:r>
+                      <a:endParaRPr lang="ru-RU">
+                        <a:effectLst/>
+                      </a:endParaRPr>
+                    </a:p>
+                  </a:txBody>
+                  <a:tcPr marL="63500" marR="63500" marT="63500" marB="63500" anchor="ctr">
+                    <a:lnL w="12700" cap="flat" cmpd="sng" algn="ctr">
+                      <a:solidFill>
+                        <a:srgbClr val="000000"/>
+                      </a:solidFill>
+                      <a:prstDash val="solid"/>
+                      <a:round/>
+                      <a:headEnd type="none" w="med" len="med"/>
+                      <a:tailEnd type="none" w="med" len="med"/>
+                    </a:lnL>
+                    <a:lnR w="12700" cap="flat" cmpd="sng" algn="ctr">
+                      <a:solidFill>
+                        <a:srgbClr val="000000"/>
+                      </a:solidFill>
+                      <a:prstDash val="solid"/>
+                      <a:round/>
+                      <a:headEnd type="none" w="med" len="med"/>
+                      <a:tailEnd type="none" w="med" len="med"/>
+                    </a:lnR>
+                    <a:lnT w="12700" cap="flat" cmpd="sng" algn="ctr">
+                      <a:solidFill>
+                        <a:srgbClr val="000000"/>
+                      </a:solidFill>
+                      <a:prstDash val="solid"/>
+                      <a:round/>
+                      <a:headEnd type="none" w="med" len="med"/>
+                      <a:tailEnd type="none" w="med" len="med"/>
+                    </a:lnT>
+                    <a:lnB w="12700" cap="flat" cmpd="sng" algn="ctr">
+                      <a:solidFill>
+                        <a:srgbClr val="000000"/>
+                      </a:solidFill>
+                      <a:prstDash val="solid"/>
+                      <a:round/>
+                      <a:headEnd type="none" w="med" len="med"/>
+                      <a:tailEnd type="none" w="med" len="med"/>
+                    </a:lnB>
+                  </a:tcPr>
+                </a:tc>
+                <a:tc>
+                  <a:txBody>
+                    <a:bodyPr/>
+                    <a:lstStyle/>
+                    <a:p>
+                      <a:pPr algn="ctr" rtl="0" fontAlgn="t">
+                        <a:spcBef>
+                          <a:spcPts val="0"/>
+                        </a:spcBef>
+                        <a:spcAft>
+                          <a:spcPts val="0"/>
+                        </a:spcAft>
+                      </a:pPr>
+                      <a:r>
+                        <a:rPr lang="ru-RU" sz="1100" b="0" i="0" u="none" strike="noStrike">
+                          <a:solidFill>
+                            <a:srgbClr val="000000"/>
+                          </a:solidFill>
+                          <a:effectLst/>
+                          <a:latin typeface="Arial" panose="020B0604020202020204" pitchFamily="34" charset="0"/>
+                        </a:rPr>
+                        <a:t>0</a:t>
+                      </a:r>
+                      <a:endParaRPr lang="ru-RU">
+                        <a:effectLst/>
+                      </a:endParaRPr>
+                    </a:p>
+                  </a:txBody>
+                  <a:tcPr marL="63500" marR="63500" marT="63500" marB="63500" anchor="ctr">
+                    <a:lnL w="12700" cap="flat" cmpd="sng" algn="ctr">
+                      <a:solidFill>
+                        <a:srgbClr val="000000"/>
+                      </a:solidFill>
+                      <a:prstDash val="solid"/>
+                      <a:round/>
+                      <a:headEnd type="none" w="med" len="med"/>
+                      <a:tailEnd type="none" w="med" len="med"/>
+                    </a:lnL>
+                    <a:lnR w="12700" cap="flat" cmpd="sng" algn="ctr">
+                      <a:solidFill>
+                        <a:srgbClr val="000000"/>
+                      </a:solidFill>
+                      <a:prstDash val="solid"/>
+                      <a:round/>
+                      <a:headEnd type="none" w="med" len="med"/>
+                      <a:tailEnd type="none" w="med" len="med"/>
+                    </a:lnR>
+                    <a:lnT w="12700" cap="flat" cmpd="sng" algn="ctr">
+                      <a:solidFill>
+                        <a:srgbClr val="000000"/>
+                      </a:solidFill>
+                      <a:prstDash val="solid"/>
+                      <a:round/>
+                      <a:headEnd type="none" w="med" len="med"/>
+                      <a:tailEnd type="none" w="med" len="med"/>
+                    </a:lnT>
+                    <a:lnB w="12700" cap="flat" cmpd="sng" algn="ctr">
+                      <a:solidFill>
+                        <a:srgbClr val="000000"/>
+                      </a:solidFill>
+                      <a:prstDash val="solid"/>
+                      <a:round/>
+                      <a:headEnd type="none" w="med" len="med"/>
+                      <a:tailEnd type="none" w="med" len="med"/>
+                    </a:lnB>
+                  </a:tcPr>
+                </a:tc>
+                <a:tc>
+                  <a:txBody>
+                    <a:bodyPr/>
+                    <a:lstStyle/>
+                    <a:p>
+                      <a:pPr algn="ctr" rtl="0" fontAlgn="t">
+                        <a:spcBef>
+                          <a:spcPts val="0"/>
+                        </a:spcBef>
+                        <a:spcAft>
+                          <a:spcPts val="0"/>
+                        </a:spcAft>
+                      </a:pPr>
+                      <a:r>
+                        <a:rPr lang="ru-RU" sz="1100" b="0" i="0" u="none" strike="noStrike">
+                          <a:solidFill>
+                            <a:srgbClr val="000000"/>
+                          </a:solidFill>
+                          <a:effectLst/>
+                          <a:latin typeface="Arial" panose="020B0604020202020204" pitchFamily="34" charset="0"/>
+                        </a:rPr>
+                        <a:t>1</a:t>
+                      </a:r>
+                      <a:endParaRPr lang="ru-RU">
+                        <a:effectLst/>
+                      </a:endParaRPr>
+                    </a:p>
+                  </a:txBody>
+                  <a:tcPr marL="63500" marR="63500" marT="63500" marB="63500" anchor="ctr">
+                    <a:lnL w="12700" cap="flat" cmpd="sng" algn="ctr">
+                      <a:solidFill>
+                        <a:srgbClr val="000000"/>
+                      </a:solidFill>
+                      <a:prstDash val="solid"/>
+                      <a:round/>
+                      <a:headEnd type="none" w="med" len="med"/>
+                      <a:tailEnd type="none" w="med" len="med"/>
+                    </a:lnL>
+                    <a:lnR w="12700" cap="flat" cmpd="sng" algn="ctr">
+                      <a:solidFill>
+                        <a:srgbClr val="000000"/>
+                      </a:solidFill>
+                      <a:prstDash val="solid"/>
+                      <a:round/>
+                      <a:headEnd type="none" w="med" len="med"/>
+                      <a:tailEnd type="none" w="med" len="med"/>
+                    </a:lnR>
+                    <a:lnT w="12700" cap="flat" cmpd="sng" algn="ctr">
+                      <a:solidFill>
+                        <a:srgbClr val="000000"/>
+                      </a:solidFill>
+                      <a:prstDash val="solid"/>
+                      <a:round/>
+                      <a:headEnd type="none" w="med" len="med"/>
+                      <a:tailEnd type="none" w="med" len="med"/>
+                    </a:lnT>
+                    <a:lnB w="12700" cap="flat" cmpd="sng" algn="ctr">
+                      <a:solidFill>
+                        <a:srgbClr val="000000"/>
+                      </a:solidFill>
+                      <a:prstDash val="solid"/>
+                      <a:round/>
+                      <a:headEnd type="none" w="med" len="med"/>
+                      <a:tailEnd type="none" w="med" len="med"/>
+                    </a:lnB>
+                  </a:tcPr>
+                </a:tc>
+                <a:extLst>
+                  <a:ext uri="{0D108BD9-81ED-4DB2-BD59-A6C34878D82A}">
+                    <a16:rowId xmlns:a16="http://schemas.microsoft.com/office/drawing/2014/main" val="3388595185"/>
+                  </a:ext>
+                </a:extLst>
+              </a:tr>
+              <a:tr h="402690">
+                <a:tc>
+                  <a:txBody>
+                    <a:bodyPr/>
+                    <a:lstStyle/>
+                    <a:p>
+                      <a:pPr algn="l" rtl="0" fontAlgn="t">
+                        <a:spcBef>
+                          <a:spcPts val="0"/>
+                        </a:spcBef>
+                        <a:spcAft>
+                          <a:spcPts val="0"/>
+                        </a:spcAft>
+                      </a:pPr>
+                      <a:r>
+                        <a:rPr lang="en-US" sz="1100" b="0" i="0" u="none" strike="noStrike" dirty="0" err="1">
+                          <a:solidFill>
+                            <a:srgbClr val="000000"/>
+                          </a:solidFill>
+                          <a:effectLst/>
+                          <a:latin typeface="Arial" panose="020B0604020202020204" pitchFamily="34" charset="0"/>
+                        </a:rPr>
+                        <a:t>ContainerizerImpl</a:t>
+                      </a:r>
+                      <a:endParaRPr lang="en-US" dirty="0">
+                        <a:effectLst/>
+                      </a:endParaRPr>
+                    </a:p>
+                  </a:txBody>
+                  <a:tcPr marL="63500" marR="63500" marT="63500" marB="63500" anchor="ctr">
+                    <a:lnL w="12700" cap="flat" cmpd="sng" algn="ctr">
+                      <a:solidFill>
+                        <a:srgbClr val="000000"/>
+                      </a:solidFill>
+                      <a:prstDash val="solid"/>
+                      <a:round/>
+                      <a:headEnd type="none" w="med" len="med"/>
+                      <a:tailEnd type="none" w="med" len="med"/>
+                    </a:lnL>
+                    <a:lnR w="12700" cap="flat" cmpd="sng" algn="ctr">
+                      <a:solidFill>
+                        <a:srgbClr val="000000"/>
+                      </a:solidFill>
+                      <a:prstDash val="solid"/>
+                      <a:round/>
+                      <a:headEnd type="none" w="med" len="med"/>
+                      <a:tailEnd type="none" w="med" len="med"/>
+                    </a:lnR>
+                    <a:lnT w="12700" cap="flat" cmpd="sng" algn="ctr">
+                      <a:solidFill>
+                        <a:srgbClr val="000000"/>
+                      </a:solidFill>
+                      <a:prstDash val="solid"/>
+                      <a:round/>
+                      <a:headEnd type="none" w="med" len="med"/>
+                      <a:tailEnd type="none" w="med" len="med"/>
+                    </a:lnT>
+                    <a:lnB w="12700" cap="flat" cmpd="sng" algn="ctr">
+                      <a:solidFill>
+                        <a:srgbClr val="000000"/>
+                      </a:solidFill>
+                      <a:prstDash val="solid"/>
+                      <a:round/>
+                      <a:headEnd type="none" w="med" len="med"/>
+                      <a:tailEnd type="none" w="med" len="med"/>
+                    </a:lnB>
+                  </a:tcPr>
+                </a:tc>
+                <a:tc>
+                  <a:txBody>
+                    <a:bodyPr/>
+                    <a:lstStyle/>
+                    <a:p>
+                      <a:pPr algn="ctr" rtl="0" fontAlgn="t">
+                        <a:spcBef>
+                          <a:spcPts val="0"/>
+                        </a:spcBef>
+                        <a:spcAft>
+                          <a:spcPts val="0"/>
+                        </a:spcAft>
+                      </a:pPr>
+                      <a:r>
+                        <a:rPr lang="ru-RU" sz="1100" b="0" i="0" u="none" strike="noStrike">
+                          <a:solidFill>
+                            <a:srgbClr val="000000"/>
+                          </a:solidFill>
+                          <a:effectLst/>
+                          <a:latin typeface="Arial" panose="020B0604020202020204" pitchFamily="34" charset="0"/>
+                        </a:rPr>
+                        <a:t>1</a:t>
+                      </a:r>
+                      <a:endParaRPr lang="ru-RU">
+                        <a:effectLst/>
+                      </a:endParaRPr>
+                    </a:p>
+                  </a:txBody>
+                  <a:tcPr marL="63500" marR="63500" marT="63500" marB="63500" anchor="ctr">
+                    <a:lnL w="12700" cap="flat" cmpd="sng" algn="ctr">
+                      <a:solidFill>
+                        <a:srgbClr val="000000"/>
+                      </a:solidFill>
+                      <a:prstDash val="solid"/>
+                      <a:round/>
+                      <a:headEnd type="none" w="med" len="med"/>
+                      <a:tailEnd type="none" w="med" len="med"/>
+                    </a:lnL>
+                    <a:lnR w="12700" cap="flat" cmpd="sng" algn="ctr">
+                      <a:solidFill>
+                        <a:srgbClr val="000000"/>
+                      </a:solidFill>
+                      <a:prstDash val="solid"/>
+                      <a:round/>
+                      <a:headEnd type="none" w="med" len="med"/>
+                      <a:tailEnd type="none" w="med" len="med"/>
+                    </a:lnR>
+                    <a:lnT w="12700" cap="flat" cmpd="sng" algn="ctr">
+                      <a:solidFill>
+                        <a:srgbClr val="000000"/>
+                      </a:solidFill>
+                      <a:prstDash val="solid"/>
+                      <a:round/>
+                      <a:headEnd type="none" w="med" len="med"/>
+                      <a:tailEnd type="none" w="med" len="med"/>
+                    </a:lnT>
+                    <a:lnB w="12700" cap="flat" cmpd="sng" algn="ctr">
+                      <a:solidFill>
+                        <a:srgbClr val="000000"/>
+                      </a:solidFill>
+                      <a:prstDash val="solid"/>
+                      <a:round/>
+                      <a:headEnd type="none" w="med" len="med"/>
+                      <a:tailEnd type="none" w="med" len="med"/>
+                    </a:lnB>
+                  </a:tcPr>
+                </a:tc>
+                <a:tc>
+                  <a:txBody>
+                    <a:bodyPr/>
+                    <a:lstStyle/>
+                    <a:p>
+                      <a:pPr algn="ctr" rtl="0" fontAlgn="t">
+                        <a:spcBef>
+                          <a:spcPts val="0"/>
+                        </a:spcBef>
+                        <a:spcAft>
+                          <a:spcPts val="0"/>
+                        </a:spcAft>
+                      </a:pPr>
+                      <a:r>
+                        <a:rPr lang="ru-RU" sz="1100" b="0" i="0" u="none" strike="noStrike" dirty="0">
+                          <a:solidFill>
+                            <a:srgbClr val="000000"/>
+                          </a:solidFill>
+                          <a:effectLst/>
+                          <a:latin typeface="Arial" panose="020B0604020202020204" pitchFamily="34" charset="0"/>
+                        </a:rPr>
+                        <a:t>1</a:t>
+                      </a:r>
+                      <a:endParaRPr lang="ru-RU" dirty="0">
+                        <a:effectLst/>
+                      </a:endParaRPr>
+                    </a:p>
+                  </a:txBody>
+                  <a:tcPr marL="63500" marR="63500" marT="63500" marB="63500" anchor="ctr">
+                    <a:lnL w="12700" cap="flat" cmpd="sng" algn="ctr">
+                      <a:solidFill>
+                        <a:srgbClr val="000000"/>
+                      </a:solidFill>
+                      <a:prstDash val="solid"/>
+                      <a:round/>
+                      <a:headEnd type="none" w="med" len="med"/>
+                      <a:tailEnd type="none" w="med" len="med"/>
+                    </a:lnL>
+                    <a:lnR w="12700" cap="flat" cmpd="sng" algn="ctr">
+                      <a:solidFill>
+                        <a:srgbClr val="000000"/>
+                      </a:solidFill>
+                      <a:prstDash val="solid"/>
+                      <a:round/>
+                      <a:headEnd type="none" w="med" len="med"/>
+                      <a:tailEnd type="none" w="med" len="med"/>
+                    </a:lnR>
+                    <a:lnT w="12700" cap="flat" cmpd="sng" algn="ctr">
+                      <a:solidFill>
+                        <a:srgbClr val="000000"/>
+                      </a:solidFill>
+                      <a:prstDash val="solid"/>
+                      <a:round/>
+                      <a:headEnd type="none" w="med" len="med"/>
+                      <a:tailEnd type="none" w="med" len="med"/>
+                    </a:lnT>
+                    <a:lnB w="12700" cap="flat" cmpd="sng" algn="ctr">
+                      <a:solidFill>
+                        <a:srgbClr val="000000"/>
+                      </a:solidFill>
+                      <a:prstDash val="solid"/>
+                      <a:round/>
+                      <a:headEnd type="none" w="med" len="med"/>
+                      <a:tailEnd type="none" w="med" len="med"/>
+                    </a:lnB>
+                  </a:tcPr>
+                </a:tc>
+                <a:tc>
+                  <a:txBody>
+                    <a:bodyPr/>
+                    <a:lstStyle/>
+                    <a:p>
+                      <a:pPr algn="ctr" rtl="0" fontAlgn="t">
+                        <a:spcBef>
+                          <a:spcPts val="0"/>
+                        </a:spcBef>
+                        <a:spcAft>
+                          <a:spcPts val="0"/>
+                        </a:spcAft>
+                      </a:pPr>
+                      <a:r>
+                        <a:rPr lang="ru-RU" sz="1100" b="0" i="0" u="none" strike="noStrike" dirty="0">
+                          <a:solidFill>
+                            <a:srgbClr val="000000"/>
+                          </a:solidFill>
+                          <a:effectLst/>
+                          <a:latin typeface="Arial" panose="020B0604020202020204" pitchFamily="34" charset="0"/>
+                        </a:rPr>
+                        <a:t>0</a:t>
+                      </a:r>
+                      <a:endParaRPr lang="ru-RU" dirty="0">
+                        <a:effectLst/>
+                      </a:endParaRPr>
+                    </a:p>
+                  </a:txBody>
+                  <a:tcPr marL="63500" marR="63500" marT="63500" marB="63500" anchor="ctr">
+                    <a:lnL w="12700" cap="flat" cmpd="sng" algn="ctr">
+                      <a:solidFill>
+                        <a:srgbClr val="000000"/>
+                      </a:solidFill>
+                      <a:prstDash val="solid"/>
+                      <a:round/>
+                      <a:headEnd type="none" w="med" len="med"/>
+                      <a:tailEnd type="none" w="med" len="med"/>
+                    </a:lnL>
+                    <a:lnR w="12700" cap="flat" cmpd="sng" algn="ctr">
+                      <a:solidFill>
+                        <a:srgbClr val="000000"/>
+                      </a:solidFill>
+                      <a:prstDash val="solid"/>
+                      <a:round/>
+                      <a:headEnd type="none" w="med" len="med"/>
+                      <a:tailEnd type="none" w="med" len="med"/>
+                    </a:lnR>
+                    <a:lnT w="12700" cap="flat" cmpd="sng" algn="ctr">
+                      <a:solidFill>
+                        <a:srgbClr val="000000"/>
+                      </a:solidFill>
+                      <a:prstDash val="solid"/>
+                      <a:round/>
+                      <a:headEnd type="none" w="med" len="med"/>
+                      <a:tailEnd type="none" w="med" len="med"/>
+                    </a:lnT>
+                    <a:lnB w="12700" cap="flat" cmpd="sng" algn="ctr">
+                      <a:solidFill>
+                        <a:srgbClr val="000000"/>
+                      </a:solidFill>
+                      <a:prstDash val="solid"/>
+                      <a:round/>
+                      <a:headEnd type="none" w="med" len="med"/>
+                      <a:tailEnd type="none" w="med" len="med"/>
+                    </a:lnB>
+                  </a:tcPr>
+                </a:tc>
+                <a:tc>
+                  <a:txBody>
+                    <a:bodyPr/>
+                    <a:lstStyle/>
+                    <a:p>
+                      <a:pPr algn="ctr" rtl="0" fontAlgn="t">
+                        <a:spcBef>
+                          <a:spcPts val="0"/>
+                        </a:spcBef>
+                        <a:spcAft>
+                          <a:spcPts val="0"/>
+                        </a:spcAft>
+                      </a:pPr>
+                      <a:r>
+                        <a:rPr lang="ru-RU" sz="1100" b="0" i="0" u="none" strike="noStrike">
+                          <a:solidFill>
+                            <a:srgbClr val="000000"/>
+                          </a:solidFill>
+                          <a:effectLst/>
+                          <a:latin typeface="Arial" panose="020B0604020202020204" pitchFamily="34" charset="0"/>
+                        </a:rPr>
+                        <a:t>2</a:t>
+                      </a:r>
+                      <a:endParaRPr lang="ru-RU">
+                        <a:effectLst/>
+                      </a:endParaRPr>
+                    </a:p>
+                  </a:txBody>
+                  <a:tcPr marL="63500" marR="63500" marT="63500" marB="63500" anchor="ctr">
+                    <a:lnL w="12700" cap="flat" cmpd="sng" algn="ctr">
+                      <a:solidFill>
+                        <a:srgbClr val="000000"/>
+                      </a:solidFill>
+                      <a:prstDash val="solid"/>
+                      <a:round/>
+                      <a:headEnd type="none" w="med" len="med"/>
+                      <a:tailEnd type="none" w="med" len="med"/>
+                    </a:lnL>
+                    <a:lnR w="12700" cap="flat" cmpd="sng" algn="ctr">
+                      <a:solidFill>
+                        <a:srgbClr val="000000"/>
+                      </a:solidFill>
+                      <a:prstDash val="solid"/>
+                      <a:round/>
+                      <a:headEnd type="none" w="med" len="med"/>
+                      <a:tailEnd type="none" w="med" len="med"/>
+                    </a:lnR>
+                    <a:lnT w="12700" cap="flat" cmpd="sng" algn="ctr">
+                      <a:solidFill>
+                        <a:srgbClr val="000000"/>
+                      </a:solidFill>
+                      <a:prstDash val="solid"/>
+                      <a:round/>
+                      <a:headEnd type="none" w="med" len="med"/>
+                      <a:tailEnd type="none" w="med" len="med"/>
+                    </a:lnT>
+                    <a:lnB w="12700" cap="flat" cmpd="sng" algn="ctr">
+                      <a:solidFill>
+                        <a:srgbClr val="000000"/>
+                      </a:solidFill>
+                      <a:prstDash val="solid"/>
+                      <a:round/>
+                      <a:headEnd type="none" w="med" len="med"/>
+                      <a:tailEnd type="none" w="med" len="med"/>
+                    </a:lnB>
+                  </a:tcPr>
+                </a:tc>
+                <a:extLst>
+                  <a:ext uri="{0D108BD9-81ED-4DB2-BD59-A6C34878D82A}">
+                    <a16:rowId xmlns:a16="http://schemas.microsoft.com/office/drawing/2014/main" val="3027098782"/>
+                  </a:ext>
+                </a:extLst>
+              </a:tr>
+              <a:tr h="402690">
+                <a:tc>
+                  <a:txBody>
+                    <a:bodyPr/>
+                    <a:lstStyle/>
+                    <a:p>
+                      <a:pPr algn="l" rtl="0" fontAlgn="t">
+                        <a:spcBef>
+                          <a:spcPts val="0"/>
+                        </a:spcBef>
+                        <a:spcAft>
+                          <a:spcPts val="0"/>
+                        </a:spcAft>
+                      </a:pPr>
+                      <a:r>
+                        <a:rPr lang="en-US" sz="1100" b="0" i="0" u="none" strike="noStrike" dirty="0" err="1">
+                          <a:solidFill>
+                            <a:srgbClr val="000000"/>
+                          </a:solidFill>
+                          <a:effectLst/>
+                          <a:latin typeface="Arial" panose="020B0604020202020204" pitchFamily="34" charset="0"/>
+                        </a:rPr>
+                        <a:t>CRDStrategy</a:t>
+                      </a:r>
+                      <a:endParaRPr lang="en-US" dirty="0">
+                        <a:effectLst/>
+                      </a:endParaRPr>
+                    </a:p>
+                  </a:txBody>
+                  <a:tcPr marL="63500" marR="63500" marT="63500" marB="63500" anchor="ctr">
+                    <a:lnL w="12700" cap="flat" cmpd="sng" algn="ctr">
+                      <a:solidFill>
+                        <a:srgbClr val="000000"/>
+                      </a:solidFill>
+                      <a:prstDash val="solid"/>
+                      <a:round/>
+                      <a:headEnd type="none" w="med" len="med"/>
+                      <a:tailEnd type="none" w="med" len="med"/>
+                    </a:lnL>
+                    <a:lnR w="12700" cap="flat" cmpd="sng" algn="ctr">
+                      <a:solidFill>
+                        <a:srgbClr val="000000"/>
+                      </a:solidFill>
+                      <a:prstDash val="solid"/>
+                      <a:round/>
+                      <a:headEnd type="none" w="med" len="med"/>
+                      <a:tailEnd type="none" w="med" len="med"/>
+                    </a:lnR>
+                    <a:lnT w="12700" cap="flat" cmpd="sng" algn="ctr">
+                      <a:solidFill>
+                        <a:srgbClr val="000000"/>
+                      </a:solidFill>
+                      <a:prstDash val="solid"/>
+                      <a:round/>
+                      <a:headEnd type="none" w="med" len="med"/>
+                      <a:tailEnd type="none" w="med" len="med"/>
+                    </a:lnT>
+                    <a:lnB w="12700" cap="flat" cmpd="sng" algn="ctr">
+                      <a:solidFill>
+                        <a:srgbClr val="000000"/>
+                      </a:solidFill>
+                      <a:prstDash val="solid"/>
+                      <a:round/>
+                      <a:headEnd type="none" w="med" len="med"/>
+                      <a:tailEnd type="none" w="med" len="med"/>
+                    </a:lnB>
+                  </a:tcPr>
+                </a:tc>
+                <a:tc>
+                  <a:txBody>
+                    <a:bodyPr/>
+                    <a:lstStyle/>
+                    <a:p>
+                      <a:pPr algn="ctr" rtl="0" fontAlgn="t">
+                        <a:spcBef>
+                          <a:spcPts val="0"/>
+                        </a:spcBef>
+                        <a:spcAft>
+                          <a:spcPts val="0"/>
+                        </a:spcAft>
+                      </a:pPr>
+                      <a:r>
+                        <a:rPr lang="ru-RU" sz="1100" b="0" i="0" u="none" strike="noStrike" dirty="0">
+                          <a:solidFill>
+                            <a:srgbClr val="000000"/>
+                          </a:solidFill>
+                          <a:effectLst/>
+                          <a:latin typeface="Arial" panose="020B0604020202020204" pitchFamily="34" charset="0"/>
+                        </a:rPr>
+                        <a:t>1</a:t>
+                      </a:r>
+                      <a:endParaRPr lang="ru-RU" dirty="0">
+                        <a:effectLst/>
+                      </a:endParaRPr>
+                    </a:p>
+                  </a:txBody>
+                  <a:tcPr marL="63500" marR="63500" marT="63500" marB="63500" anchor="ctr">
+                    <a:lnL w="12700" cap="flat" cmpd="sng" algn="ctr">
+                      <a:solidFill>
+                        <a:srgbClr val="000000"/>
+                      </a:solidFill>
+                      <a:prstDash val="solid"/>
+                      <a:round/>
+                      <a:headEnd type="none" w="med" len="med"/>
+                      <a:tailEnd type="none" w="med" len="med"/>
+                    </a:lnL>
+                    <a:lnR w="12700" cap="flat" cmpd="sng" algn="ctr">
+                      <a:solidFill>
+                        <a:srgbClr val="000000"/>
+                      </a:solidFill>
+                      <a:prstDash val="solid"/>
+                      <a:round/>
+                      <a:headEnd type="none" w="med" len="med"/>
+                      <a:tailEnd type="none" w="med" len="med"/>
+                    </a:lnR>
+                    <a:lnT w="12700" cap="flat" cmpd="sng" algn="ctr">
+                      <a:solidFill>
+                        <a:srgbClr val="000000"/>
+                      </a:solidFill>
+                      <a:prstDash val="solid"/>
+                      <a:round/>
+                      <a:headEnd type="none" w="med" len="med"/>
+                      <a:tailEnd type="none" w="med" len="med"/>
+                    </a:lnT>
+                    <a:lnB w="12700" cap="flat" cmpd="sng" algn="ctr">
+                      <a:solidFill>
+                        <a:srgbClr val="000000"/>
+                      </a:solidFill>
+                      <a:prstDash val="solid"/>
+                      <a:round/>
+                      <a:headEnd type="none" w="med" len="med"/>
+                      <a:tailEnd type="none" w="med" len="med"/>
+                    </a:lnB>
+                  </a:tcPr>
+                </a:tc>
+                <a:tc>
+                  <a:txBody>
+                    <a:bodyPr/>
+                    <a:lstStyle/>
+                    <a:p>
+                      <a:pPr algn="ctr" rtl="0" fontAlgn="t">
+                        <a:spcBef>
+                          <a:spcPts val="0"/>
+                        </a:spcBef>
+                        <a:spcAft>
+                          <a:spcPts val="0"/>
+                        </a:spcAft>
+                      </a:pPr>
+                      <a:r>
+                        <a:rPr lang="ru-RU" sz="1100" b="0" i="0" u="none" strike="noStrike">
+                          <a:solidFill>
+                            <a:srgbClr val="000000"/>
+                          </a:solidFill>
+                          <a:effectLst/>
+                          <a:latin typeface="Arial" panose="020B0604020202020204" pitchFamily="34" charset="0"/>
+                        </a:rPr>
+                        <a:t>1</a:t>
+                      </a:r>
+                      <a:endParaRPr lang="ru-RU">
+                        <a:effectLst/>
+                      </a:endParaRPr>
+                    </a:p>
+                  </a:txBody>
+                  <a:tcPr marL="63500" marR="63500" marT="63500" marB="63500" anchor="ctr">
+                    <a:lnL w="12700" cap="flat" cmpd="sng" algn="ctr">
+                      <a:solidFill>
+                        <a:srgbClr val="000000"/>
+                      </a:solidFill>
+                      <a:prstDash val="solid"/>
+                      <a:round/>
+                      <a:headEnd type="none" w="med" len="med"/>
+                      <a:tailEnd type="none" w="med" len="med"/>
+                    </a:lnL>
+                    <a:lnR w="12700" cap="flat" cmpd="sng" algn="ctr">
+                      <a:solidFill>
+                        <a:srgbClr val="000000"/>
+                      </a:solidFill>
+                      <a:prstDash val="solid"/>
+                      <a:round/>
+                      <a:headEnd type="none" w="med" len="med"/>
+                      <a:tailEnd type="none" w="med" len="med"/>
+                    </a:lnR>
+                    <a:lnT w="12700" cap="flat" cmpd="sng" algn="ctr">
+                      <a:solidFill>
+                        <a:srgbClr val="000000"/>
+                      </a:solidFill>
+                      <a:prstDash val="solid"/>
+                      <a:round/>
+                      <a:headEnd type="none" w="med" len="med"/>
+                      <a:tailEnd type="none" w="med" len="med"/>
+                    </a:lnT>
+                    <a:lnB w="12700" cap="flat" cmpd="sng" algn="ctr">
+                      <a:solidFill>
+                        <a:srgbClr val="000000"/>
+                      </a:solidFill>
+                      <a:prstDash val="solid"/>
+                      <a:round/>
+                      <a:headEnd type="none" w="med" len="med"/>
+                      <a:tailEnd type="none" w="med" len="med"/>
+                    </a:lnB>
+                  </a:tcPr>
+                </a:tc>
+                <a:tc>
+                  <a:txBody>
+                    <a:bodyPr/>
+                    <a:lstStyle/>
+                    <a:p>
+                      <a:pPr algn="ctr" rtl="0" fontAlgn="t">
+                        <a:spcBef>
+                          <a:spcPts val="0"/>
+                        </a:spcBef>
+                        <a:spcAft>
+                          <a:spcPts val="0"/>
+                        </a:spcAft>
+                      </a:pPr>
+                      <a:r>
+                        <a:rPr lang="ru-RU" sz="1100" b="0" i="0" u="none" strike="noStrike">
+                          <a:solidFill>
+                            <a:srgbClr val="000000"/>
+                          </a:solidFill>
+                          <a:effectLst/>
+                          <a:latin typeface="Arial" panose="020B0604020202020204" pitchFamily="34" charset="0"/>
+                        </a:rPr>
+                        <a:t>0</a:t>
+                      </a:r>
+                      <a:endParaRPr lang="ru-RU">
+                        <a:effectLst/>
+                      </a:endParaRPr>
+                    </a:p>
+                  </a:txBody>
+                  <a:tcPr marL="63500" marR="63500" marT="63500" marB="63500" anchor="ctr">
+                    <a:lnL w="12700" cap="flat" cmpd="sng" algn="ctr">
+                      <a:solidFill>
+                        <a:srgbClr val="000000"/>
+                      </a:solidFill>
+                      <a:prstDash val="solid"/>
+                      <a:round/>
+                      <a:headEnd type="none" w="med" len="med"/>
+                      <a:tailEnd type="none" w="med" len="med"/>
+                    </a:lnL>
+                    <a:lnR w="12700" cap="flat" cmpd="sng" algn="ctr">
+                      <a:solidFill>
+                        <a:srgbClr val="000000"/>
+                      </a:solidFill>
+                      <a:prstDash val="solid"/>
+                      <a:round/>
+                      <a:headEnd type="none" w="med" len="med"/>
+                      <a:tailEnd type="none" w="med" len="med"/>
+                    </a:lnR>
+                    <a:lnT w="12700" cap="flat" cmpd="sng" algn="ctr">
+                      <a:solidFill>
+                        <a:srgbClr val="000000"/>
+                      </a:solidFill>
+                      <a:prstDash val="solid"/>
+                      <a:round/>
+                      <a:headEnd type="none" w="med" len="med"/>
+                      <a:tailEnd type="none" w="med" len="med"/>
+                    </a:lnT>
+                    <a:lnB w="12700" cap="flat" cmpd="sng" algn="ctr">
+                      <a:solidFill>
+                        <a:srgbClr val="000000"/>
+                      </a:solidFill>
+                      <a:prstDash val="solid"/>
+                      <a:round/>
+                      <a:headEnd type="none" w="med" len="med"/>
+                      <a:tailEnd type="none" w="med" len="med"/>
+                    </a:lnB>
+                  </a:tcPr>
+                </a:tc>
+                <a:tc>
+                  <a:txBody>
+                    <a:bodyPr/>
+                    <a:lstStyle/>
+                    <a:p>
+                      <a:pPr algn="ctr" rtl="0" fontAlgn="t">
+                        <a:spcBef>
+                          <a:spcPts val="0"/>
+                        </a:spcBef>
+                        <a:spcAft>
+                          <a:spcPts val="0"/>
+                        </a:spcAft>
+                      </a:pPr>
+                      <a:r>
+                        <a:rPr lang="ru-RU" sz="1100" b="0" i="0" u="none" strike="noStrike">
+                          <a:solidFill>
+                            <a:srgbClr val="000000"/>
+                          </a:solidFill>
+                          <a:effectLst/>
+                          <a:latin typeface="Arial" panose="020B0604020202020204" pitchFamily="34" charset="0"/>
+                        </a:rPr>
+                        <a:t>2</a:t>
+                      </a:r>
+                      <a:endParaRPr lang="ru-RU">
+                        <a:effectLst/>
+                      </a:endParaRPr>
+                    </a:p>
+                  </a:txBody>
+                  <a:tcPr marL="63500" marR="63500" marT="63500" marB="63500" anchor="ctr">
+                    <a:lnL w="12700" cap="flat" cmpd="sng" algn="ctr">
+                      <a:solidFill>
+                        <a:srgbClr val="000000"/>
+                      </a:solidFill>
+                      <a:prstDash val="solid"/>
+                      <a:round/>
+                      <a:headEnd type="none" w="med" len="med"/>
+                      <a:tailEnd type="none" w="med" len="med"/>
+                    </a:lnL>
+                    <a:lnR w="12700" cap="flat" cmpd="sng" algn="ctr">
+                      <a:solidFill>
+                        <a:srgbClr val="000000"/>
+                      </a:solidFill>
+                      <a:prstDash val="solid"/>
+                      <a:round/>
+                      <a:headEnd type="none" w="med" len="med"/>
+                      <a:tailEnd type="none" w="med" len="med"/>
+                    </a:lnR>
+                    <a:lnT w="12700" cap="flat" cmpd="sng" algn="ctr">
+                      <a:solidFill>
+                        <a:srgbClr val="000000"/>
+                      </a:solidFill>
+                      <a:prstDash val="solid"/>
+                      <a:round/>
+                      <a:headEnd type="none" w="med" len="med"/>
+                      <a:tailEnd type="none" w="med" len="med"/>
+                    </a:lnT>
+                    <a:lnB w="12700" cap="flat" cmpd="sng" algn="ctr">
+                      <a:solidFill>
+                        <a:srgbClr val="000000"/>
+                      </a:solidFill>
+                      <a:prstDash val="solid"/>
+                      <a:round/>
+                      <a:headEnd type="none" w="med" len="med"/>
+                      <a:tailEnd type="none" w="med" len="med"/>
+                    </a:lnB>
+                  </a:tcPr>
+                </a:tc>
+                <a:extLst>
+                  <a:ext uri="{0D108BD9-81ED-4DB2-BD59-A6C34878D82A}">
+                    <a16:rowId xmlns:a16="http://schemas.microsoft.com/office/drawing/2014/main" val="2955508502"/>
+                  </a:ext>
+                </a:extLst>
+              </a:tr>
+              <a:tr h="402690">
+                <a:tc>
+                  <a:txBody>
+                    <a:bodyPr/>
+                    <a:lstStyle/>
+                    <a:p>
+                      <a:pPr algn="l" rtl="0" fontAlgn="t">
+                        <a:spcBef>
+                          <a:spcPts val="0"/>
+                        </a:spcBef>
+                        <a:spcAft>
+                          <a:spcPts val="0"/>
+                        </a:spcAft>
+                      </a:pPr>
+                      <a:r>
+                        <a:rPr lang="en-US" sz="1100" b="0" i="0" u="none" strike="noStrike">
+                          <a:solidFill>
+                            <a:srgbClr val="000000"/>
+                          </a:solidFill>
+                          <a:effectLst/>
+                          <a:latin typeface="Arial" panose="020B0604020202020204" pitchFamily="34" charset="0"/>
+                        </a:rPr>
+                        <a:t>SourceCodeStrategy</a:t>
+                      </a:r>
+                      <a:endParaRPr lang="en-US">
+                        <a:effectLst/>
+                      </a:endParaRPr>
+                    </a:p>
+                  </a:txBody>
+                  <a:tcPr marL="63500" marR="63500" marT="63500" marB="63500" anchor="ctr">
+                    <a:lnL w="12700" cap="flat" cmpd="sng" algn="ctr">
+                      <a:solidFill>
+                        <a:srgbClr val="000000"/>
+                      </a:solidFill>
+                      <a:prstDash val="solid"/>
+                      <a:round/>
+                      <a:headEnd type="none" w="med" len="med"/>
+                      <a:tailEnd type="none" w="med" len="med"/>
+                    </a:lnL>
+                    <a:lnR w="12700" cap="flat" cmpd="sng" algn="ctr">
+                      <a:solidFill>
+                        <a:srgbClr val="000000"/>
+                      </a:solidFill>
+                      <a:prstDash val="solid"/>
+                      <a:round/>
+                      <a:headEnd type="none" w="med" len="med"/>
+                      <a:tailEnd type="none" w="med" len="med"/>
+                    </a:lnR>
+                    <a:lnT w="12700" cap="flat" cmpd="sng" algn="ctr">
+                      <a:solidFill>
+                        <a:srgbClr val="000000"/>
+                      </a:solidFill>
+                      <a:prstDash val="solid"/>
+                      <a:round/>
+                      <a:headEnd type="none" w="med" len="med"/>
+                      <a:tailEnd type="none" w="med" len="med"/>
+                    </a:lnT>
+                    <a:lnB w="12700" cap="flat" cmpd="sng" algn="ctr">
+                      <a:solidFill>
+                        <a:srgbClr val="000000"/>
+                      </a:solidFill>
+                      <a:prstDash val="solid"/>
+                      <a:round/>
+                      <a:headEnd type="none" w="med" len="med"/>
+                      <a:tailEnd type="none" w="med" len="med"/>
+                    </a:lnB>
+                  </a:tcPr>
+                </a:tc>
+                <a:tc>
+                  <a:txBody>
+                    <a:bodyPr/>
+                    <a:lstStyle/>
+                    <a:p>
+                      <a:pPr algn="ctr" rtl="0" fontAlgn="t">
+                        <a:spcBef>
+                          <a:spcPts val="0"/>
+                        </a:spcBef>
+                        <a:spcAft>
+                          <a:spcPts val="0"/>
+                        </a:spcAft>
+                      </a:pPr>
+                      <a:r>
+                        <a:rPr lang="ru-RU" sz="1100" b="0" i="0" u="none" strike="noStrike">
+                          <a:solidFill>
+                            <a:srgbClr val="000000"/>
+                          </a:solidFill>
+                          <a:effectLst/>
+                          <a:latin typeface="Arial" panose="020B0604020202020204" pitchFamily="34" charset="0"/>
+                        </a:rPr>
+                        <a:t>1</a:t>
+                      </a:r>
+                      <a:endParaRPr lang="ru-RU">
+                        <a:effectLst/>
+                      </a:endParaRPr>
+                    </a:p>
+                  </a:txBody>
+                  <a:tcPr marL="63500" marR="63500" marT="63500" marB="63500" anchor="ctr">
+                    <a:lnL w="12700" cap="flat" cmpd="sng" algn="ctr">
+                      <a:solidFill>
+                        <a:srgbClr val="000000"/>
+                      </a:solidFill>
+                      <a:prstDash val="solid"/>
+                      <a:round/>
+                      <a:headEnd type="none" w="med" len="med"/>
+                      <a:tailEnd type="none" w="med" len="med"/>
+                    </a:lnL>
+                    <a:lnR w="12700" cap="flat" cmpd="sng" algn="ctr">
+                      <a:solidFill>
+                        <a:srgbClr val="000000"/>
+                      </a:solidFill>
+                      <a:prstDash val="solid"/>
+                      <a:round/>
+                      <a:headEnd type="none" w="med" len="med"/>
+                      <a:tailEnd type="none" w="med" len="med"/>
+                    </a:lnR>
+                    <a:lnT w="12700" cap="flat" cmpd="sng" algn="ctr">
+                      <a:solidFill>
+                        <a:srgbClr val="000000"/>
+                      </a:solidFill>
+                      <a:prstDash val="solid"/>
+                      <a:round/>
+                      <a:headEnd type="none" w="med" len="med"/>
+                      <a:tailEnd type="none" w="med" len="med"/>
+                    </a:lnT>
+                    <a:lnB w="12700" cap="flat" cmpd="sng" algn="ctr">
+                      <a:solidFill>
+                        <a:srgbClr val="000000"/>
+                      </a:solidFill>
+                      <a:prstDash val="solid"/>
+                      <a:round/>
+                      <a:headEnd type="none" w="med" len="med"/>
+                      <a:tailEnd type="none" w="med" len="med"/>
+                    </a:lnB>
+                  </a:tcPr>
+                </a:tc>
+                <a:tc>
+                  <a:txBody>
+                    <a:bodyPr/>
+                    <a:lstStyle/>
+                    <a:p>
+                      <a:pPr algn="ctr" rtl="0" fontAlgn="t">
+                        <a:spcBef>
+                          <a:spcPts val="0"/>
+                        </a:spcBef>
+                        <a:spcAft>
+                          <a:spcPts val="0"/>
+                        </a:spcAft>
+                      </a:pPr>
+                      <a:r>
+                        <a:rPr lang="ru-RU" sz="1100" b="0" i="0" u="none" strike="noStrike" dirty="0">
+                          <a:solidFill>
+                            <a:srgbClr val="000000"/>
+                          </a:solidFill>
+                          <a:effectLst/>
+                          <a:latin typeface="Arial" panose="020B0604020202020204" pitchFamily="34" charset="0"/>
+                        </a:rPr>
+                        <a:t>1</a:t>
+                      </a:r>
+                      <a:endParaRPr lang="ru-RU" dirty="0">
+                        <a:effectLst/>
+                      </a:endParaRPr>
+                    </a:p>
+                  </a:txBody>
+                  <a:tcPr marL="63500" marR="63500" marT="63500" marB="63500" anchor="ctr">
+                    <a:lnL w="12700" cap="flat" cmpd="sng" algn="ctr">
+                      <a:solidFill>
+                        <a:srgbClr val="000000"/>
+                      </a:solidFill>
+                      <a:prstDash val="solid"/>
+                      <a:round/>
+                      <a:headEnd type="none" w="med" len="med"/>
+                      <a:tailEnd type="none" w="med" len="med"/>
+                    </a:lnL>
+                    <a:lnR w="12700" cap="flat" cmpd="sng" algn="ctr">
+                      <a:solidFill>
+                        <a:srgbClr val="000000"/>
+                      </a:solidFill>
+                      <a:prstDash val="solid"/>
+                      <a:round/>
+                      <a:headEnd type="none" w="med" len="med"/>
+                      <a:tailEnd type="none" w="med" len="med"/>
+                    </a:lnR>
+                    <a:lnT w="12700" cap="flat" cmpd="sng" algn="ctr">
+                      <a:solidFill>
+                        <a:srgbClr val="000000"/>
+                      </a:solidFill>
+                      <a:prstDash val="solid"/>
+                      <a:round/>
+                      <a:headEnd type="none" w="med" len="med"/>
+                      <a:tailEnd type="none" w="med" len="med"/>
+                    </a:lnT>
+                    <a:lnB w="12700" cap="flat" cmpd="sng" algn="ctr">
+                      <a:solidFill>
+                        <a:srgbClr val="000000"/>
+                      </a:solidFill>
+                      <a:prstDash val="solid"/>
+                      <a:round/>
+                      <a:headEnd type="none" w="med" len="med"/>
+                      <a:tailEnd type="none" w="med" len="med"/>
+                    </a:lnB>
+                  </a:tcPr>
+                </a:tc>
+                <a:tc>
+                  <a:txBody>
+                    <a:bodyPr/>
+                    <a:lstStyle/>
+                    <a:p>
+                      <a:pPr algn="ctr" rtl="0" fontAlgn="t">
+                        <a:spcBef>
+                          <a:spcPts val="0"/>
+                        </a:spcBef>
+                        <a:spcAft>
+                          <a:spcPts val="0"/>
+                        </a:spcAft>
+                      </a:pPr>
+                      <a:r>
+                        <a:rPr lang="ru-RU" sz="1100" b="0" i="0" u="none" strike="noStrike">
+                          <a:solidFill>
+                            <a:srgbClr val="000000"/>
+                          </a:solidFill>
+                          <a:effectLst/>
+                          <a:latin typeface="Arial" panose="020B0604020202020204" pitchFamily="34" charset="0"/>
+                        </a:rPr>
+                        <a:t>0</a:t>
+                      </a:r>
+                      <a:endParaRPr lang="ru-RU">
+                        <a:effectLst/>
+                      </a:endParaRPr>
+                    </a:p>
+                  </a:txBody>
+                  <a:tcPr marL="63500" marR="63500" marT="63500" marB="63500" anchor="ctr">
+                    <a:lnL w="12700" cap="flat" cmpd="sng" algn="ctr">
+                      <a:solidFill>
+                        <a:srgbClr val="000000"/>
+                      </a:solidFill>
+                      <a:prstDash val="solid"/>
+                      <a:round/>
+                      <a:headEnd type="none" w="med" len="med"/>
+                      <a:tailEnd type="none" w="med" len="med"/>
+                    </a:lnL>
+                    <a:lnR w="12700" cap="flat" cmpd="sng" algn="ctr">
+                      <a:solidFill>
+                        <a:srgbClr val="000000"/>
+                      </a:solidFill>
+                      <a:prstDash val="solid"/>
+                      <a:round/>
+                      <a:headEnd type="none" w="med" len="med"/>
+                      <a:tailEnd type="none" w="med" len="med"/>
+                    </a:lnR>
+                    <a:lnT w="12700" cap="flat" cmpd="sng" algn="ctr">
+                      <a:solidFill>
+                        <a:srgbClr val="000000"/>
+                      </a:solidFill>
+                      <a:prstDash val="solid"/>
+                      <a:round/>
+                      <a:headEnd type="none" w="med" len="med"/>
+                      <a:tailEnd type="none" w="med" len="med"/>
+                    </a:lnT>
+                    <a:lnB w="12700" cap="flat" cmpd="sng" algn="ctr">
+                      <a:solidFill>
+                        <a:srgbClr val="000000"/>
+                      </a:solidFill>
+                      <a:prstDash val="solid"/>
+                      <a:round/>
+                      <a:headEnd type="none" w="med" len="med"/>
+                      <a:tailEnd type="none" w="med" len="med"/>
+                    </a:lnB>
+                  </a:tcPr>
+                </a:tc>
+                <a:tc>
+                  <a:txBody>
+                    <a:bodyPr/>
+                    <a:lstStyle/>
+                    <a:p>
+                      <a:pPr algn="ctr" rtl="0" fontAlgn="t">
+                        <a:spcBef>
+                          <a:spcPts val="0"/>
+                        </a:spcBef>
+                        <a:spcAft>
+                          <a:spcPts val="0"/>
+                        </a:spcAft>
+                      </a:pPr>
+                      <a:r>
+                        <a:rPr lang="ru-RU" sz="1100" b="0" i="0" u="none" strike="noStrike">
+                          <a:solidFill>
+                            <a:srgbClr val="000000"/>
+                          </a:solidFill>
+                          <a:effectLst/>
+                          <a:latin typeface="Arial" panose="020B0604020202020204" pitchFamily="34" charset="0"/>
+                        </a:rPr>
+                        <a:t>2</a:t>
+                      </a:r>
+                      <a:endParaRPr lang="ru-RU">
+                        <a:effectLst/>
+                      </a:endParaRPr>
+                    </a:p>
+                  </a:txBody>
+                  <a:tcPr marL="63500" marR="63500" marT="63500" marB="63500" anchor="ctr">
+                    <a:lnL w="12700" cap="flat" cmpd="sng" algn="ctr">
+                      <a:solidFill>
+                        <a:srgbClr val="000000"/>
+                      </a:solidFill>
+                      <a:prstDash val="solid"/>
+                      <a:round/>
+                      <a:headEnd type="none" w="med" len="med"/>
+                      <a:tailEnd type="none" w="med" len="med"/>
+                    </a:lnL>
+                    <a:lnR w="12700" cap="flat" cmpd="sng" algn="ctr">
+                      <a:solidFill>
+                        <a:srgbClr val="000000"/>
+                      </a:solidFill>
+                      <a:prstDash val="solid"/>
+                      <a:round/>
+                      <a:headEnd type="none" w="med" len="med"/>
+                      <a:tailEnd type="none" w="med" len="med"/>
+                    </a:lnR>
+                    <a:lnT w="12700" cap="flat" cmpd="sng" algn="ctr">
+                      <a:solidFill>
+                        <a:srgbClr val="000000"/>
+                      </a:solidFill>
+                      <a:prstDash val="solid"/>
+                      <a:round/>
+                      <a:headEnd type="none" w="med" len="med"/>
+                      <a:tailEnd type="none" w="med" len="med"/>
+                    </a:lnT>
+                    <a:lnB w="12700" cap="flat" cmpd="sng" algn="ctr">
+                      <a:solidFill>
+                        <a:srgbClr val="000000"/>
+                      </a:solidFill>
+                      <a:prstDash val="solid"/>
+                      <a:round/>
+                      <a:headEnd type="none" w="med" len="med"/>
+                      <a:tailEnd type="none" w="med" len="med"/>
+                    </a:lnB>
+                  </a:tcPr>
+                </a:tc>
+                <a:extLst>
+                  <a:ext uri="{0D108BD9-81ED-4DB2-BD59-A6C34878D82A}">
+                    <a16:rowId xmlns:a16="http://schemas.microsoft.com/office/drawing/2014/main" val="3386839106"/>
+                  </a:ext>
+                </a:extLst>
+              </a:tr>
+              <a:tr h="402690">
+                <a:tc>
+                  <a:txBody>
+                    <a:bodyPr/>
+                    <a:lstStyle/>
+                    <a:p>
+                      <a:pPr algn="l" rtl="0" fontAlgn="t">
+                        <a:spcBef>
+                          <a:spcPts val="0"/>
+                        </a:spcBef>
+                        <a:spcAft>
+                          <a:spcPts val="0"/>
+                        </a:spcAft>
+                      </a:pPr>
+                      <a:r>
+                        <a:rPr lang="en-US" sz="1100" b="0" i="0" u="none" strike="noStrike" dirty="0" err="1">
+                          <a:solidFill>
+                            <a:srgbClr val="000000"/>
+                          </a:solidFill>
+                          <a:effectLst/>
+                          <a:latin typeface="Arial" panose="020B0604020202020204" pitchFamily="34" charset="0"/>
+                        </a:rPr>
+                        <a:t>GitAdapter</a:t>
+                      </a:r>
+                      <a:endParaRPr lang="en-US" dirty="0">
+                        <a:effectLst/>
+                      </a:endParaRPr>
+                    </a:p>
+                  </a:txBody>
+                  <a:tcPr marL="63500" marR="63500" marT="63500" marB="63500" anchor="ctr">
+                    <a:lnL w="12700" cap="flat" cmpd="sng" algn="ctr">
+                      <a:solidFill>
+                        <a:srgbClr val="000000"/>
+                      </a:solidFill>
+                      <a:prstDash val="solid"/>
+                      <a:round/>
+                      <a:headEnd type="none" w="med" len="med"/>
+                      <a:tailEnd type="none" w="med" len="med"/>
+                    </a:lnL>
+                    <a:lnR w="12700" cap="flat" cmpd="sng" algn="ctr">
+                      <a:solidFill>
+                        <a:srgbClr val="000000"/>
+                      </a:solidFill>
+                      <a:prstDash val="solid"/>
+                      <a:round/>
+                      <a:headEnd type="none" w="med" len="med"/>
+                      <a:tailEnd type="none" w="med" len="med"/>
+                    </a:lnR>
+                    <a:lnT w="12700" cap="flat" cmpd="sng" algn="ctr">
+                      <a:solidFill>
+                        <a:srgbClr val="000000"/>
+                      </a:solidFill>
+                      <a:prstDash val="solid"/>
+                      <a:round/>
+                      <a:headEnd type="none" w="med" len="med"/>
+                      <a:tailEnd type="none" w="med" len="med"/>
+                    </a:lnT>
+                    <a:lnB w="12700" cap="flat" cmpd="sng" algn="ctr">
+                      <a:solidFill>
+                        <a:srgbClr val="000000"/>
+                      </a:solidFill>
+                      <a:prstDash val="solid"/>
+                      <a:round/>
+                      <a:headEnd type="none" w="med" len="med"/>
+                      <a:tailEnd type="none" w="med" len="med"/>
+                    </a:lnB>
+                  </a:tcPr>
+                </a:tc>
+                <a:tc>
+                  <a:txBody>
+                    <a:bodyPr/>
+                    <a:lstStyle/>
+                    <a:p>
+                      <a:pPr algn="ctr" rtl="0" fontAlgn="t">
+                        <a:spcBef>
+                          <a:spcPts val="0"/>
+                        </a:spcBef>
+                        <a:spcAft>
+                          <a:spcPts val="0"/>
+                        </a:spcAft>
+                      </a:pPr>
+                      <a:r>
+                        <a:rPr lang="ru-RU" sz="1100" b="0" i="0" u="none" strike="noStrike">
+                          <a:solidFill>
+                            <a:srgbClr val="000000"/>
+                          </a:solidFill>
+                          <a:effectLst/>
+                          <a:latin typeface="Arial" panose="020B0604020202020204" pitchFamily="34" charset="0"/>
+                        </a:rPr>
+                        <a:t>1</a:t>
+                      </a:r>
+                      <a:endParaRPr lang="ru-RU">
+                        <a:effectLst/>
+                      </a:endParaRPr>
+                    </a:p>
+                  </a:txBody>
+                  <a:tcPr marL="63500" marR="63500" marT="63500" marB="63500" anchor="ctr">
+                    <a:lnL w="12700" cap="flat" cmpd="sng" algn="ctr">
+                      <a:solidFill>
+                        <a:srgbClr val="000000"/>
+                      </a:solidFill>
+                      <a:prstDash val="solid"/>
+                      <a:round/>
+                      <a:headEnd type="none" w="med" len="med"/>
+                      <a:tailEnd type="none" w="med" len="med"/>
+                    </a:lnL>
+                    <a:lnR w="12700" cap="flat" cmpd="sng" algn="ctr">
+                      <a:solidFill>
+                        <a:srgbClr val="000000"/>
+                      </a:solidFill>
+                      <a:prstDash val="solid"/>
+                      <a:round/>
+                      <a:headEnd type="none" w="med" len="med"/>
+                      <a:tailEnd type="none" w="med" len="med"/>
+                    </a:lnR>
+                    <a:lnT w="12700" cap="flat" cmpd="sng" algn="ctr">
+                      <a:solidFill>
+                        <a:srgbClr val="000000"/>
+                      </a:solidFill>
+                      <a:prstDash val="solid"/>
+                      <a:round/>
+                      <a:headEnd type="none" w="med" len="med"/>
+                      <a:tailEnd type="none" w="med" len="med"/>
+                    </a:lnT>
+                    <a:lnB w="12700" cap="flat" cmpd="sng" algn="ctr">
+                      <a:solidFill>
+                        <a:srgbClr val="000000"/>
+                      </a:solidFill>
+                      <a:prstDash val="solid"/>
+                      <a:round/>
+                      <a:headEnd type="none" w="med" len="med"/>
+                      <a:tailEnd type="none" w="med" len="med"/>
+                    </a:lnB>
+                  </a:tcPr>
+                </a:tc>
+                <a:tc>
+                  <a:txBody>
+                    <a:bodyPr/>
+                    <a:lstStyle/>
+                    <a:p>
+                      <a:pPr algn="ctr" rtl="0" fontAlgn="t">
+                        <a:spcBef>
+                          <a:spcPts val="0"/>
+                        </a:spcBef>
+                        <a:spcAft>
+                          <a:spcPts val="0"/>
+                        </a:spcAft>
+                      </a:pPr>
+                      <a:r>
+                        <a:rPr lang="ru-RU" sz="1100" b="0" i="0" u="none" strike="noStrike" dirty="0">
+                          <a:solidFill>
+                            <a:srgbClr val="000000"/>
+                          </a:solidFill>
+                          <a:effectLst/>
+                          <a:latin typeface="Arial" panose="020B0604020202020204" pitchFamily="34" charset="0"/>
+                        </a:rPr>
+                        <a:t>1</a:t>
+                      </a:r>
+                      <a:endParaRPr lang="ru-RU" dirty="0">
+                        <a:effectLst/>
+                      </a:endParaRPr>
+                    </a:p>
+                  </a:txBody>
+                  <a:tcPr marL="63500" marR="63500" marT="63500" marB="63500" anchor="ctr">
+                    <a:lnL w="12700" cap="flat" cmpd="sng" algn="ctr">
+                      <a:solidFill>
+                        <a:srgbClr val="000000"/>
+                      </a:solidFill>
+                      <a:prstDash val="solid"/>
+                      <a:round/>
+                      <a:headEnd type="none" w="med" len="med"/>
+                      <a:tailEnd type="none" w="med" len="med"/>
+                    </a:lnL>
+                    <a:lnR w="12700" cap="flat" cmpd="sng" algn="ctr">
+                      <a:solidFill>
+                        <a:srgbClr val="000000"/>
+                      </a:solidFill>
+                      <a:prstDash val="solid"/>
+                      <a:round/>
+                      <a:headEnd type="none" w="med" len="med"/>
+                      <a:tailEnd type="none" w="med" len="med"/>
+                    </a:lnR>
+                    <a:lnT w="12700" cap="flat" cmpd="sng" algn="ctr">
+                      <a:solidFill>
+                        <a:srgbClr val="000000"/>
+                      </a:solidFill>
+                      <a:prstDash val="solid"/>
+                      <a:round/>
+                      <a:headEnd type="none" w="med" len="med"/>
+                      <a:tailEnd type="none" w="med" len="med"/>
+                    </a:lnT>
+                    <a:lnB w="12700" cap="flat" cmpd="sng" algn="ctr">
+                      <a:solidFill>
+                        <a:srgbClr val="000000"/>
+                      </a:solidFill>
+                      <a:prstDash val="solid"/>
+                      <a:round/>
+                      <a:headEnd type="none" w="med" len="med"/>
+                      <a:tailEnd type="none" w="med" len="med"/>
+                    </a:lnB>
+                  </a:tcPr>
+                </a:tc>
+                <a:tc>
+                  <a:txBody>
+                    <a:bodyPr/>
+                    <a:lstStyle/>
+                    <a:p>
+                      <a:pPr algn="ctr" rtl="0" fontAlgn="t">
+                        <a:spcBef>
+                          <a:spcPts val="0"/>
+                        </a:spcBef>
+                        <a:spcAft>
+                          <a:spcPts val="0"/>
+                        </a:spcAft>
+                      </a:pPr>
+                      <a:r>
+                        <a:rPr lang="ru-RU" sz="1100" b="0" i="0" u="none" strike="noStrike" dirty="0">
+                          <a:solidFill>
+                            <a:srgbClr val="000000"/>
+                          </a:solidFill>
+                          <a:effectLst/>
+                          <a:latin typeface="Arial" panose="020B0604020202020204" pitchFamily="34" charset="0"/>
+                        </a:rPr>
+                        <a:t>0</a:t>
+                      </a:r>
+                      <a:endParaRPr lang="ru-RU" dirty="0">
+                        <a:effectLst/>
+                      </a:endParaRPr>
+                    </a:p>
+                  </a:txBody>
+                  <a:tcPr marL="63500" marR="63500" marT="63500" marB="63500" anchor="ctr">
+                    <a:lnL w="12700" cap="flat" cmpd="sng" algn="ctr">
+                      <a:solidFill>
+                        <a:srgbClr val="000000"/>
+                      </a:solidFill>
+                      <a:prstDash val="solid"/>
+                      <a:round/>
+                      <a:headEnd type="none" w="med" len="med"/>
+                      <a:tailEnd type="none" w="med" len="med"/>
+                    </a:lnL>
+                    <a:lnR w="12700" cap="flat" cmpd="sng" algn="ctr">
+                      <a:solidFill>
+                        <a:srgbClr val="000000"/>
+                      </a:solidFill>
+                      <a:prstDash val="solid"/>
+                      <a:round/>
+                      <a:headEnd type="none" w="med" len="med"/>
+                      <a:tailEnd type="none" w="med" len="med"/>
+                    </a:lnR>
+                    <a:lnT w="12700" cap="flat" cmpd="sng" algn="ctr">
+                      <a:solidFill>
+                        <a:srgbClr val="000000"/>
+                      </a:solidFill>
+                      <a:prstDash val="solid"/>
+                      <a:round/>
+                      <a:headEnd type="none" w="med" len="med"/>
+                      <a:tailEnd type="none" w="med" len="med"/>
+                    </a:lnT>
+                    <a:lnB w="12700" cap="flat" cmpd="sng" algn="ctr">
+                      <a:solidFill>
+                        <a:srgbClr val="000000"/>
+                      </a:solidFill>
+                      <a:prstDash val="solid"/>
+                      <a:round/>
+                      <a:headEnd type="none" w="med" len="med"/>
+                      <a:tailEnd type="none" w="med" len="med"/>
+                    </a:lnB>
+                  </a:tcPr>
+                </a:tc>
+                <a:tc>
+                  <a:txBody>
+                    <a:bodyPr/>
+                    <a:lstStyle/>
+                    <a:p>
+                      <a:pPr algn="ctr" rtl="0" fontAlgn="t">
+                        <a:spcBef>
+                          <a:spcPts val="0"/>
+                        </a:spcBef>
+                        <a:spcAft>
+                          <a:spcPts val="0"/>
+                        </a:spcAft>
+                      </a:pPr>
+                      <a:r>
+                        <a:rPr lang="ru-RU" sz="1100" b="0" i="0" u="none" strike="noStrike">
+                          <a:solidFill>
+                            <a:srgbClr val="000000"/>
+                          </a:solidFill>
+                          <a:effectLst/>
+                          <a:latin typeface="Arial" panose="020B0604020202020204" pitchFamily="34" charset="0"/>
+                        </a:rPr>
+                        <a:t>2</a:t>
+                      </a:r>
+                      <a:endParaRPr lang="ru-RU">
+                        <a:effectLst/>
+                      </a:endParaRPr>
+                    </a:p>
+                  </a:txBody>
+                  <a:tcPr marL="63500" marR="63500" marT="63500" marB="63500" anchor="ctr">
+                    <a:lnL w="12700" cap="flat" cmpd="sng" algn="ctr">
+                      <a:solidFill>
+                        <a:srgbClr val="000000"/>
+                      </a:solidFill>
+                      <a:prstDash val="solid"/>
+                      <a:round/>
+                      <a:headEnd type="none" w="med" len="med"/>
+                      <a:tailEnd type="none" w="med" len="med"/>
+                    </a:lnL>
+                    <a:lnR w="12700" cap="flat" cmpd="sng" algn="ctr">
+                      <a:solidFill>
+                        <a:srgbClr val="000000"/>
+                      </a:solidFill>
+                      <a:prstDash val="solid"/>
+                      <a:round/>
+                      <a:headEnd type="none" w="med" len="med"/>
+                      <a:tailEnd type="none" w="med" len="med"/>
+                    </a:lnR>
+                    <a:lnT w="12700" cap="flat" cmpd="sng" algn="ctr">
+                      <a:solidFill>
+                        <a:srgbClr val="000000"/>
+                      </a:solidFill>
+                      <a:prstDash val="solid"/>
+                      <a:round/>
+                      <a:headEnd type="none" w="med" len="med"/>
+                      <a:tailEnd type="none" w="med" len="med"/>
+                    </a:lnT>
+                    <a:lnB w="12700" cap="flat" cmpd="sng" algn="ctr">
+                      <a:solidFill>
+                        <a:srgbClr val="000000"/>
+                      </a:solidFill>
+                      <a:prstDash val="solid"/>
+                      <a:round/>
+                      <a:headEnd type="none" w="med" len="med"/>
+                      <a:tailEnd type="none" w="med" len="med"/>
+                    </a:lnB>
+                  </a:tcPr>
+                </a:tc>
+                <a:extLst>
+                  <a:ext uri="{0D108BD9-81ED-4DB2-BD59-A6C34878D82A}">
+                    <a16:rowId xmlns:a16="http://schemas.microsoft.com/office/drawing/2014/main" val="175829328"/>
+                  </a:ext>
+                </a:extLst>
+              </a:tr>
+              <a:tr h="402690">
+                <a:tc>
+                  <a:txBody>
+                    <a:bodyPr/>
+                    <a:lstStyle/>
+                    <a:p>
+                      <a:pPr algn="l" rtl="0" fontAlgn="t">
+                        <a:spcBef>
+                          <a:spcPts val="0"/>
+                        </a:spcBef>
+                        <a:spcAft>
+                          <a:spcPts val="0"/>
+                        </a:spcAft>
+                      </a:pPr>
+                      <a:r>
+                        <a:rPr lang="en-US" sz="1100" b="0" i="0" u="none" strike="noStrike" dirty="0" err="1">
+                          <a:solidFill>
+                            <a:srgbClr val="000000"/>
+                          </a:solidFill>
+                          <a:effectLst/>
+                          <a:latin typeface="Arial" panose="020B0604020202020204" pitchFamily="34" charset="0"/>
+                        </a:rPr>
+                        <a:t>KubernetesAdapter</a:t>
+                      </a:r>
+                      <a:endParaRPr lang="en-US" dirty="0">
+                        <a:effectLst/>
+                      </a:endParaRPr>
+                    </a:p>
+                  </a:txBody>
+                  <a:tcPr marL="63500" marR="63500" marT="63500" marB="63500" anchor="ctr">
+                    <a:lnL w="12700" cap="flat" cmpd="sng" algn="ctr">
+                      <a:solidFill>
+                        <a:srgbClr val="000000"/>
+                      </a:solidFill>
+                      <a:prstDash val="solid"/>
+                      <a:round/>
+                      <a:headEnd type="none" w="med" len="med"/>
+                      <a:tailEnd type="none" w="med" len="med"/>
+                    </a:lnL>
+                    <a:lnR w="12700" cap="flat" cmpd="sng" algn="ctr">
+                      <a:solidFill>
+                        <a:srgbClr val="000000"/>
+                      </a:solidFill>
+                      <a:prstDash val="solid"/>
+                      <a:round/>
+                      <a:headEnd type="none" w="med" len="med"/>
+                      <a:tailEnd type="none" w="med" len="med"/>
+                    </a:lnR>
+                    <a:lnT w="12700" cap="flat" cmpd="sng" algn="ctr">
+                      <a:solidFill>
+                        <a:srgbClr val="000000"/>
+                      </a:solidFill>
+                      <a:prstDash val="solid"/>
+                      <a:round/>
+                      <a:headEnd type="none" w="med" len="med"/>
+                      <a:tailEnd type="none" w="med" len="med"/>
+                    </a:lnT>
+                    <a:lnB w="12700" cap="flat" cmpd="sng" algn="ctr">
+                      <a:solidFill>
+                        <a:srgbClr val="000000"/>
+                      </a:solidFill>
+                      <a:prstDash val="solid"/>
+                      <a:round/>
+                      <a:headEnd type="none" w="med" len="med"/>
+                      <a:tailEnd type="none" w="med" len="med"/>
+                    </a:lnB>
+                  </a:tcPr>
+                </a:tc>
+                <a:tc>
+                  <a:txBody>
+                    <a:bodyPr/>
+                    <a:lstStyle/>
+                    <a:p>
+                      <a:pPr algn="ctr" rtl="0" fontAlgn="t">
+                        <a:spcBef>
+                          <a:spcPts val="0"/>
+                        </a:spcBef>
+                        <a:spcAft>
+                          <a:spcPts val="0"/>
+                        </a:spcAft>
+                      </a:pPr>
+                      <a:r>
+                        <a:rPr lang="ru-RU" sz="1100" b="0" i="0" u="none" strike="noStrike">
+                          <a:solidFill>
+                            <a:srgbClr val="000000"/>
+                          </a:solidFill>
+                          <a:effectLst/>
+                          <a:latin typeface="Arial" panose="020B0604020202020204" pitchFamily="34" charset="0"/>
+                        </a:rPr>
+                        <a:t>4</a:t>
+                      </a:r>
+                      <a:endParaRPr lang="ru-RU">
+                        <a:effectLst/>
+                      </a:endParaRPr>
+                    </a:p>
+                  </a:txBody>
+                  <a:tcPr marL="63500" marR="63500" marT="63500" marB="63500" anchor="ctr">
+                    <a:lnL w="12700" cap="flat" cmpd="sng" algn="ctr">
+                      <a:solidFill>
+                        <a:srgbClr val="000000"/>
+                      </a:solidFill>
+                      <a:prstDash val="solid"/>
+                      <a:round/>
+                      <a:headEnd type="none" w="med" len="med"/>
+                      <a:tailEnd type="none" w="med" len="med"/>
+                    </a:lnL>
+                    <a:lnR w="12700" cap="flat" cmpd="sng" algn="ctr">
+                      <a:solidFill>
+                        <a:srgbClr val="000000"/>
+                      </a:solidFill>
+                      <a:prstDash val="solid"/>
+                      <a:round/>
+                      <a:headEnd type="none" w="med" len="med"/>
+                      <a:tailEnd type="none" w="med" len="med"/>
+                    </a:lnR>
+                    <a:lnT w="12700" cap="flat" cmpd="sng" algn="ctr">
+                      <a:solidFill>
+                        <a:srgbClr val="000000"/>
+                      </a:solidFill>
+                      <a:prstDash val="solid"/>
+                      <a:round/>
+                      <a:headEnd type="none" w="med" len="med"/>
+                      <a:tailEnd type="none" w="med" len="med"/>
+                    </a:lnT>
+                    <a:lnB w="12700" cap="flat" cmpd="sng" algn="ctr">
+                      <a:solidFill>
+                        <a:srgbClr val="000000"/>
+                      </a:solidFill>
+                      <a:prstDash val="solid"/>
+                      <a:round/>
+                      <a:headEnd type="none" w="med" len="med"/>
+                      <a:tailEnd type="none" w="med" len="med"/>
+                    </a:lnB>
+                  </a:tcPr>
+                </a:tc>
+                <a:tc>
+                  <a:txBody>
+                    <a:bodyPr/>
+                    <a:lstStyle/>
+                    <a:p>
+                      <a:pPr algn="ctr" rtl="0" fontAlgn="t">
+                        <a:spcBef>
+                          <a:spcPts val="0"/>
+                        </a:spcBef>
+                        <a:spcAft>
+                          <a:spcPts val="0"/>
+                        </a:spcAft>
+                      </a:pPr>
+                      <a:r>
+                        <a:rPr lang="ru-RU" sz="1100" b="0" i="0" u="none" strike="noStrike">
+                          <a:solidFill>
+                            <a:srgbClr val="000000"/>
+                          </a:solidFill>
+                          <a:effectLst/>
+                          <a:latin typeface="Arial" panose="020B0604020202020204" pitchFamily="34" charset="0"/>
+                        </a:rPr>
+                        <a:t>1</a:t>
+                      </a:r>
+                      <a:endParaRPr lang="ru-RU">
+                        <a:effectLst/>
+                      </a:endParaRPr>
+                    </a:p>
+                  </a:txBody>
+                  <a:tcPr marL="63500" marR="63500" marT="63500" marB="63500" anchor="ctr">
+                    <a:lnL w="12700" cap="flat" cmpd="sng" algn="ctr">
+                      <a:solidFill>
+                        <a:srgbClr val="000000"/>
+                      </a:solidFill>
+                      <a:prstDash val="solid"/>
+                      <a:round/>
+                      <a:headEnd type="none" w="med" len="med"/>
+                      <a:tailEnd type="none" w="med" len="med"/>
+                    </a:lnL>
+                    <a:lnR w="12700" cap="flat" cmpd="sng" algn="ctr">
+                      <a:solidFill>
+                        <a:srgbClr val="000000"/>
+                      </a:solidFill>
+                      <a:prstDash val="solid"/>
+                      <a:round/>
+                      <a:headEnd type="none" w="med" len="med"/>
+                      <a:tailEnd type="none" w="med" len="med"/>
+                    </a:lnR>
+                    <a:lnT w="12700" cap="flat" cmpd="sng" algn="ctr">
+                      <a:solidFill>
+                        <a:srgbClr val="000000"/>
+                      </a:solidFill>
+                      <a:prstDash val="solid"/>
+                      <a:round/>
+                      <a:headEnd type="none" w="med" len="med"/>
+                      <a:tailEnd type="none" w="med" len="med"/>
+                    </a:lnT>
+                    <a:lnB w="12700" cap="flat" cmpd="sng" algn="ctr">
+                      <a:solidFill>
+                        <a:srgbClr val="000000"/>
+                      </a:solidFill>
+                      <a:prstDash val="solid"/>
+                      <a:round/>
+                      <a:headEnd type="none" w="med" len="med"/>
+                      <a:tailEnd type="none" w="med" len="med"/>
+                    </a:lnB>
+                  </a:tcPr>
+                </a:tc>
+                <a:tc>
+                  <a:txBody>
+                    <a:bodyPr/>
+                    <a:lstStyle/>
+                    <a:p>
+                      <a:pPr algn="ctr" rtl="0" fontAlgn="t">
+                        <a:spcBef>
+                          <a:spcPts val="0"/>
+                        </a:spcBef>
+                        <a:spcAft>
+                          <a:spcPts val="0"/>
+                        </a:spcAft>
+                      </a:pPr>
+                      <a:r>
+                        <a:rPr lang="ru-RU" sz="1100" b="0" i="0" u="none" strike="noStrike" dirty="0">
+                          <a:solidFill>
+                            <a:srgbClr val="000000"/>
+                          </a:solidFill>
+                          <a:effectLst/>
+                          <a:latin typeface="Arial" panose="020B0604020202020204" pitchFamily="34" charset="0"/>
+                        </a:rPr>
+                        <a:t>0</a:t>
+                      </a:r>
+                      <a:endParaRPr lang="ru-RU" dirty="0">
+                        <a:effectLst/>
+                      </a:endParaRPr>
+                    </a:p>
+                  </a:txBody>
+                  <a:tcPr marL="63500" marR="63500" marT="63500" marB="63500" anchor="ctr">
+                    <a:lnL w="12700" cap="flat" cmpd="sng" algn="ctr">
+                      <a:solidFill>
+                        <a:srgbClr val="000000"/>
+                      </a:solidFill>
+                      <a:prstDash val="solid"/>
+                      <a:round/>
+                      <a:headEnd type="none" w="med" len="med"/>
+                      <a:tailEnd type="none" w="med" len="med"/>
+                    </a:lnL>
+                    <a:lnR w="12700" cap="flat" cmpd="sng" algn="ctr">
+                      <a:solidFill>
+                        <a:srgbClr val="000000"/>
+                      </a:solidFill>
+                      <a:prstDash val="solid"/>
+                      <a:round/>
+                      <a:headEnd type="none" w="med" len="med"/>
+                      <a:tailEnd type="none" w="med" len="med"/>
+                    </a:lnR>
+                    <a:lnT w="12700" cap="flat" cmpd="sng" algn="ctr">
+                      <a:solidFill>
+                        <a:srgbClr val="000000"/>
+                      </a:solidFill>
+                      <a:prstDash val="solid"/>
+                      <a:round/>
+                      <a:headEnd type="none" w="med" len="med"/>
+                      <a:tailEnd type="none" w="med" len="med"/>
+                    </a:lnT>
+                    <a:lnB w="12700" cap="flat" cmpd="sng" algn="ctr">
+                      <a:solidFill>
+                        <a:srgbClr val="000000"/>
+                      </a:solidFill>
+                      <a:prstDash val="solid"/>
+                      <a:round/>
+                      <a:headEnd type="none" w="med" len="med"/>
+                      <a:tailEnd type="none" w="med" len="med"/>
+                    </a:lnB>
+                  </a:tcPr>
+                </a:tc>
+                <a:tc>
+                  <a:txBody>
+                    <a:bodyPr/>
+                    <a:lstStyle/>
+                    <a:p>
+                      <a:pPr algn="ctr" rtl="0" fontAlgn="t">
+                        <a:spcBef>
+                          <a:spcPts val="0"/>
+                        </a:spcBef>
+                        <a:spcAft>
+                          <a:spcPts val="0"/>
+                        </a:spcAft>
+                      </a:pPr>
+                      <a:r>
+                        <a:rPr lang="ru-RU" sz="1100" b="0" i="0" u="none" strike="noStrike" dirty="0">
+                          <a:solidFill>
+                            <a:srgbClr val="000000"/>
+                          </a:solidFill>
+                          <a:effectLst/>
+                          <a:latin typeface="Arial" panose="020B0604020202020204" pitchFamily="34" charset="0"/>
+                        </a:rPr>
+                        <a:t>2</a:t>
+                      </a:r>
+                      <a:endParaRPr lang="ru-RU" dirty="0">
+                        <a:effectLst/>
+                      </a:endParaRPr>
+                    </a:p>
+                  </a:txBody>
+                  <a:tcPr marL="63500" marR="63500" marT="63500" marB="63500" anchor="ctr">
+                    <a:lnL w="12700" cap="flat" cmpd="sng" algn="ctr">
+                      <a:solidFill>
+                        <a:srgbClr val="000000"/>
+                      </a:solidFill>
+                      <a:prstDash val="solid"/>
+                      <a:round/>
+                      <a:headEnd type="none" w="med" len="med"/>
+                      <a:tailEnd type="none" w="med" len="med"/>
+                    </a:lnL>
+                    <a:lnR w="12700" cap="flat" cmpd="sng" algn="ctr">
+                      <a:solidFill>
+                        <a:srgbClr val="000000"/>
+                      </a:solidFill>
+                      <a:prstDash val="solid"/>
+                      <a:round/>
+                      <a:headEnd type="none" w="med" len="med"/>
+                      <a:tailEnd type="none" w="med" len="med"/>
+                    </a:lnR>
+                    <a:lnT w="12700" cap="flat" cmpd="sng" algn="ctr">
+                      <a:solidFill>
+                        <a:srgbClr val="000000"/>
+                      </a:solidFill>
+                      <a:prstDash val="solid"/>
+                      <a:round/>
+                      <a:headEnd type="none" w="med" len="med"/>
+                      <a:tailEnd type="none" w="med" len="med"/>
+                    </a:lnT>
+                    <a:lnB w="12700" cap="flat" cmpd="sng" algn="ctr">
+                      <a:solidFill>
+                        <a:srgbClr val="000000"/>
+                      </a:solidFill>
+                      <a:prstDash val="solid"/>
+                      <a:round/>
+                      <a:headEnd type="none" w="med" len="med"/>
+                      <a:tailEnd type="none" w="med" len="med"/>
+                    </a:lnB>
+                  </a:tcPr>
+                </a:tc>
+                <a:extLst>
+                  <a:ext uri="{0D108BD9-81ED-4DB2-BD59-A6C34878D82A}">
+                    <a16:rowId xmlns:a16="http://schemas.microsoft.com/office/drawing/2014/main" val="2860834534"/>
+                  </a:ext>
+                </a:extLst>
+              </a:tr>
+            </a:tbl>
+          </a:graphicData>
+        </a:graphic>
+      </p:graphicFrame>
+    </p:spTree>
+  </p:cSld>
+  <p:clrMapOvr>
+    <a:masterClrMapping/>
+  </p:clrMapOvr>
+</p:sld>
+</file>
+
+<file path=ppt/slides/slide15.xml><?xml version="1.0" encoding="utf-8"?>
+<p:sld xmlns:a="http://schemas.openxmlformats.org/drawingml/2006/main" xmlns:r="http://schemas.openxmlformats.org/officeDocument/2006/relationships" xmlns:p="http://schemas.openxmlformats.org/presentationml/2006/main">
+  <p:cSld>
+    <p:spTree>
+      <p:nvGrpSpPr>
+        <p:cNvPr id="1" name="Shape 141"/>
+        <p:cNvGrpSpPr/>
+        <p:nvPr/>
+      </p:nvGrpSpPr>
+      <p:grpSpPr>
+        <a:xfrm>
+          <a:off x="0" y="0"/>
+          <a:ext cx="0" cy="0"/>
+          <a:chOff x="0" y="0"/>
+          <a:chExt cx="0" cy="0"/>
+        </a:xfrm>
+      </p:grpSpPr>
+      <p:graphicFrame>
+        <p:nvGraphicFramePr>
+          <p:cNvPr id="5" name="Таблица 4">
+            <a:extLst>
+              <a:ext uri="{FF2B5EF4-FFF2-40B4-BE49-F238E27FC236}">
+                <a16:creationId xmlns:a16="http://schemas.microsoft.com/office/drawing/2014/main" id="{71852218-794D-4978-8B1C-7837C98D4927}"/>
+              </a:ext>
+            </a:extLst>
+          </p:cNvPr>
+          <p:cNvGraphicFramePr>
+            <a:graphicFrameLocks noGrp="1"/>
+          </p:cNvGraphicFramePr>
+          <p:nvPr>
+            <p:extLst>
+              <p:ext uri="{D42A27DB-BD31-4B8C-83A1-F6EECF244321}">
+                <p14:modId xmlns:p14="http://schemas.microsoft.com/office/powerpoint/2010/main" val="3606746456"/>
+              </p:ext>
+            </p:extLst>
+          </p:nvPr>
+        </p:nvGraphicFramePr>
+        <p:xfrm>
+          <a:off x="1780169" y="1471137"/>
+          <a:ext cx="5368146" cy="2416140"/>
+        </p:xfrm>
+        <a:graphic>
+          <a:graphicData uri="http://schemas.openxmlformats.org/drawingml/2006/table">
+            <a:tbl>
+              <a:tblPr/>
+              <a:tblGrid>
+                <a:gridCol w="1722281">
+                  <a:extLst>
+                    <a:ext uri="{9D8B030D-6E8A-4147-A177-3AD203B41FA5}">
+                      <a16:colId xmlns:a16="http://schemas.microsoft.com/office/drawing/2014/main" val="1636098904"/>
+                    </a:ext>
+                  </a:extLst>
+                </a:gridCol>
+                <a:gridCol w="961793">
+                  <a:extLst>
+                    <a:ext uri="{9D8B030D-6E8A-4147-A177-3AD203B41FA5}">
+                      <a16:colId xmlns:a16="http://schemas.microsoft.com/office/drawing/2014/main" val="723940613"/>
+                    </a:ext>
+                  </a:extLst>
+                </a:gridCol>
+                <a:gridCol w="1342036">
+                  <a:extLst>
+                    <a:ext uri="{9D8B030D-6E8A-4147-A177-3AD203B41FA5}">
+                      <a16:colId xmlns:a16="http://schemas.microsoft.com/office/drawing/2014/main" val="3033018205"/>
+                    </a:ext>
+                  </a:extLst>
+                </a:gridCol>
+                <a:gridCol w="1342036">
+                  <a:extLst>
+                    <a:ext uri="{9D8B030D-6E8A-4147-A177-3AD203B41FA5}">
+                      <a16:colId xmlns:a16="http://schemas.microsoft.com/office/drawing/2014/main" val="2470044663"/>
+                    </a:ext>
+                  </a:extLst>
+                </a:gridCol>
+              </a:tblGrid>
+              <a:tr h="402690">
+                <a:tc>
+                  <a:txBody>
+                    <a:bodyPr/>
+                    <a:lstStyle/>
+                    <a:p>
+                      <a:pPr algn="ctr" rtl="0" fontAlgn="t">
+                        <a:spcBef>
+                          <a:spcPts val="0"/>
+                        </a:spcBef>
+                        <a:spcAft>
+                          <a:spcPts val="0"/>
+                        </a:spcAft>
+                      </a:pPr>
+                      <a:r>
+                        <a:rPr lang="en-US" sz="1100" b="0" i="0" u="none" strike="noStrike" dirty="0">
+                          <a:solidFill>
+                            <a:srgbClr val="000000"/>
+                          </a:solidFill>
+                          <a:effectLst/>
+                          <a:latin typeface="Arial" panose="020B0604020202020204" pitchFamily="34" charset="0"/>
+                        </a:rPr>
+                        <a:t>Service</a:t>
+                      </a:r>
+                      <a:endParaRPr lang="en-US" dirty="0">
+                        <a:effectLst/>
+                      </a:endParaRPr>
+                    </a:p>
+                  </a:txBody>
+                  <a:tcPr marL="63500" marR="63500" marT="63500" marB="63500" anchor="ctr">
+                    <a:lnL w="12700" cap="flat" cmpd="sng" algn="ctr">
+                      <a:solidFill>
+                        <a:srgbClr val="000000"/>
+                      </a:solidFill>
+                      <a:prstDash val="solid"/>
+                      <a:round/>
+                      <a:headEnd type="none" w="med" len="med"/>
+                      <a:tailEnd type="none" w="med" len="med"/>
+                    </a:lnL>
+                    <a:lnR w="12700" cap="flat" cmpd="sng" algn="ctr">
+                      <a:solidFill>
+                        <a:srgbClr val="000000"/>
+                      </a:solidFill>
+                      <a:prstDash val="solid"/>
+                      <a:round/>
+                      <a:headEnd type="none" w="med" len="med"/>
+                      <a:tailEnd type="none" w="med" len="med"/>
+                    </a:lnR>
+                    <a:lnT w="12700" cap="flat" cmpd="sng" algn="ctr">
+                      <a:solidFill>
+                        <a:srgbClr val="000000"/>
+                      </a:solidFill>
+                      <a:prstDash val="solid"/>
+                      <a:round/>
+                      <a:headEnd type="none" w="med" len="med"/>
+                      <a:tailEnd type="none" w="med" len="med"/>
+                    </a:lnT>
+                    <a:lnB w="12700" cap="flat" cmpd="sng" algn="ctr">
+                      <a:solidFill>
+                        <a:srgbClr val="000000"/>
+                      </a:solidFill>
+                      <a:prstDash val="solid"/>
+                      <a:round/>
+                      <a:headEnd type="none" w="med" len="med"/>
+                      <a:tailEnd type="none" w="med" len="med"/>
+                    </a:lnB>
+                    <a:solidFill>
+                      <a:srgbClr val="D9D9D9"/>
+                    </a:solidFill>
+                  </a:tcPr>
+                </a:tc>
+                <a:tc>
+                  <a:txBody>
+                    <a:bodyPr/>
+                    <a:lstStyle/>
+                    <a:p>
+                      <a:pPr algn="ctr" rtl="0" fontAlgn="t">
+                        <a:spcBef>
+                          <a:spcPts val="0"/>
+                        </a:spcBef>
+                        <a:spcAft>
+                          <a:spcPts val="0"/>
+                        </a:spcAft>
+                      </a:pPr>
+                      <a:r>
+                        <a:rPr lang="en-US" sz="1100" b="0" i="0" u="none" strike="noStrike" dirty="0">
+                          <a:solidFill>
+                            <a:srgbClr val="000000"/>
+                          </a:solidFill>
+                          <a:effectLst/>
+                          <a:latin typeface="Arial" panose="020B0604020202020204" pitchFamily="34" charset="0"/>
+                        </a:rPr>
+                        <a:t>SIY</a:t>
+                      </a:r>
+                      <a:endParaRPr lang="en-US" dirty="0">
+                        <a:effectLst/>
+                      </a:endParaRPr>
+                    </a:p>
+                  </a:txBody>
+                  <a:tcPr marL="63500" marR="63500" marT="63500" marB="63500" anchor="ctr">
+                    <a:lnL w="12700" cap="flat" cmpd="sng" algn="ctr">
+                      <a:solidFill>
+                        <a:srgbClr val="000000"/>
+                      </a:solidFill>
+                      <a:prstDash val="solid"/>
+                      <a:round/>
+                      <a:headEnd type="none" w="med" len="med"/>
+                      <a:tailEnd type="none" w="med" len="med"/>
+                    </a:lnL>
+                    <a:lnR w="12700" cap="flat" cmpd="sng" algn="ctr">
+                      <a:solidFill>
+                        <a:srgbClr val="000000"/>
+                      </a:solidFill>
+                      <a:prstDash val="solid"/>
+                      <a:round/>
+                      <a:headEnd type="none" w="med" len="med"/>
+                      <a:tailEnd type="none" w="med" len="med"/>
+                    </a:lnR>
+                    <a:lnT w="12700" cap="flat" cmpd="sng" algn="ctr">
+                      <a:solidFill>
+                        <a:srgbClr val="000000"/>
+                      </a:solidFill>
+                      <a:prstDash val="solid"/>
+                      <a:round/>
+                      <a:headEnd type="none" w="med" len="med"/>
+                      <a:tailEnd type="none" w="med" len="med"/>
+                    </a:lnT>
+                    <a:lnB w="12700" cap="flat" cmpd="sng" algn="ctr">
+                      <a:solidFill>
+                        <a:srgbClr val="000000"/>
+                      </a:solidFill>
+                      <a:prstDash val="solid"/>
+                      <a:round/>
+                      <a:headEnd type="none" w="med" len="med"/>
+                      <a:tailEnd type="none" w="med" len="med"/>
+                    </a:lnB>
+                    <a:solidFill>
+                      <a:srgbClr val="D9D9D9"/>
+                    </a:solidFill>
+                  </a:tcPr>
+                </a:tc>
+                <a:tc>
+                  <a:txBody>
+                    <a:bodyPr/>
+                    <a:lstStyle/>
+                    <a:p>
+                      <a:pPr algn="ctr" rtl="0" fontAlgn="t">
+                        <a:spcBef>
+                          <a:spcPts val="0"/>
+                        </a:spcBef>
+                        <a:spcAft>
+                          <a:spcPts val="0"/>
+                        </a:spcAft>
+                      </a:pPr>
+                      <a:r>
+                        <a:rPr lang="en-US" sz="1100" b="0" i="0" u="none" strike="noStrike" dirty="0">
+                          <a:solidFill>
+                            <a:srgbClr val="000000"/>
+                          </a:solidFill>
+                          <a:effectLst/>
+                          <a:latin typeface="Arial" panose="020B0604020202020204" pitchFamily="34" charset="0"/>
+                        </a:rPr>
+                        <a:t>AIS</a:t>
+                      </a:r>
+                      <a:endParaRPr lang="en-US" dirty="0">
+                        <a:effectLst/>
+                      </a:endParaRPr>
+                    </a:p>
+                  </a:txBody>
+                  <a:tcPr marL="63500" marR="63500" marT="63500" marB="63500" anchor="ctr">
+                    <a:lnL w="12700" cap="flat" cmpd="sng" algn="ctr">
+                      <a:solidFill>
+                        <a:srgbClr val="000000"/>
+                      </a:solidFill>
+                      <a:prstDash val="solid"/>
+                      <a:round/>
+                      <a:headEnd type="none" w="med" len="med"/>
+                      <a:tailEnd type="none" w="med" len="med"/>
+                    </a:lnL>
+                    <a:lnR w="12700" cap="flat" cmpd="sng" algn="ctr">
+                      <a:solidFill>
+                        <a:srgbClr val="000000"/>
+                      </a:solidFill>
+                      <a:prstDash val="solid"/>
+                      <a:round/>
+                      <a:headEnd type="none" w="med" len="med"/>
+                      <a:tailEnd type="none" w="med" len="med"/>
+                    </a:lnR>
+                    <a:lnT w="12700" cap="flat" cmpd="sng" algn="ctr">
+                      <a:solidFill>
+                        <a:srgbClr val="000000"/>
+                      </a:solidFill>
+                      <a:prstDash val="solid"/>
+                      <a:round/>
+                      <a:headEnd type="none" w="med" len="med"/>
+                      <a:tailEnd type="none" w="med" len="med"/>
+                    </a:lnT>
+                    <a:lnB w="12700" cap="flat" cmpd="sng" algn="ctr">
+                      <a:solidFill>
+                        <a:srgbClr val="000000"/>
+                      </a:solidFill>
+                      <a:prstDash val="solid"/>
+                      <a:round/>
+                      <a:headEnd type="none" w="med" len="med"/>
+                      <a:tailEnd type="none" w="med" len="med"/>
+                    </a:lnB>
+                    <a:solidFill>
+                      <a:srgbClr val="D9D9D9"/>
+                    </a:solidFill>
+                  </a:tcPr>
+                </a:tc>
+                <a:tc>
+                  <a:txBody>
+                    <a:bodyPr/>
+                    <a:lstStyle/>
+                    <a:p>
+                      <a:pPr algn="ctr" rtl="0" fontAlgn="t">
+                        <a:spcBef>
+                          <a:spcPts val="0"/>
+                        </a:spcBef>
+                        <a:spcAft>
+                          <a:spcPts val="0"/>
+                        </a:spcAft>
+                      </a:pPr>
+                      <a:r>
+                        <a:rPr lang="en-US" sz="1100" b="0" i="0" u="none" strike="noStrike" dirty="0">
+                          <a:solidFill>
+                            <a:srgbClr val="000000"/>
+                          </a:solidFill>
+                          <a:effectLst/>
+                          <a:latin typeface="Arial" panose="020B0604020202020204" pitchFamily="34" charset="0"/>
+                        </a:rPr>
+                        <a:t>ADS</a:t>
+                      </a:r>
+                      <a:endParaRPr lang="en-US" dirty="0">
+                        <a:effectLst/>
+                      </a:endParaRPr>
+                    </a:p>
+                  </a:txBody>
+                  <a:tcPr marL="63500" marR="63500" marT="63500" marB="63500" anchor="ctr">
+                    <a:lnL w="12700" cap="flat" cmpd="sng" algn="ctr">
+                      <a:solidFill>
+                        <a:srgbClr val="000000"/>
+                      </a:solidFill>
+                      <a:prstDash val="solid"/>
+                      <a:round/>
+                      <a:headEnd type="none" w="med" len="med"/>
+                      <a:tailEnd type="none" w="med" len="med"/>
+                    </a:lnL>
+                    <a:lnR w="12700" cap="flat" cmpd="sng" algn="ctr">
+                      <a:solidFill>
+                        <a:srgbClr val="000000"/>
+                      </a:solidFill>
+                      <a:prstDash val="solid"/>
+                      <a:round/>
+                      <a:headEnd type="none" w="med" len="med"/>
+                      <a:tailEnd type="none" w="med" len="med"/>
+                    </a:lnR>
+                    <a:lnT w="12700" cap="flat" cmpd="sng" algn="ctr">
+                      <a:solidFill>
+                        <a:srgbClr val="000000"/>
+                      </a:solidFill>
+                      <a:prstDash val="solid"/>
+                      <a:round/>
+                      <a:headEnd type="none" w="med" len="med"/>
+                      <a:tailEnd type="none" w="med" len="med"/>
+                    </a:lnT>
+                    <a:lnB w="12700" cap="flat" cmpd="sng" algn="ctr">
+                      <a:solidFill>
+                        <a:srgbClr val="000000"/>
+                      </a:solidFill>
+                      <a:prstDash val="solid"/>
+                      <a:round/>
+                      <a:headEnd type="none" w="med" len="med"/>
+                      <a:tailEnd type="none" w="med" len="med"/>
+                    </a:lnB>
+                    <a:solidFill>
+                      <a:srgbClr val="D9D9D9"/>
+                    </a:solidFill>
+                  </a:tcPr>
+                </a:tc>
+                <a:extLst>
+                  <a:ext uri="{0D108BD9-81ED-4DB2-BD59-A6C34878D82A}">
+                    <a16:rowId xmlns:a16="http://schemas.microsoft.com/office/drawing/2014/main" val="298126595"/>
+                  </a:ext>
+                </a:extLst>
+              </a:tr>
+              <a:tr h="402690">
+                <a:tc>
+                  <a:txBody>
+                    <a:bodyPr/>
+                    <a:lstStyle/>
+                    <a:p>
+                      <a:pPr algn="l" rtl="0" fontAlgn="t">
+                        <a:spcBef>
+                          <a:spcPts val="0"/>
+                        </a:spcBef>
+                        <a:spcAft>
+                          <a:spcPts val="0"/>
+                        </a:spcAft>
+                      </a:pPr>
+                      <a:r>
+                        <a:rPr lang="en-US" sz="1100" b="0" i="0" u="none" strike="noStrike" dirty="0">
+                          <a:solidFill>
+                            <a:srgbClr val="000000"/>
+                          </a:solidFill>
+                          <a:effectLst/>
+                          <a:latin typeface="Arial" panose="020B0604020202020204" pitchFamily="34" charset="0"/>
+                        </a:rPr>
+                        <a:t>Request Router</a:t>
+                      </a:r>
+                      <a:endParaRPr lang="en-US" dirty="0">
+                        <a:effectLst/>
+                      </a:endParaRPr>
+                    </a:p>
+                  </a:txBody>
+                  <a:tcPr marL="63500" marR="63500" marT="63500" marB="63500" anchor="ctr">
+                    <a:lnL w="12700" cap="flat" cmpd="sng" algn="ctr">
+                      <a:solidFill>
+                        <a:srgbClr val="000000"/>
+                      </a:solidFill>
+                      <a:prstDash val="solid"/>
+                      <a:round/>
+                      <a:headEnd type="none" w="med" len="med"/>
+                      <a:tailEnd type="none" w="med" len="med"/>
+                    </a:lnL>
+                    <a:lnR w="12700" cap="flat" cmpd="sng" algn="ctr">
+                      <a:solidFill>
+                        <a:srgbClr val="000000"/>
+                      </a:solidFill>
+                      <a:prstDash val="solid"/>
+                      <a:round/>
+                      <a:headEnd type="none" w="med" len="med"/>
+                      <a:tailEnd type="none" w="med" len="med"/>
+                    </a:lnR>
+                    <a:lnT w="12700" cap="flat" cmpd="sng" algn="ctr">
+                      <a:solidFill>
+                        <a:srgbClr val="000000"/>
+                      </a:solidFill>
+                      <a:prstDash val="solid"/>
+                      <a:round/>
+                      <a:headEnd type="none" w="med" len="med"/>
+                      <a:tailEnd type="none" w="med" len="med"/>
+                    </a:lnT>
+                    <a:lnB w="12700" cap="flat" cmpd="sng" algn="ctr">
+                      <a:solidFill>
+                        <a:srgbClr val="000000"/>
+                      </a:solidFill>
+                      <a:prstDash val="solid"/>
+                      <a:round/>
+                      <a:headEnd type="none" w="med" len="med"/>
+                      <a:tailEnd type="none" w="med" len="med"/>
+                    </a:lnB>
+                  </a:tcPr>
+                </a:tc>
+                <a:tc>
+                  <a:txBody>
+                    <a:bodyPr/>
+                    <a:lstStyle/>
+                    <a:p>
+                      <a:pPr algn="ctr" rtl="0" fontAlgn="t">
+                        <a:spcBef>
+                          <a:spcPts val="0"/>
+                        </a:spcBef>
+                        <a:spcAft>
+                          <a:spcPts val="0"/>
+                        </a:spcAft>
+                      </a:pPr>
+                      <a:endParaRPr lang="ru-RU" dirty="0">
+                        <a:effectLst/>
+                      </a:endParaRPr>
+                    </a:p>
+                  </a:txBody>
+                  <a:tcPr marL="63500" marR="63500" marT="63500" marB="63500" anchor="ctr">
+                    <a:lnL w="12700" cap="flat" cmpd="sng" algn="ctr">
+                      <a:solidFill>
+                        <a:srgbClr val="000000"/>
+                      </a:solidFill>
+                      <a:prstDash val="solid"/>
+                      <a:round/>
+                      <a:headEnd type="none" w="med" len="med"/>
+                      <a:tailEnd type="none" w="med" len="med"/>
+                    </a:lnL>
+                    <a:lnR w="12700" cap="flat" cmpd="sng" algn="ctr">
+                      <a:solidFill>
+                        <a:srgbClr val="000000"/>
+                      </a:solidFill>
+                      <a:prstDash val="solid"/>
+                      <a:round/>
+                      <a:headEnd type="none" w="med" len="med"/>
+                      <a:tailEnd type="none" w="med" len="med"/>
+                    </a:lnR>
+                    <a:lnT w="12700" cap="flat" cmpd="sng" algn="ctr">
+                      <a:solidFill>
+                        <a:srgbClr val="000000"/>
+                      </a:solidFill>
+                      <a:prstDash val="solid"/>
+                      <a:round/>
+                      <a:headEnd type="none" w="med" len="med"/>
+                      <a:tailEnd type="none" w="med" len="med"/>
+                    </a:lnT>
+                    <a:lnB w="12700" cap="flat" cmpd="sng" algn="ctr">
+                      <a:solidFill>
+                        <a:srgbClr val="000000"/>
+                      </a:solidFill>
+                      <a:prstDash val="solid"/>
+                      <a:round/>
+                      <a:headEnd type="none" w="med" len="med"/>
+                      <a:tailEnd type="none" w="med" len="med"/>
+                    </a:lnB>
+                  </a:tcPr>
+                </a:tc>
+                <a:tc>
+                  <a:txBody>
+                    <a:bodyPr/>
+                    <a:lstStyle/>
+                    <a:p>
+                      <a:pPr algn="ctr" rtl="0" fontAlgn="t">
+                        <a:spcBef>
+                          <a:spcPts val="0"/>
+                        </a:spcBef>
+                        <a:spcAft>
+                          <a:spcPts val="0"/>
+                        </a:spcAft>
+                      </a:pPr>
+                      <a:endParaRPr lang="ru-RU" dirty="0">
+                        <a:effectLst/>
+                      </a:endParaRPr>
+                    </a:p>
+                  </a:txBody>
+                  <a:tcPr marL="63500" marR="63500" marT="63500" marB="63500" anchor="ctr">
+                    <a:lnL w="12700" cap="flat" cmpd="sng" algn="ctr">
+                      <a:solidFill>
+                        <a:srgbClr val="000000"/>
+                      </a:solidFill>
+                      <a:prstDash val="solid"/>
+                      <a:round/>
+                      <a:headEnd type="none" w="med" len="med"/>
+                      <a:tailEnd type="none" w="med" len="med"/>
+                    </a:lnL>
+                    <a:lnR w="12700" cap="flat" cmpd="sng" algn="ctr">
+                      <a:solidFill>
+                        <a:srgbClr val="000000"/>
+                      </a:solidFill>
+                      <a:prstDash val="solid"/>
+                      <a:round/>
+                      <a:headEnd type="none" w="med" len="med"/>
+                      <a:tailEnd type="none" w="med" len="med"/>
+                    </a:lnR>
+                    <a:lnT w="12700" cap="flat" cmpd="sng" algn="ctr">
+                      <a:solidFill>
+                        <a:srgbClr val="000000"/>
+                      </a:solidFill>
+                      <a:prstDash val="solid"/>
+                      <a:round/>
+                      <a:headEnd type="none" w="med" len="med"/>
+                      <a:tailEnd type="none" w="med" len="med"/>
+                    </a:lnT>
+                    <a:lnB w="12700" cap="flat" cmpd="sng" algn="ctr">
+                      <a:solidFill>
+                        <a:srgbClr val="000000"/>
+                      </a:solidFill>
+                      <a:prstDash val="solid"/>
+                      <a:round/>
+                      <a:headEnd type="none" w="med" len="med"/>
+                      <a:tailEnd type="none" w="med" len="med"/>
+                    </a:lnB>
+                  </a:tcPr>
+                </a:tc>
+                <a:tc>
+                  <a:txBody>
+                    <a:bodyPr/>
+                    <a:lstStyle/>
+                    <a:p>
+                      <a:pPr algn="ctr" rtl="0" fontAlgn="t">
+                        <a:spcBef>
+                          <a:spcPts val="0"/>
+                        </a:spcBef>
+                        <a:spcAft>
+                          <a:spcPts val="0"/>
+                        </a:spcAft>
+                      </a:pPr>
+                      <a:endParaRPr lang="ru-RU">
+                        <a:effectLst/>
+                      </a:endParaRPr>
+                    </a:p>
+                  </a:txBody>
+                  <a:tcPr marL="63500" marR="63500" marT="63500" marB="63500" anchor="ctr">
+                    <a:lnL w="12700" cap="flat" cmpd="sng" algn="ctr">
+                      <a:solidFill>
+                        <a:srgbClr val="000000"/>
+                      </a:solidFill>
+                      <a:prstDash val="solid"/>
+                      <a:round/>
+                      <a:headEnd type="none" w="med" len="med"/>
+                      <a:tailEnd type="none" w="med" len="med"/>
+                    </a:lnL>
+                    <a:lnR w="12700" cap="flat" cmpd="sng" algn="ctr">
+                      <a:solidFill>
+                        <a:srgbClr val="000000"/>
+                      </a:solidFill>
+                      <a:prstDash val="solid"/>
+                      <a:round/>
+                      <a:headEnd type="none" w="med" len="med"/>
+                      <a:tailEnd type="none" w="med" len="med"/>
+                    </a:lnR>
+                    <a:lnT w="12700" cap="flat" cmpd="sng" algn="ctr">
+                      <a:solidFill>
+                        <a:srgbClr val="000000"/>
+                      </a:solidFill>
+                      <a:prstDash val="solid"/>
+                      <a:round/>
+                      <a:headEnd type="none" w="med" len="med"/>
+                      <a:tailEnd type="none" w="med" len="med"/>
+                    </a:lnT>
+                    <a:lnB w="12700" cap="flat" cmpd="sng" algn="ctr">
+                      <a:solidFill>
+                        <a:srgbClr val="000000"/>
+                      </a:solidFill>
+                      <a:prstDash val="solid"/>
+                      <a:round/>
+                      <a:headEnd type="none" w="med" len="med"/>
+                      <a:tailEnd type="none" w="med" len="med"/>
+                    </a:lnB>
+                  </a:tcPr>
+                </a:tc>
+                <a:extLst>
+                  <a:ext uri="{0D108BD9-81ED-4DB2-BD59-A6C34878D82A}">
+                    <a16:rowId xmlns:a16="http://schemas.microsoft.com/office/drawing/2014/main" val="3388595185"/>
+                  </a:ext>
+                </a:extLst>
+              </a:tr>
+              <a:tr h="402690">
+                <a:tc>
+                  <a:txBody>
+                    <a:bodyPr/>
+                    <a:lstStyle/>
+                    <a:p>
+                      <a:pPr algn="l" rtl="0" fontAlgn="t">
+                        <a:spcBef>
+                          <a:spcPts val="0"/>
+                        </a:spcBef>
+                        <a:spcAft>
+                          <a:spcPts val="0"/>
+                        </a:spcAft>
+                      </a:pPr>
+                      <a:r>
+                        <a:rPr lang="en-US" sz="1100" b="0" i="0" u="none" strike="noStrike" dirty="0">
+                          <a:solidFill>
+                            <a:srgbClr val="000000"/>
+                          </a:solidFill>
+                          <a:effectLst/>
+                          <a:latin typeface="Arial" panose="020B0604020202020204" pitchFamily="34" charset="0"/>
+                        </a:rPr>
+                        <a:t>Authenticator</a:t>
+                      </a:r>
+                      <a:endParaRPr lang="en-US" dirty="0">
+                        <a:effectLst/>
+                      </a:endParaRPr>
+                    </a:p>
+                  </a:txBody>
+                  <a:tcPr marL="63500" marR="63500" marT="63500" marB="63500" anchor="ctr">
+                    <a:lnL w="12700" cap="flat" cmpd="sng" algn="ctr">
+                      <a:solidFill>
+                        <a:srgbClr val="000000"/>
+                      </a:solidFill>
+                      <a:prstDash val="solid"/>
+                      <a:round/>
+                      <a:headEnd type="none" w="med" len="med"/>
+                      <a:tailEnd type="none" w="med" len="med"/>
+                    </a:lnL>
+                    <a:lnR w="12700" cap="flat" cmpd="sng" algn="ctr">
+                      <a:solidFill>
+                        <a:srgbClr val="000000"/>
+                      </a:solidFill>
+                      <a:prstDash val="solid"/>
+                      <a:round/>
+                      <a:headEnd type="none" w="med" len="med"/>
+                      <a:tailEnd type="none" w="med" len="med"/>
+                    </a:lnR>
+                    <a:lnT w="12700" cap="flat" cmpd="sng" algn="ctr">
+                      <a:solidFill>
+                        <a:srgbClr val="000000"/>
+                      </a:solidFill>
+                      <a:prstDash val="solid"/>
+                      <a:round/>
+                      <a:headEnd type="none" w="med" len="med"/>
+                      <a:tailEnd type="none" w="med" len="med"/>
+                    </a:lnT>
+                    <a:lnB w="12700" cap="flat" cmpd="sng" algn="ctr">
+                      <a:solidFill>
+                        <a:srgbClr val="000000"/>
+                      </a:solidFill>
+                      <a:prstDash val="solid"/>
+                      <a:round/>
+                      <a:headEnd type="none" w="med" len="med"/>
+                      <a:tailEnd type="none" w="med" len="med"/>
+                    </a:lnB>
+                  </a:tcPr>
+                </a:tc>
+                <a:tc>
+                  <a:txBody>
+                    <a:bodyPr/>
+                    <a:lstStyle/>
+                    <a:p>
+                      <a:pPr algn="ctr" rtl="0" fontAlgn="t">
+                        <a:spcBef>
+                          <a:spcPts val="0"/>
+                        </a:spcBef>
+                        <a:spcAft>
+                          <a:spcPts val="0"/>
+                        </a:spcAft>
+                      </a:pPr>
+                      <a:endParaRPr lang="ru-RU" dirty="0">
+                        <a:effectLst/>
+                      </a:endParaRPr>
+                    </a:p>
+                  </a:txBody>
+                  <a:tcPr marL="63500" marR="63500" marT="63500" marB="63500" anchor="ctr">
+                    <a:lnL w="12700" cap="flat" cmpd="sng" algn="ctr">
+                      <a:solidFill>
+                        <a:srgbClr val="000000"/>
+                      </a:solidFill>
+                      <a:prstDash val="solid"/>
+                      <a:round/>
+                      <a:headEnd type="none" w="med" len="med"/>
+                      <a:tailEnd type="none" w="med" len="med"/>
+                    </a:lnL>
+                    <a:lnR w="12700" cap="flat" cmpd="sng" algn="ctr">
+                      <a:solidFill>
+                        <a:srgbClr val="000000"/>
+                      </a:solidFill>
+                      <a:prstDash val="solid"/>
+                      <a:round/>
+                      <a:headEnd type="none" w="med" len="med"/>
+                      <a:tailEnd type="none" w="med" len="med"/>
+                    </a:lnR>
+                    <a:lnT w="12700" cap="flat" cmpd="sng" algn="ctr">
+                      <a:solidFill>
+                        <a:srgbClr val="000000"/>
+                      </a:solidFill>
+                      <a:prstDash val="solid"/>
+                      <a:round/>
+                      <a:headEnd type="none" w="med" len="med"/>
+                      <a:tailEnd type="none" w="med" len="med"/>
+                    </a:lnT>
+                    <a:lnB w="12700" cap="flat" cmpd="sng" algn="ctr">
+                      <a:solidFill>
+                        <a:srgbClr val="000000"/>
+                      </a:solidFill>
+                      <a:prstDash val="solid"/>
+                      <a:round/>
+                      <a:headEnd type="none" w="med" len="med"/>
+                      <a:tailEnd type="none" w="med" len="med"/>
+                    </a:lnB>
+                  </a:tcPr>
+                </a:tc>
+                <a:tc>
+                  <a:txBody>
+                    <a:bodyPr/>
+                    <a:lstStyle/>
+                    <a:p>
+                      <a:pPr algn="ctr" rtl="0" fontAlgn="t">
+                        <a:spcBef>
+                          <a:spcPts val="0"/>
+                        </a:spcBef>
+                        <a:spcAft>
+                          <a:spcPts val="0"/>
+                        </a:spcAft>
+                      </a:pPr>
+                      <a:endParaRPr lang="ru-RU" dirty="0">
+                        <a:effectLst/>
+                      </a:endParaRPr>
+                    </a:p>
+                  </a:txBody>
+                  <a:tcPr marL="63500" marR="63500" marT="63500" marB="63500" anchor="ctr">
+                    <a:lnL w="12700" cap="flat" cmpd="sng" algn="ctr">
+                      <a:solidFill>
+                        <a:srgbClr val="000000"/>
+                      </a:solidFill>
+                      <a:prstDash val="solid"/>
+                      <a:round/>
+                      <a:headEnd type="none" w="med" len="med"/>
+                      <a:tailEnd type="none" w="med" len="med"/>
+                    </a:lnL>
+                    <a:lnR w="12700" cap="flat" cmpd="sng" algn="ctr">
+                      <a:solidFill>
+                        <a:srgbClr val="000000"/>
+                      </a:solidFill>
+                      <a:prstDash val="solid"/>
+                      <a:round/>
+                      <a:headEnd type="none" w="med" len="med"/>
+                      <a:tailEnd type="none" w="med" len="med"/>
+                    </a:lnR>
+                    <a:lnT w="12700" cap="flat" cmpd="sng" algn="ctr">
+                      <a:solidFill>
+                        <a:srgbClr val="000000"/>
+                      </a:solidFill>
+                      <a:prstDash val="solid"/>
+                      <a:round/>
+                      <a:headEnd type="none" w="med" len="med"/>
+                      <a:tailEnd type="none" w="med" len="med"/>
+                    </a:lnT>
+                    <a:lnB w="12700" cap="flat" cmpd="sng" algn="ctr">
+                      <a:solidFill>
+                        <a:srgbClr val="000000"/>
+                      </a:solidFill>
+                      <a:prstDash val="solid"/>
+                      <a:round/>
+                      <a:headEnd type="none" w="med" len="med"/>
+                      <a:tailEnd type="none" w="med" len="med"/>
+                    </a:lnB>
+                  </a:tcPr>
+                </a:tc>
+                <a:tc>
+                  <a:txBody>
+                    <a:bodyPr/>
+                    <a:lstStyle/>
+                    <a:p>
+                      <a:pPr algn="ctr" rtl="0" fontAlgn="t">
+                        <a:spcBef>
+                          <a:spcPts val="0"/>
+                        </a:spcBef>
+                        <a:spcAft>
+                          <a:spcPts val="0"/>
+                        </a:spcAft>
+                      </a:pPr>
+                      <a:endParaRPr lang="ru-RU" dirty="0">
+                        <a:effectLst/>
+                      </a:endParaRPr>
+                    </a:p>
+                  </a:txBody>
+                  <a:tcPr marL="63500" marR="63500" marT="63500" marB="63500" anchor="ctr">
+                    <a:lnL w="12700" cap="flat" cmpd="sng" algn="ctr">
+                      <a:solidFill>
+                        <a:srgbClr val="000000"/>
+                      </a:solidFill>
+                      <a:prstDash val="solid"/>
+                      <a:round/>
+                      <a:headEnd type="none" w="med" len="med"/>
+                      <a:tailEnd type="none" w="med" len="med"/>
+                    </a:lnL>
+                    <a:lnR w="12700" cap="flat" cmpd="sng" algn="ctr">
+                      <a:solidFill>
+                        <a:srgbClr val="000000"/>
+                      </a:solidFill>
+                      <a:prstDash val="solid"/>
+                      <a:round/>
+                      <a:headEnd type="none" w="med" len="med"/>
+                      <a:tailEnd type="none" w="med" len="med"/>
+                    </a:lnR>
+                    <a:lnT w="12700" cap="flat" cmpd="sng" algn="ctr">
+                      <a:solidFill>
+                        <a:srgbClr val="000000"/>
+                      </a:solidFill>
+                      <a:prstDash val="solid"/>
+                      <a:round/>
+                      <a:headEnd type="none" w="med" len="med"/>
+                      <a:tailEnd type="none" w="med" len="med"/>
+                    </a:lnT>
+                    <a:lnB w="12700" cap="flat" cmpd="sng" algn="ctr">
+                      <a:solidFill>
+                        <a:srgbClr val="000000"/>
+                      </a:solidFill>
+                      <a:prstDash val="solid"/>
+                      <a:round/>
+                      <a:headEnd type="none" w="med" len="med"/>
+                      <a:tailEnd type="none" w="med" len="med"/>
+                    </a:lnB>
+                  </a:tcPr>
+                </a:tc>
+                <a:extLst>
+                  <a:ext uri="{0D108BD9-81ED-4DB2-BD59-A6C34878D82A}">
+                    <a16:rowId xmlns:a16="http://schemas.microsoft.com/office/drawing/2014/main" val="3027098782"/>
+                  </a:ext>
+                </a:extLst>
+              </a:tr>
+              <a:tr h="402690">
+                <a:tc>
+                  <a:txBody>
+                    <a:bodyPr/>
+                    <a:lstStyle/>
+                    <a:p>
+                      <a:pPr algn="l" rtl="0" fontAlgn="t">
+                        <a:spcBef>
+                          <a:spcPts val="0"/>
+                        </a:spcBef>
+                        <a:spcAft>
+                          <a:spcPts val="0"/>
+                        </a:spcAft>
+                      </a:pPr>
+                      <a:r>
+                        <a:rPr lang="en-US" sz="1100" b="0" i="0" u="none" strike="noStrike" dirty="0" err="1">
+                          <a:solidFill>
+                            <a:srgbClr val="000000"/>
+                          </a:solidFill>
+                          <a:effectLst/>
+                          <a:latin typeface="Arial" panose="020B0604020202020204" pitchFamily="34" charset="0"/>
+                        </a:rPr>
+                        <a:t>OpenAPI</a:t>
+                      </a:r>
+                      <a:r>
+                        <a:rPr lang="en-US" sz="1100" b="0" i="0" u="none" strike="noStrike" dirty="0">
+                          <a:solidFill>
+                            <a:srgbClr val="000000"/>
+                          </a:solidFill>
+                          <a:effectLst/>
+                          <a:latin typeface="Arial" panose="020B0604020202020204" pitchFamily="34" charset="0"/>
+                        </a:rPr>
+                        <a:t> Generator</a:t>
+                      </a:r>
+                      <a:endParaRPr lang="en-US" dirty="0">
+                        <a:effectLst/>
+                      </a:endParaRPr>
+                    </a:p>
+                  </a:txBody>
+                  <a:tcPr marL="63500" marR="63500" marT="63500" marB="63500" anchor="ctr">
+                    <a:lnL w="12700" cap="flat" cmpd="sng" algn="ctr">
+                      <a:solidFill>
+                        <a:srgbClr val="000000"/>
+                      </a:solidFill>
+                      <a:prstDash val="solid"/>
+                      <a:round/>
+                      <a:headEnd type="none" w="med" len="med"/>
+                      <a:tailEnd type="none" w="med" len="med"/>
+                    </a:lnL>
+                    <a:lnR w="12700" cap="flat" cmpd="sng" algn="ctr">
+                      <a:solidFill>
+                        <a:srgbClr val="000000"/>
+                      </a:solidFill>
+                      <a:prstDash val="solid"/>
+                      <a:round/>
+                      <a:headEnd type="none" w="med" len="med"/>
+                      <a:tailEnd type="none" w="med" len="med"/>
+                    </a:lnR>
+                    <a:lnT w="12700" cap="flat" cmpd="sng" algn="ctr">
+                      <a:solidFill>
+                        <a:srgbClr val="000000"/>
+                      </a:solidFill>
+                      <a:prstDash val="solid"/>
+                      <a:round/>
+                      <a:headEnd type="none" w="med" len="med"/>
+                      <a:tailEnd type="none" w="med" len="med"/>
+                    </a:lnT>
+                    <a:lnB w="12700" cap="flat" cmpd="sng" algn="ctr">
+                      <a:solidFill>
+                        <a:srgbClr val="000000"/>
+                      </a:solidFill>
+                      <a:prstDash val="solid"/>
+                      <a:round/>
+                      <a:headEnd type="none" w="med" len="med"/>
+                      <a:tailEnd type="none" w="med" len="med"/>
+                    </a:lnB>
+                  </a:tcPr>
+                </a:tc>
+                <a:tc>
+                  <a:txBody>
+                    <a:bodyPr/>
+                    <a:lstStyle/>
+                    <a:p>
+                      <a:pPr algn="ctr" rtl="0" fontAlgn="t">
+                        <a:spcBef>
+                          <a:spcPts val="0"/>
+                        </a:spcBef>
+                        <a:spcAft>
+                          <a:spcPts val="0"/>
+                        </a:spcAft>
+                      </a:pPr>
+                      <a:endParaRPr lang="ru-RU" dirty="0">
+                        <a:effectLst/>
+                      </a:endParaRPr>
+                    </a:p>
+                  </a:txBody>
+                  <a:tcPr marL="63500" marR="63500" marT="63500" marB="63500" anchor="ctr">
+                    <a:lnL w="12700" cap="flat" cmpd="sng" algn="ctr">
+                      <a:solidFill>
+                        <a:srgbClr val="000000"/>
+                      </a:solidFill>
+                      <a:prstDash val="solid"/>
+                      <a:round/>
+                      <a:headEnd type="none" w="med" len="med"/>
+                      <a:tailEnd type="none" w="med" len="med"/>
+                    </a:lnL>
+                    <a:lnR w="12700" cap="flat" cmpd="sng" algn="ctr">
+                      <a:solidFill>
+                        <a:srgbClr val="000000"/>
+                      </a:solidFill>
+                      <a:prstDash val="solid"/>
+                      <a:round/>
+                      <a:headEnd type="none" w="med" len="med"/>
+                      <a:tailEnd type="none" w="med" len="med"/>
+                    </a:lnR>
+                    <a:lnT w="12700" cap="flat" cmpd="sng" algn="ctr">
+                      <a:solidFill>
+                        <a:srgbClr val="000000"/>
+                      </a:solidFill>
+                      <a:prstDash val="solid"/>
+                      <a:round/>
+                      <a:headEnd type="none" w="med" len="med"/>
+                      <a:tailEnd type="none" w="med" len="med"/>
+                    </a:lnT>
+                    <a:lnB w="12700" cap="flat" cmpd="sng" algn="ctr">
+                      <a:solidFill>
+                        <a:srgbClr val="000000"/>
+                      </a:solidFill>
+                      <a:prstDash val="solid"/>
+                      <a:round/>
+                      <a:headEnd type="none" w="med" len="med"/>
+                      <a:tailEnd type="none" w="med" len="med"/>
+                    </a:lnB>
+                  </a:tcPr>
+                </a:tc>
+                <a:tc>
+                  <a:txBody>
+                    <a:bodyPr/>
+                    <a:lstStyle/>
+                    <a:p>
+                      <a:pPr algn="ctr" rtl="0" fontAlgn="t">
+                        <a:spcBef>
+                          <a:spcPts val="0"/>
+                        </a:spcBef>
+                        <a:spcAft>
+                          <a:spcPts val="0"/>
+                        </a:spcAft>
+                      </a:pPr>
+                      <a:endParaRPr lang="ru-RU" dirty="0">
+                        <a:effectLst/>
+                      </a:endParaRPr>
+                    </a:p>
+                  </a:txBody>
+                  <a:tcPr marL="63500" marR="63500" marT="63500" marB="63500" anchor="ctr">
+                    <a:lnL w="12700" cap="flat" cmpd="sng" algn="ctr">
+                      <a:solidFill>
+                        <a:srgbClr val="000000"/>
+                      </a:solidFill>
+                      <a:prstDash val="solid"/>
+                      <a:round/>
+                      <a:headEnd type="none" w="med" len="med"/>
+                      <a:tailEnd type="none" w="med" len="med"/>
+                    </a:lnL>
+                    <a:lnR w="12700" cap="flat" cmpd="sng" algn="ctr">
+                      <a:solidFill>
+                        <a:srgbClr val="000000"/>
+                      </a:solidFill>
+                      <a:prstDash val="solid"/>
+                      <a:round/>
+                      <a:headEnd type="none" w="med" len="med"/>
+                      <a:tailEnd type="none" w="med" len="med"/>
+                    </a:lnR>
+                    <a:lnT w="12700" cap="flat" cmpd="sng" algn="ctr">
+                      <a:solidFill>
+                        <a:srgbClr val="000000"/>
+                      </a:solidFill>
+                      <a:prstDash val="solid"/>
+                      <a:round/>
+                      <a:headEnd type="none" w="med" len="med"/>
+                      <a:tailEnd type="none" w="med" len="med"/>
+                    </a:lnT>
+                    <a:lnB w="12700" cap="flat" cmpd="sng" algn="ctr">
+                      <a:solidFill>
+                        <a:srgbClr val="000000"/>
+                      </a:solidFill>
+                      <a:prstDash val="solid"/>
+                      <a:round/>
+                      <a:headEnd type="none" w="med" len="med"/>
+                      <a:tailEnd type="none" w="med" len="med"/>
+                    </a:lnB>
+                  </a:tcPr>
+                </a:tc>
+                <a:tc>
+                  <a:txBody>
+                    <a:bodyPr/>
+                    <a:lstStyle/>
+                    <a:p>
+                      <a:pPr algn="ctr" rtl="0" fontAlgn="t">
+                        <a:spcBef>
+                          <a:spcPts val="0"/>
+                        </a:spcBef>
+                        <a:spcAft>
+                          <a:spcPts val="0"/>
+                        </a:spcAft>
+                      </a:pPr>
+                      <a:endParaRPr lang="ru-RU">
+                        <a:effectLst/>
+                      </a:endParaRPr>
+                    </a:p>
+                  </a:txBody>
+                  <a:tcPr marL="63500" marR="63500" marT="63500" marB="63500" anchor="ctr">
+                    <a:lnL w="12700" cap="flat" cmpd="sng" algn="ctr">
+                      <a:solidFill>
+                        <a:srgbClr val="000000"/>
+                      </a:solidFill>
+                      <a:prstDash val="solid"/>
+                      <a:round/>
+                      <a:headEnd type="none" w="med" len="med"/>
+                      <a:tailEnd type="none" w="med" len="med"/>
+                    </a:lnL>
+                    <a:lnR w="12700" cap="flat" cmpd="sng" algn="ctr">
+                      <a:solidFill>
+                        <a:srgbClr val="000000"/>
+                      </a:solidFill>
+                      <a:prstDash val="solid"/>
+                      <a:round/>
+                      <a:headEnd type="none" w="med" len="med"/>
+                      <a:tailEnd type="none" w="med" len="med"/>
+                    </a:lnR>
+                    <a:lnT w="12700" cap="flat" cmpd="sng" algn="ctr">
+                      <a:solidFill>
+                        <a:srgbClr val="000000"/>
+                      </a:solidFill>
+                      <a:prstDash val="solid"/>
+                      <a:round/>
+                      <a:headEnd type="none" w="med" len="med"/>
+                      <a:tailEnd type="none" w="med" len="med"/>
+                    </a:lnT>
+                    <a:lnB w="12700" cap="flat" cmpd="sng" algn="ctr">
+                      <a:solidFill>
+                        <a:srgbClr val="000000"/>
+                      </a:solidFill>
+                      <a:prstDash val="solid"/>
+                      <a:round/>
+                      <a:headEnd type="none" w="med" len="med"/>
+                      <a:tailEnd type="none" w="med" len="med"/>
+                    </a:lnB>
+                  </a:tcPr>
+                </a:tc>
+                <a:extLst>
+                  <a:ext uri="{0D108BD9-81ED-4DB2-BD59-A6C34878D82A}">
+                    <a16:rowId xmlns:a16="http://schemas.microsoft.com/office/drawing/2014/main" val="2955508502"/>
+                  </a:ext>
+                </a:extLst>
+              </a:tr>
+              <a:tr h="402690">
+                <a:tc>
+                  <a:txBody>
+                    <a:bodyPr/>
+                    <a:lstStyle/>
+                    <a:p>
+                      <a:pPr algn="l" rtl="0" fontAlgn="t">
+                        <a:spcBef>
+                          <a:spcPts val="0"/>
+                        </a:spcBef>
+                        <a:spcAft>
+                          <a:spcPts val="0"/>
+                        </a:spcAft>
+                      </a:pPr>
+                      <a:r>
+                        <a:rPr lang="en-US" sz="1100" b="0" i="0" u="none" strike="noStrike" dirty="0">
+                          <a:solidFill>
+                            <a:srgbClr val="000000"/>
+                          </a:solidFill>
+                          <a:effectLst/>
+                          <a:latin typeface="Arial" panose="020B0604020202020204" pitchFamily="34" charset="0"/>
+                        </a:rPr>
+                        <a:t>Deployer</a:t>
+                      </a:r>
+                      <a:endParaRPr lang="en-US" dirty="0">
+                        <a:effectLst/>
+                      </a:endParaRPr>
+                    </a:p>
+                  </a:txBody>
+                  <a:tcPr marL="63500" marR="63500" marT="63500" marB="63500" anchor="ctr">
+                    <a:lnL w="12700" cap="flat" cmpd="sng" algn="ctr">
+                      <a:solidFill>
+                        <a:srgbClr val="000000"/>
+                      </a:solidFill>
+                      <a:prstDash val="solid"/>
+                      <a:round/>
+                      <a:headEnd type="none" w="med" len="med"/>
+                      <a:tailEnd type="none" w="med" len="med"/>
+                    </a:lnL>
+                    <a:lnR w="12700" cap="flat" cmpd="sng" algn="ctr">
+                      <a:solidFill>
+                        <a:srgbClr val="000000"/>
+                      </a:solidFill>
+                      <a:prstDash val="solid"/>
+                      <a:round/>
+                      <a:headEnd type="none" w="med" len="med"/>
+                      <a:tailEnd type="none" w="med" len="med"/>
+                    </a:lnR>
+                    <a:lnT w="12700" cap="flat" cmpd="sng" algn="ctr">
+                      <a:solidFill>
+                        <a:srgbClr val="000000"/>
+                      </a:solidFill>
+                      <a:prstDash val="solid"/>
+                      <a:round/>
+                      <a:headEnd type="none" w="med" len="med"/>
+                      <a:tailEnd type="none" w="med" len="med"/>
+                    </a:lnT>
+                    <a:lnB w="12700" cap="flat" cmpd="sng" algn="ctr">
+                      <a:solidFill>
+                        <a:srgbClr val="000000"/>
+                      </a:solidFill>
+                      <a:prstDash val="solid"/>
+                      <a:round/>
+                      <a:headEnd type="none" w="med" len="med"/>
+                      <a:tailEnd type="none" w="med" len="med"/>
+                    </a:lnB>
+                  </a:tcPr>
+                </a:tc>
+                <a:tc>
+                  <a:txBody>
+                    <a:bodyPr/>
+                    <a:lstStyle/>
+                    <a:p>
+                      <a:pPr algn="ctr" rtl="0" fontAlgn="t">
+                        <a:spcBef>
+                          <a:spcPts val="0"/>
+                        </a:spcBef>
+                        <a:spcAft>
+                          <a:spcPts val="0"/>
+                        </a:spcAft>
+                      </a:pPr>
+                      <a:endParaRPr lang="ru-RU">
+                        <a:effectLst/>
+                      </a:endParaRPr>
+                    </a:p>
+                  </a:txBody>
+                  <a:tcPr marL="63500" marR="63500" marT="63500" marB="63500" anchor="ctr">
+                    <a:lnL w="12700" cap="flat" cmpd="sng" algn="ctr">
+                      <a:solidFill>
+                        <a:srgbClr val="000000"/>
+                      </a:solidFill>
+                      <a:prstDash val="solid"/>
+                      <a:round/>
+                      <a:headEnd type="none" w="med" len="med"/>
+                      <a:tailEnd type="none" w="med" len="med"/>
+                    </a:lnL>
+                    <a:lnR w="12700" cap="flat" cmpd="sng" algn="ctr">
+                      <a:solidFill>
+                        <a:srgbClr val="000000"/>
+                      </a:solidFill>
+                      <a:prstDash val="solid"/>
+                      <a:round/>
+                      <a:headEnd type="none" w="med" len="med"/>
+                      <a:tailEnd type="none" w="med" len="med"/>
+                    </a:lnR>
+                    <a:lnT w="12700" cap="flat" cmpd="sng" algn="ctr">
+                      <a:solidFill>
+                        <a:srgbClr val="000000"/>
+                      </a:solidFill>
+                      <a:prstDash val="solid"/>
+                      <a:round/>
+                      <a:headEnd type="none" w="med" len="med"/>
+                      <a:tailEnd type="none" w="med" len="med"/>
+                    </a:lnT>
+                    <a:lnB w="12700" cap="flat" cmpd="sng" algn="ctr">
+                      <a:solidFill>
+                        <a:srgbClr val="000000"/>
+                      </a:solidFill>
+                      <a:prstDash val="solid"/>
+                      <a:round/>
+                      <a:headEnd type="none" w="med" len="med"/>
+                      <a:tailEnd type="none" w="med" len="med"/>
+                    </a:lnB>
+                  </a:tcPr>
+                </a:tc>
+                <a:tc>
+                  <a:txBody>
+                    <a:bodyPr/>
+                    <a:lstStyle/>
+                    <a:p>
+                      <a:pPr algn="ctr" rtl="0" fontAlgn="t">
+                        <a:spcBef>
+                          <a:spcPts val="0"/>
+                        </a:spcBef>
+                        <a:spcAft>
+                          <a:spcPts val="0"/>
+                        </a:spcAft>
+                      </a:pPr>
+                      <a:endParaRPr lang="ru-RU" dirty="0">
+                        <a:effectLst/>
+                      </a:endParaRPr>
+                    </a:p>
+                  </a:txBody>
+                  <a:tcPr marL="63500" marR="63500" marT="63500" marB="63500" anchor="ctr">
+                    <a:lnL w="12700" cap="flat" cmpd="sng" algn="ctr">
+                      <a:solidFill>
+                        <a:srgbClr val="000000"/>
+                      </a:solidFill>
+                      <a:prstDash val="solid"/>
+                      <a:round/>
+                      <a:headEnd type="none" w="med" len="med"/>
+                      <a:tailEnd type="none" w="med" len="med"/>
+                    </a:lnL>
+                    <a:lnR w="12700" cap="flat" cmpd="sng" algn="ctr">
+                      <a:solidFill>
+                        <a:srgbClr val="000000"/>
+                      </a:solidFill>
+                      <a:prstDash val="solid"/>
+                      <a:round/>
+                      <a:headEnd type="none" w="med" len="med"/>
+                      <a:tailEnd type="none" w="med" len="med"/>
+                    </a:lnR>
+                    <a:lnT w="12700" cap="flat" cmpd="sng" algn="ctr">
+                      <a:solidFill>
+                        <a:srgbClr val="000000"/>
+                      </a:solidFill>
+                      <a:prstDash val="solid"/>
+                      <a:round/>
+                      <a:headEnd type="none" w="med" len="med"/>
+                      <a:tailEnd type="none" w="med" len="med"/>
+                    </a:lnT>
+                    <a:lnB w="12700" cap="flat" cmpd="sng" algn="ctr">
+                      <a:solidFill>
+                        <a:srgbClr val="000000"/>
+                      </a:solidFill>
+                      <a:prstDash val="solid"/>
+                      <a:round/>
+                      <a:headEnd type="none" w="med" len="med"/>
+                      <a:tailEnd type="none" w="med" len="med"/>
+                    </a:lnB>
+                  </a:tcPr>
+                </a:tc>
+                <a:tc>
+                  <a:txBody>
+                    <a:bodyPr/>
+                    <a:lstStyle/>
+                    <a:p>
+                      <a:pPr algn="ctr" rtl="0" fontAlgn="t">
+                        <a:spcBef>
+                          <a:spcPts val="0"/>
+                        </a:spcBef>
+                        <a:spcAft>
+                          <a:spcPts val="0"/>
+                        </a:spcAft>
+                      </a:pPr>
+                      <a:endParaRPr lang="ru-RU" dirty="0">
+                        <a:effectLst/>
+                      </a:endParaRPr>
+                    </a:p>
+                  </a:txBody>
+                  <a:tcPr marL="63500" marR="63500" marT="63500" marB="63500" anchor="ctr">
+                    <a:lnL w="12700" cap="flat" cmpd="sng" algn="ctr">
+                      <a:solidFill>
+                        <a:srgbClr val="000000"/>
+                      </a:solidFill>
+                      <a:prstDash val="solid"/>
+                      <a:round/>
+                      <a:headEnd type="none" w="med" len="med"/>
+                      <a:tailEnd type="none" w="med" len="med"/>
+                    </a:lnL>
+                    <a:lnR w="12700" cap="flat" cmpd="sng" algn="ctr">
+                      <a:solidFill>
+                        <a:srgbClr val="000000"/>
+                      </a:solidFill>
+                      <a:prstDash val="solid"/>
+                      <a:round/>
+                      <a:headEnd type="none" w="med" len="med"/>
+                      <a:tailEnd type="none" w="med" len="med"/>
+                    </a:lnR>
+                    <a:lnT w="12700" cap="flat" cmpd="sng" algn="ctr">
+                      <a:solidFill>
+                        <a:srgbClr val="000000"/>
+                      </a:solidFill>
+                      <a:prstDash val="solid"/>
+                      <a:round/>
+                      <a:headEnd type="none" w="med" len="med"/>
+                      <a:tailEnd type="none" w="med" len="med"/>
+                    </a:lnT>
+                    <a:lnB w="12700" cap="flat" cmpd="sng" algn="ctr">
+                      <a:solidFill>
+                        <a:srgbClr val="000000"/>
+                      </a:solidFill>
+                      <a:prstDash val="solid"/>
+                      <a:round/>
+                      <a:headEnd type="none" w="med" len="med"/>
+                      <a:tailEnd type="none" w="med" len="med"/>
+                    </a:lnB>
+                  </a:tcPr>
+                </a:tc>
+                <a:extLst>
+                  <a:ext uri="{0D108BD9-81ED-4DB2-BD59-A6C34878D82A}">
+                    <a16:rowId xmlns:a16="http://schemas.microsoft.com/office/drawing/2014/main" val="3386839106"/>
+                  </a:ext>
+                </a:extLst>
+              </a:tr>
+              <a:tr h="402690">
+                <a:tc>
+                  <a:txBody>
+                    <a:bodyPr/>
+                    <a:lstStyle/>
+                    <a:p>
+                      <a:pPr algn="l" rtl="0" fontAlgn="t">
+                        <a:spcBef>
+                          <a:spcPts val="0"/>
+                        </a:spcBef>
+                        <a:spcAft>
+                          <a:spcPts val="0"/>
+                        </a:spcAft>
+                      </a:pPr>
+                      <a:r>
+                        <a:rPr lang="en-US" sz="1100" b="0" i="0" u="none" strike="noStrike" dirty="0">
+                          <a:solidFill>
+                            <a:srgbClr val="000000"/>
+                          </a:solidFill>
+                          <a:effectLst/>
+                          <a:latin typeface="Arial" panose="020B0604020202020204" pitchFamily="34" charset="0"/>
+                        </a:rPr>
+                        <a:t>Logger</a:t>
+                      </a:r>
+                      <a:endParaRPr lang="en-US" dirty="0">
+                        <a:effectLst/>
+                      </a:endParaRPr>
+                    </a:p>
+                  </a:txBody>
+                  <a:tcPr marL="63500" marR="63500" marT="63500" marB="63500" anchor="ctr">
+                    <a:lnL w="12700" cap="flat" cmpd="sng" algn="ctr">
+                      <a:solidFill>
+                        <a:srgbClr val="000000"/>
+                      </a:solidFill>
+                      <a:prstDash val="solid"/>
+                      <a:round/>
+                      <a:headEnd type="none" w="med" len="med"/>
+                      <a:tailEnd type="none" w="med" len="med"/>
+                    </a:lnL>
+                    <a:lnR w="12700" cap="flat" cmpd="sng" algn="ctr">
+                      <a:solidFill>
+                        <a:srgbClr val="000000"/>
+                      </a:solidFill>
+                      <a:prstDash val="solid"/>
+                      <a:round/>
+                      <a:headEnd type="none" w="med" len="med"/>
+                      <a:tailEnd type="none" w="med" len="med"/>
+                    </a:lnR>
+                    <a:lnT w="12700" cap="flat" cmpd="sng" algn="ctr">
+                      <a:solidFill>
+                        <a:srgbClr val="000000"/>
+                      </a:solidFill>
+                      <a:prstDash val="solid"/>
+                      <a:round/>
+                      <a:headEnd type="none" w="med" len="med"/>
+                      <a:tailEnd type="none" w="med" len="med"/>
+                    </a:lnT>
+                    <a:lnB w="12700" cap="flat" cmpd="sng" algn="ctr">
+                      <a:solidFill>
+                        <a:srgbClr val="000000"/>
+                      </a:solidFill>
+                      <a:prstDash val="solid"/>
+                      <a:round/>
+                      <a:headEnd type="none" w="med" len="med"/>
+                      <a:tailEnd type="none" w="med" len="med"/>
+                    </a:lnB>
+                  </a:tcPr>
+                </a:tc>
+                <a:tc>
+                  <a:txBody>
+                    <a:bodyPr/>
+                    <a:lstStyle/>
+                    <a:p>
+                      <a:pPr algn="ctr" rtl="0" fontAlgn="t">
+                        <a:spcBef>
+                          <a:spcPts val="0"/>
+                        </a:spcBef>
+                        <a:spcAft>
+                          <a:spcPts val="0"/>
+                        </a:spcAft>
+                      </a:pPr>
+                      <a:endParaRPr lang="ru-RU">
+                        <a:effectLst/>
+                      </a:endParaRPr>
+                    </a:p>
+                  </a:txBody>
+                  <a:tcPr marL="63500" marR="63500" marT="63500" marB="63500" anchor="ctr">
+                    <a:lnL w="12700" cap="flat" cmpd="sng" algn="ctr">
+                      <a:solidFill>
+                        <a:srgbClr val="000000"/>
+                      </a:solidFill>
+                      <a:prstDash val="solid"/>
+                      <a:round/>
+                      <a:headEnd type="none" w="med" len="med"/>
+                      <a:tailEnd type="none" w="med" len="med"/>
+                    </a:lnL>
+                    <a:lnR w="12700" cap="flat" cmpd="sng" algn="ctr">
+                      <a:solidFill>
+                        <a:srgbClr val="000000"/>
+                      </a:solidFill>
+                      <a:prstDash val="solid"/>
+                      <a:round/>
+                      <a:headEnd type="none" w="med" len="med"/>
+                      <a:tailEnd type="none" w="med" len="med"/>
+                    </a:lnR>
+                    <a:lnT w="12700" cap="flat" cmpd="sng" algn="ctr">
+                      <a:solidFill>
+                        <a:srgbClr val="000000"/>
+                      </a:solidFill>
+                      <a:prstDash val="solid"/>
+                      <a:round/>
+                      <a:headEnd type="none" w="med" len="med"/>
+                      <a:tailEnd type="none" w="med" len="med"/>
+                    </a:lnT>
+                    <a:lnB w="12700" cap="flat" cmpd="sng" algn="ctr">
+                      <a:solidFill>
+                        <a:srgbClr val="000000"/>
+                      </a:solidFill>
+                      <a:prstDash val="solid"/>
+                      <a:round/>
+                      <a:headEnd type="none" w="med" len="med"/>
+                      <a:tailEnd type="none" w="med" len="med"/>
+                    </a:lnB>
+                  </a:tcPr>
+                </a:tc>
+                <a:tc>
+                  <a:txBody>
+                    <a:bodyPr/>
+                    <a:lstStyle/>
+                    <a:p>
+                      <a:pPr algn="ctr" rtl="0" fontAlgn="t">
+                        <a:spcBef>
+                          <a:spcPts val="0"/>
+                        </a:spcBef>
+                        <a:spcAft>
+                          <a:spcPts val="0"/>
+                        </a:spcAft>
+                      </a:pPr>
+                      <a:endParaRPr lang="ru-RU" dirty="0">
+                        <a:effectLst/>
+                      </a:endParaRPr>
+                    </a:p>
+                  </a:txBody>
+                  <a:tcPr marL="63500" marR="63500" marT="63500" marB="63500" anchor="ctr">
+                    <a:lnL w="12700" cap="flat" cmpd="sng" algn="ctr">
+                      <a:solidFill>
+                        <a:srgbClr val="000000"/>
+                      </a:solidFill>
+                      <a:prstDash val="solid"/>
+                      <a:round/>
+                      <a:headEnd type="none" w="med" len="med"/>
+                      <a:tailEnd type="none" w="med" len="med"/>
+                    </a:lnL>
+                    <a:lnR w="12700" cap="flat" cmpd="sng" algn="ctr">
+                      <a:solidFill>
+                        <a:srgbClr val="000000"/>
+                      </a:solidFill>
+                      <a:prstDash val="solid"/>
+                      <a:round/>
+                      <a:headEnd type="none" w="med" len="med"/>
+                      <a:tailEnd type="none" w="med" len="med"/>
+                    </a:lnR>
+                    <a:lnT w="12700" cap="flat" cmpd="sng" algn="ctr">
+                      <a:solidFill>
+                        <a:srgbClr val="000000"/>
+                      </a:solidFill>
+                      <a:prstDash val="solid"/>
+                      <a:round/>
+                      <a:headEnd type="none" w="med" len="med"/>
+                      <a:tailEnd type="none" w="med" len="med"/>
+                    </a:lnT>
+                    <a:lnB w="12700" cap="flat" cmpd="sng" algn="ctr">
+                      <a:solidFill>
+                        <a:srgbClr val="000000"/>
+                      </a:solidFill>
+                      <a:prstDash val="solid"/>
+                      <a:round/>
+                      <a:headEnd type="none" w="med" len="med"/>
+                      <a:tailEnd type="none" w="med" len="med"/>
+                    </a:lnB>
+                  </a:tcPr>
+                </a:tc>
+                <a:tc>
+                  <a:txBody>
+                    <a:bodyPr/>
+                    <a:lstStyle/>
+                    <a:p>
+                      <a:pPr algn="ctr" rtl="0" fontAlgn="t">
+                        <a:spcBef>
+                          <a:spcPts val="0"/>
+                        </a:spcBef>
+                        <a:spcAft>
+                          <a:spcPts val="0"/>
+                        </a:spcAft>
+                      </a:pPr>
+                      <a:endParaRPr lang="ru-RU" dirty="0">
+                        <a:effectLst/>
+                      </a:endParaRPr>
+                    </a:p>
+                  </a:txBody>
+                  <a:tcPr marL="63500" marR="63500" marT="63500" marB="63500" anchor="ctr">
+                    <a:lnL w="12700" cap="flat" cmpd="sng" algn="ctr">
+                      <a:solidFill>
+                        <a:srgbClr val="000000"/>
+                      </a:solidFill>
+                      <a:prstDash val="solid"/>
+                      <a:round/>
+                      <a:headEnd type="none" w="med" len="med"/>
+                      <a:tailEnd type="none" w="med" len="med"/>
+                    </a:lnL>
+                    <a:lnR w="12700" cap="flat" cmpd="sng" algn="ctr">
+                      <a:solidFill>
+                        <a:srgbClr val="000000"/>
+                      </a:solidFill>
+                      <a:prstDash val="solid"/>
+                      <a:round/>
+                      <a:headEnd type="none" w="med" len="med"/>
+                      <a:tailEnd type="none" w="med" len="med"/>
+                    </a:lnR>
+                    <a:lnT w="12700" cap="flat" cmpd="sng" algn="ctr">
+                      <a:solidFill>
+                        <a:srgbClr val="000000"/>
+                      </a:solidFill>
+                      <a:prstDash val="solid"/>
+                      <a:round/>
+                      <a:headEnd type="none" w="med" len="med"/>
+                      <a:tailEnd type="none" w="med" len="med"/>
+                    </a:lnT>
+                    <a:lnB w="12700" cap="flat" cmpd="sng" algn="ctr">
+                      <a:solidFill>
+                        <a:srgbClr val="000000"/>
+                      </a:solidFill>
+                      <a:prstDash val="solid"/>
+                      <a:round/>
+                      <a:headEnd type="none" w="med" len="med"/>
+                      <a:tailEnd type="none" w="med" len="med"/>
+                    </a:lnB>
+                  </a:tcPr>
+                </a:tc>
+                <a:extLst>
+                  <a:ext uri="{0D108BD9-81ED-4DB2-BD59-A6C34878D82A}">
+                    <a16:rowId xmlns:a16="http://schemas.microsoft.com/office/drawing/2014/main" val="175829328"/>
+                  </a:ext>
+                </a:extLst>
+              </a:tr>
+            </a:tbl>
+          </a:graphicData>
+        </a:graphic>
+      </p:graphicFrame>
+      <p:sp>
+        <p:nvSpPr>
+          <p:cNvPr id="142" name="Google Shape;142;p25"/>
+          <p:cNvSpPr txBox="1">
+            <a:spLocks noGrp="1"/>
+          </p:cNvSpPr>
+          <p:nvPr>
+            <p:ph type="title"/>
+          </p:nvPr>
+        </p:nvSpPr>
+        <p:spPr>
+          <a:xfrm>
+            <a:off x="130118" y="140225"/>
+            <a:ext cx="8520600" cy="572700"/>
+          </a:xfrm>
+          <a:prstGeom prst="rect">
+            <a:avLst/>
+          </a:prstGeom>
+        </p:spPr>
+        <p:txBody>
+          <a:bodyPr spcFirstLastPara="1" wrap="square" lIns="91425" tIns="91425" rIns="91425" bIns="91425" anchor="t" anchorCtr="0">
+            <a:noAutofit/>
+          </a:bodyPr>
+          <a:lstStyle/>
+          <a:p>
+            <a:pPr marL="0" lvl="0" indent="0" algn="l" rtl="0">
+              <a:spcBef>
+                <a:spcPts val="0"/>
+              </a:spcBef>
+              <a:spcAft>
+                <a:spcPts val="0"/>
+              </a:spcAft>
+              <a:buNone/>
+            </a:pPr>
+            <a:r>
+              <a:rPr lang="en-GB" b="1" dirty="0">
+                <a:solidFill>
                   <a:srgbClr val="FF0000"/>
                 </a:solidFill>
                 <a:effectLst>
@@ -8391,148 +12667,12 @@
           </a:p>
         </p:txBody>
       </p:sp>
-      <p:sp>
-        <p:nvSpPr>
-          <p:cNvPr id="143" name="Google Shape;143;p25"/>
-          <p:cNvSpPr txBox="1">
-            <a:spLocks noGrp="1"/>
-          </p:cNvSpPr>
-          <p:nvPr>
-            <p:ph type="body" idx="1"/>
-          </p:nvPr>
-        </p:nvSpPr>
-        <p:spPr>
-          <a:xfrm>
-            <a:off x="311700" y="894945"/>
-            <a:ext cx="8520600" cy="3673930"/>
-          </a:xfrm>
-          <a:prstGeom prst="rect">
-            <a:avLst/>
-          </a:prstGeom>
-        </p:spPr>
-        <p:txBody>
-          <a:bodyPr spcFirstLastPara="1" wrap="square" lIns="91425" tIns="91425" rIns="91425" bIns="91425" anchor="t" anchorCtr="0">
-            <a:noAutofit/>
-          </a:bodyPr>
-          <a:lstStyle/>
-          <a:p>
-            <a:pPr marL="0" lvl="0" indent="0" algn="l" rtl="0">
-              <a:spcBef>
-                <a:spcPts val="0"/>
-              </a:spcBef>
-              <a:spcAft>
-                <a:spcPts val="0"/>
-              </a:spcAft>
-              <a:buNone/>
-            </a:pPr>
-            <a:r>
-              <a:rPr lang="en-GB" dirty="0"/>
-              <a:t>Calculate metrics: </a:t>
-            </a:r>
-            <a:endParaRPr dirty="0"/>
-          </a:p>
-          <a:p>
-            <a:pPr marL="457200" lvl="0" indent="-342900" algn="l" rtl="0">
-              <a:spcBef>
-                <a:spcPts val="1200"/>
-              </a:spcBef>
-              <a:spcAft>
-                <a:spcPts val="0"/>
-              </a:spcAft>
-              <a:buSzPts val="1800"/>
-              <a:buChar char="-"/>
-            </a:pPr>
-            <a:r>
-              <a:rPr lang="en-GB" dirty="0"/>
-              <a:t>All from </a:t>
-            </a:r>
-            <a:r>
-              <a:rPr lang="en-GB" dirty="0" err="1"/>
-              <a:t>Chidamber-Kemerer</a:t>
-            </a:r>
-            <a:r>
-              <a:rPr lang="en-GB" dirty="0"/>
-              <a:t> suite (except RFC, LCOM) for all classes in the largest microservice</a:t>
-            </a:r>
-            <a:endParaRPr dirty="0"/>
-          </a:p>
-          <a:p>
-            <a:pPr marL="457200" lvl="0" indent="-342900" algn="l" rtl="0">
-              <a:spcBef>
-                <a:spcPts val="0"/>
-              </a:spcBef>
-              <a:spcAft>
-                <a:spcPts val="0"/>
-              </a:spcAft>
-              <a:buSzPts val="1800"/>
-              <a:buChar char="-"/>
-            </a:pPr>
-            <a:r>
-              <a:rPr lang="en-GB" dirty="0"/>
-              <a:t>Service dependency metrics (SIY, AIS, ADS) for all microservices from this review:</a:t>
-            </a:r>
-            <a:endParaRPr dirty="0"/>
-          </a:p>
-          <a:p>
-            <a:pPr marL="457200" lvl="0" indent="0" algn="l" rtl="0">
-              <a:spcBef>
-                <a:spcPts val="1200"/>
-              </a:spcBef>
-              <a:spcAft>
-                <a:spcPts val="0"/>
-              </a:spcAft>
-              <a:buNone/>
-            </a:pPr>
-            <a:r>
-              <a:rPr lang="en-GB" u="sng" dirty="0">
-                <a:solidFill>
-                  <a:schemeClr val="hlink"/>
-                </a:solidFill>
-                <a:hlinkClick r:id="rId3"/>
-              </a:rPr>
-              <a:t>Bogner, J., Wagner, S., &amp; Zimmermann, A. (2017, October). Automatically measuring the maintainability of service-and microservice-based systems: a literature review. In Proceedings of the 27th International Workshop on Software Measurement and 12th International Conference on Software Process and Product Measurement (pp. 107-115).</a:t>
-            </a:r>
-            <a:endParaRPr dirty="0"/>
-          </a:p>
-          <a:p>
-            <a:pPr marL="457200" lvl="0" indent="0" algn="l" rtl="0">
-              <a:spcBef>
-                <a:spcPts val="1200"/>
-              </a:spcBef>
-              <a:spcAft>
-                <a:spcPts val="0"/>
-              </a:spcAft>
-              <a:buNone/>
-            </a:pPr>
-            <a:endParaRPr dirty="0"/>
-          </a:p>
-          <a:p>
-            <a:pPr marL="457200" lvl="0" indent="0" algn="l" rtl="0">
-              <a:spcBef>
-                <a:spcPts val="1200"/>
-              </a:spcBef>
-              <a:spcAft>
-                <a:spcPts val="0"/>
-              </a:spcAft>
-              <a:buNone/>
-            </a:pPr>
-            <a:endParaRPr dirty="0"/>
-          </a:p>
-          <a:p>
-            <a:pPr marL="0" lvl="0" indent="0" algn="l" rtl="0">
-              <a:spcBef>
-                <a:spcPts val="1200"/>
-              </a:spcBef>
-              <a:spcAft>
-                <a:spcPts val="1200"/>
-              </a:spcAft>
-              <a:buNone/>
-            </a:pPr>
-            <a:endParaRPr dirty="0"/>
-          </a:p>
-        </p:txBody>
-      </p:sp>
     </p:spTree>
+    <p:extLst>
+      <p:ext uri="{BB962C8B-B14F-4D97-AF65-F5344CB8AC3E}">
+        <p14:creationId xmlns:p14="http://schemas.microsoft.com/office/powerpoint/2010/main" val="4056447653"/>
+      </p:ext>
+    </p:extLst>
   </p:cSld>
   <p:clrMapOvr>
     <a:masterClrMapping/>
@@ -8540,8 +12680,8 @@
 </p:sld>
 </file>
 
-<file path=ppt/slides/slide15.xml><?xml version="1.0" encoding="utf-8"?>
-<p:sld xmlns:a="http://schemas.openxmlformats.org/drawingml/2006/main" xmlns:r="http://schemas.openxmlformats.org/officeDocument/2006/relationships" xmlns:p="http://schemas.openxmlformats.org/presentationml/2006/main">
+<file path=ppt/slides/slide16.xml><?xml version="1.0" encoding="utf-8"?>
+<p:sld xmlns:a="http://schemas.openxmlformats.org/drawingml/2006/main" xmlns:r="http://schemas.openxmlformats.org/officeDocument/2006/relationships" xmlns:p="http://schemas.openxmlformats.org/presentationml/2006/main" show="0">
   <p:cSld>
     <p:spTree>
       <p:nvGrpSpPr>
@@ -8734,7 +12874,7 @@
 </p:sld>
 </file>
 
-<file path=ppt/slides/slide16.xml><?xml version="1.0" encoding="utf-8"?>
+<file path=ppt/slides/slide17.xml><?xml version="1.0" encoding="utf-8"?>
 <p:sld xmlns:a="http://schemas.openxmlformats.org/drawingml/2006/main" xmlns:r="http://schemas.openxmlformats.org/officeDocument/2006/relationships" xmlns:p="http://schemas.openxmlformats.org/presentationml/2006/main">
   <p:cSld>
     <p:spTree>
@@ -9223,7 +13363,7 @@
             </a:pPr>
             <a:fld id="{00000000-1234-1234-1234-123412341234}" type="slidenum">
               <a:rPr lang="en-GB" smtClean="0"/>
-              <a:t>16</a:t>
+              <a:t>17</a:t>
             </a:fld>
             <a:endParaRPr lang="en-GB"/>
           </a:p>
@@ -9237,7 +13377,7 @@
 </p:sld>
 </file>
 
-<file path=ppt/slides/slide17.xml><?xml version="1.0" encoding="utf-8"?>
+<file path=ppt/slides/slide18.xml><?xml version="1.0" encoding="utf-8"?>
 <p:sld xmlns:a="http://schemas.openxmlformats.org/drawingml/2006/main" xmlns:r="http://schemas.openxmlformats.org/officeDocument/2006/relationships" xmlns:p="http://schemas.openxmlformats.org/presentationml/2006/main">
   <p:cSld>
     <p:spTree>
@@ -10497,7 +14637,7 @@
             </a:pPr>
             <a:fld id="{00000000-1234-1234-1234-123412341234}" type="slidenum">
               <a:rPr lang="en-GB" smtClean="0"/>
-              <a:t>17</a:t>
+              <a:t>18</a:t>
             </a:fld>
             <a:endParaRPr lang="en-GB"/>
           </a:p>

--- a/PracticeTasks/Module2/FinalTask_2/FinalTask_2.pptx
+++ b/PracticeTasks/Module2/FinalTask_2/FinalTask_2.pptx
@@ -16,11 +16,11 @@
     <p:sldId id="276" r:id="rId7"/>
     <p:sldId id="277" r:id="rId8"/>
     <p:sldId id="278" r:id="rId9"/>
-    <p:sldId id="283" r:id="rId10"/>
+    <p:sldId id="282" r:id="rId10"/>
     <p:sldId id="280" r:id="rId11"/>
     <p:sldId id="281" r:id="rId12"/>
     <p:sldId id="279" r:id="rId13"/>
-    <p:sldId id="282" r:id="rId14"/>
+    <p:sldId id="283" r:id="rId14"/>
     <p:sldId id="268" r:id="rId15"/>
     <p:sldId id="285" r:id="rId16"/>
     <p:sldId id="269" r:id="rId17"/>
@@ -259,6 +259,35 @@
     </a:lvl9pPr>
   </p:defaultTextStyle>
   <p:extLst>
+    <p:ext uri="{521415D9-36F7-43E2-AB2F-B90AF26B5E84}">
+      <p14:sectionLst xmlns:p14="http://schemas.microsoft.com/office/powerpoint/2010/main">
+        <p14:section name="Раздел по умолчанию" id="{B800FE30-8CAB-449D-97A7-8FB083BB366B}">
+          <p14:sldIdLst>
+            <p14:sldId id="272"/>
+            <p14:sldId id="273"/>
+            <p14:sldId id="284"/>
+            <p14:sldId id="274"/>
+            <p14:sldId id="275"/>
+            <p14:sldId id="276"/>
+            <p14:sldId id="277"/>
+            <p14:sldId id="278"/>
+            <p14:sldId id="282"/>
+            <p14:sldId id="280"/>
+            <p14:sldId id="281"/>
+            <p14:sldId id="279"/>
+            <p14:sldId id="283"/>
+            <p14:sldId id="268"/>
+            <p14:sldId id="285"/>
+            <p14:sldId id="269"/>
+            <p14:sldId id="264"/>
+            <p14:sldId id="265"/>
+          </p14:sldIdLst>
+        </p14:section>
+        <p14:section name="Раздел без заголовка" id="{1A750B11-92FF-43F1-99AF-83E319F1BD3A}">
+          <p14:sldIdLst/>
+        </p14:section>
+      </p14:sectionLst>
+    </p:ext>
     <p:ext uri="{EFAFB233-063F-42B5-8137-9DF3F51BA10A}">
       <p15:sldGuideLst xmlns:p15="http://schemas.microsoft.com/office/powerpoint/2012/main">
         <p15:guide id="1" orient="horz" pos="1620">
@@ -1243,7 +1272,7 @@
     </p:spTree>
     <p:extLst>
       <p:ext uri="{BB962C8B-B14F-4D97-AF65-F5344CB8AC3E}">
-        <p14:creationId xmlns:p14="http://schemas.microsoft.com/office/powerpoint/2010/main" val="3954804260"/>
+        <p14:creationId xmlns:p14="http://schemas.microsoft.com/office/powerpoint/2010/main" val="975586897"/>
       </p:ext>
     </p:extLst>
   </p:cSld>
@@ -2625,7 +2654,7 @@
     </p:spTree>
     <p:extLst>
       <p:ext uri="{BB962C8B-B14F-4D97-AF65-F5344CB8AC3E}">
-        <p14:creationId xmlns:p14="http://schemas.microsoft.com/office/powerpoint/2010/main" val="975586897"/>
+        <p14:creationId xmlns:p14="http://schemas.microsoft.com/office/powerpoint/2010/main" val="3954804260"/>
       </p:ext>
     </p:extLst>
   </p:cSld>
@@ -8128,45 +8157,6 @@
           <a:chExt cx="0" cy="0"/>
         </a:xfrm>
       </p:grpSpPr>
-      <p:pic>
-        <p:nvPicPr>
-          <p:cNvPr id="1026" name="Picture 2">
-            <a:extLst>
-              <a:ext uri="{FF2B5EF4-FFF2-40B4-BE49-F238E27FC236}">
-                <a16:creationId xmlns:a16="http://schemas.microsoft.com/office/drawing/2014/main" id="{3A857196-0038-484D-BFE7-822F8BEF4B90}"/>
-              </a:ext>
-            </a:extLst>
-          </p:cNvPr>
-          <p:cNvPicPr>
-            <a:picLocks noChangeAspect="1" noChangeArrowheads="1"/>
-          </p:cNvPicPr>
-          <p:nvPr/>
-        </p:nvPicPr>
-        <p:blipFill>
-          <a:blip r:embed="rId3"/>
-          <a:srcRect/>
-          <a:stretch/>
-        </p:blipFill>
-        <p:spPr bwMode="auto">
-          <a:xfrm>
-            <a:off x="7676" y="2433919"/>
-            <a:ext cx="8929796" cy="2061372"/>
-          </a:xfrm>
-          <a:prstGeom prst="rect">
-            <a:avLst/>
-          </a:prstGeom>
-          <a:noFill/>
-          <a:extLst>
-            <a:ext uri="{909E8E84-426E-40DD-AFC4-6F175D3DCCD1}">
-              <a14:hiddenFill xmlns:a14="http://schemas.microsoft.com/office/drawing/2010/main">
-                <a:solidFill>
-                  <a:srgbClr val="FFFFFF"/>
-                </a:solidFill>
-              </a14:hiddenFill>
-            </a:ext>
-          </a:extLst>
-        </p:spPr>
-      </p:pic>
       <p:sp>
         <p:nvSpPr>
           <p:cNvPr id="72" name="Google Shape;72;p16"/>
@@ -8179,7 +8169,7 @@
         </p:nvSpPr>
         <p:spPr>
           <a:xfrm>
-            <a:off x="0" y="-4799"/>
+            <a:off x="0" y="10531"/>
             <a:ext cx="8520600" cy="572700"/>
           </a:xfrm>
           <a:prstGeom prst="rect">
@@ -8214,22 +8204,7 @@
                   </a:outerShdw>
                 </a:effectLst>
               </a:rPr>
-              <a:t>Design case for </a:t>
-            </a:r>
-            <a:r>
-              <a:rPr lang="en-GB" b="1" dirty="0" err="1">
-                <a:solidFill>
-                  <a:schemeClr val="tx1"/>
-                </a:solidFill>
-                <a:effectLst>
-                  <a:outerShdw blurRad="38100" dist="38100" dir="2700000" algn="tl">
-                    <a:srgbClr val="000000">
-                      <a:alpha val="43137"/>
-                    </a:srgbClr>
-                  </a:outerShdw>
-                </a:effectLst>
-              </a:rPr>
-              <a:t>RequestRouter</a:t>
+              <a:t>Design case of Service Deployer</a:t>
             </a:r>
             <a:endParaRPr b="1" dirty="0">
               <a:solidFill>
@@ -8248,133 +8223,10 @@
       </p:sp>
       <p:sp>
         <p:nvSpPr>
-          <p:cNvPr id="73" name="Google Shape;73;p16"/>
-          <p:cNvSpPr txBox="1">
-            <a:spLocks noGrp="1"/>
-          </p:cNvSpPr>
-          <p:nvPr>
-            <p:ph type="body" idx="1"/>
-          </p:nvPr>
-        </p:nvSpPr>
-        <p:spPr>
-          <a:xfrm>
-            <a:off x="163782" y="648210"/>
-            <a:ext cx="3990600" cy="2552189"/>
-          </a:xfrm>
-          <a:prstGeom prst="rect">
-            <a:avLst/>
-          </a:prstGeom>
-        </p:spPr>
-        <p:txBody>
-          <a:bodyPr spcFirstLastPara="1" wrap="square" lIns="91425" tIns="91425" rIns="91425" bIns="91425" anchor="t" anchorCtr="0">
-            <a:noAutofit/>
-          </a:bodyPr>
-          <a:lstStyle/>
-          <a:p>
-            <a:pPr marL="0" lvl="0" indent="0" algn="l" rtl="0">
-              <a:spcBef>
-                <a:spcPts val="0"/>
-              </a:spcBef>
-              <a:spcAft>
-                <a:spcPts val="0"/>
-              </a:spcAft>
-              <a:buNone/>
-            </a:pPr>
-            <a:r>
-              <a:rPr lang="en-GB" dirty="0">
-                <a:solidFill>
-                  <a:schemeClr val="bg1">
-                    <a:lumMod val="50000"/>
-                  </a:schemeClr>
-                </a:solidFill>
-              </a:rPr>
-              <a:t>Problems: </a:t>
-            </a:r>
-            <a:r>
-              <a:rPr lang="en-US" dirty="0">
-                <a:solidFill>
-                  <a:schemeClr val="bg1">
-                    <a:lumMod val="50000"/>
-                  </a:schemeClr>
-                </a:solidFill>
-              </a:rPr>
-              <a:t>strong dependency on Kubernetes, </a:t>
-            </a:r>
-            <a:r>
-              <a:rPr lang="en-US" dirty="0" err="1">
-                <a:solidFill>
-                  <a:schemeClr val="bg1">
-                    <a:lumMod val="50000"/>
-                  </a:schemeClr>
-                </a:solidFill>
-              </a:rPr>
-              <a:t>OpenAPI</a:t>
-            </a:r>
-            <a:r>
-              <a:rPr lang="en-US" dirty="0">
-                <a:solidFill>
-                  <a:schemeClr val="bg1">
-                    <a:lumMod val="50000"/>
-                  </a:schemeClr>
-                </a:solidFill>
-              </a:rPr>
-              <a:t> schemas, cache storage, many functions</a:t>
-            </a:r>
-          </a:p>
-          <a:p>
-            <a:pPr marL="0" lvl="0" indent="0" algn="l" rtl="0">
-              <a:spcBef>
-                <a:spcPts val="0"/>
-              </a:spcBef>
-              <a:spcAft>
-                <a:spcPts val="0"/>
-              </a:spcAft>
-              <a:buNone/>
-            </a:pPr>
-            <a:endParaRPr dirty="0">
-              <a:solidFill>
-                <a:schemeClr val="bg1">
-                  <a:lumMod val="50000"/>
-                </a:schemeClr>
-              </a:solidFill>
-            </a:endParaRPr>
-          </a:p>
-          <a:p>
-            <a:pPr marL="0" lvl="0" indent="0" algn="l" rtl="0">
-              <a:spcBef>
-                <a:spcPts val="1200"/>
-              </a:spcBef>
-              <a:spcAft>
-                <a:spcPts val="0"/>
-              </a:spcAft>
-              <a:buNone/>
-            </a:pPr>
-            <a:r>
-              <a:rPr lang="en-GB" dirty="0">
-                <a:solidFill>
-                  <a:schemeClr val="bg1">
-                    <a:lumMod val="50000"/>
-                  </a:schemeClr>
-                </a:solidFill>
-              </a:rPr>
-              <a:t>Solutions: use Strategy and Adapter patterns, SOLID principles</a:t>
-            </a:r>
-            <a:endParaRPr dirty="0">
-              <a:solidFill>
-                <a:schemeClr val="bg1">
-                  <a:lumMod val="50000"/>
-                </a:schemeClr>
-              </a:solidFill>
-            </a:endParaRPr>
-          </a:p>
-        </p:txBody>
-      </p:sp>
-      <p:sp>
-        <p:nvSpPr>
           <p:cNvPr id="2" name="Номер слайда 1">
             <a:extLst>
               <a:ext uri="{FF2B5EF4-FFF2-40B4-BE49-F238E27FC236}">
-                <a16:creationId xmlns:a16="http://schemas.microsoft.com/office/drawing/2014/main" id="{28C48E86-CE85-4322-B2F3-5074156B1600}"/>
+                <a16:creationId xmlns:a16="http://schemas.microsoft.com/office/drawing/2014/main" id="{CCF8C985-188F-4FA0-8D7B-4C048618B2F1}"/>
               </a:ext>
             </a:extLst>
           </p:cNvPr>
@@ -8407,10 +8259,176 @@
           </a:p>
         </p:txBody>
       </p:sp>
+      <p:pic>
+        <p:nvPicPr>
+          <p:cNvPr id="6" name="Picture 5">
+            <a:extLst>
+              <a:ext uri="{FF2B5EF4-FFF2-40B4-BE49-F238E27FC236}">
+                <a16:creationId xmlns:a16="http://schemas.microsoft.com/office/drawing/2014/main" id="{FD9F5773-8B1E-42C9-A714-ED751F17B937}"/>
+              </a:ext>
+            </a:extLst>
+          </p:cNvPr>
+          <p:cNvPicPr>
+            <a:picLocks noChangeAspect="1"/>
+          </p:cNvPicPr>
+          <p:nvPr/>
+        </p:nvPicPr>
+        <p:blipFill>
+          <a:blip r:embed="rId3"/>
+          <a:srcRect/>
+          <a:stretch/>
+        </p:blipFill>
+        <p:spPr>
+          <a:xfrm>
+            <a:off x="3813" y="2144806"/>
+            <a:ext cx="9135886" cy="2518411"/>
+          </a:xfrm>
+          <a:prstGeom prst="rect">
+            <a:avLst/>
+          </a:prstGeom>
+        </p:spPr>
+      </p:pic>
+      <p:sp>
+        <p:nvSpPr>
+          <p:cNvPr id="73" name="Google Shape;73;p16"/>
+          <p:cNvSpPr txBox="1">
+            <a:spLocks noGrp="1"/>
+          </p:cNvSpPr>
+          <p:nvPr>
+            <p:ph type="body" idx="1"/>
+          </p:nvPr>
+        </p:nvSpPr>
+        <p:spPr>
+          <a:xfrm>
+            <a:off x="116899" y="583231"/>
+            <a:ext cx="3990600" cy="2220481"/>
+          </a:xfrm>
+          <a:prstGeom prst="rect">
+            <a:avLst/>
+          </a:prstGeom>
+        </p:spPr>
+        <p:txBody>
+          <a:bodyPr spcFirstLastPara="1" wrap="square" lIns="91425" tIns="91425" rIns="91425" bIns="91425" anchor="t" anchorCtr="0">
+            <a:noAutofit/>
+          </a:bodyPr>
+          <a:lstStyle/>
+          <a:p>
+            <a:pPr marL="0" lvl="0" indent="0" rtl="0">
+              <a:spcBef>
+                <a:spcPts val="0"/>
+              </a:spcBef>
+              <a:spcAft>
+                <a:spcPts val="0"/>
+              </a:spcAft>
+              <a:buNone/>
+            </a:pPr>
+            <a:r>
+              <a:rPr lang="en-GB" dirty="0">
+                <a:solidFill>
+                  <a:schemeClr val="bg1">
+                    <a:lumMod val="50000"/>
+                  </a:schemeClr>
+                </a:solidFill>
+              </a:rPr>
+              <a:t>Problems: new deploy strategies require changes in </a:t>
+            </a:r>
+            <a:r>
+              <a:rPr lang="en-GB" dirty="0" err="1">
+                <a:solidFill>
+                  <a:schemeClr val="bg1">
+                    <a:lumMod val="50000"/>
+                  </a:schemeClr>
+                </a:solidFill>
+              </a:rPr>
+              <a:t>ServiceDeployer</a:t>
+            </a:r>
+            <a:r>
+              <a:rPr lang="en-GB" dirty="0">
+                <a:solidFill>
+                  <a:schemeClr val="bg1">
+                    <a:lumMod val="50000"/>
+                  </a:schemeClr>
+                </a:solidFill>
+              </a:rPr>
+              <a:t>; </a:t>
+            </a:r>
+            <a:r>
+              <a:rPr lang="en-GB" dirty="0" err="1">
+                <a:solidFill>
+                  <a:schemeClr val="bg1">
+                    <a:lumMod val="50000"/>
+                  </a:schemeClr>
+                </a:solidFill>
+              </a:rPr>
+              <a:t>ServiceDeployer</a:t>
+            </a:r>
+            <a:r>
+              <a:rPr lang="en-GB" dirty="0">
+                <a:solidFill>
+                  <a:schemeClr val="bg1">
+                    <a:lumMod val="50000"/>
+                  </a:schemeClr>
+                </a:solidFill>
+              </a:rPr>
+              <a:t> can work with different data, repository or orchestrator, many functions in one class</a:t>
+            </a:r>
+          </a:p>
+        </p:txBody>
+      </p:sp>
+      <p:sp>
+        <p:nvSpPr>
+          <p:cNvPr id="7" name="TextBox 6">
+            <a:extLst>
+              <a:ext uri="{FF2B5EF4-FFF2-40B4-BE49-F238E27FC236}">
+                <a16:creationId xmlns:a16="http://schemas.microsoft.com/office/drawing/2014/main" id="{AEF34781-237A-42D9-B366-DCA2304439B3}"/>
+              </a:ext>
+            </a:extLst>
+          </p:cNvPr>
+          <p:cNvSpPr txBox="1"/>
+          <p:nvPr/>
+        </p:nvSpPr>
+        <p:spPr>
+          <a:xfrm>
+            <a:off x="4572000" y="1073155"/>
+            <a:ext cx="4635872" cy="646331"/>
+          </a:xfrm>
+          <a:prstGeom prst="rect">
+            <a:avLst/>
+          </a:prstGeom>
+          <a:noFill/>
+        </p:spPr>
+        <p:txBody>
+          <a:bodyPr wrap="square">
+            <a:spAutoFit/>
+          </a:bodyPr>
+          <a:lstStyle/>
+          <a:p>
+            <a:pPr marL="0" lvl="0" indent="0" algn="l" rtl="0">
+              <a:spcBef>
+                <a:spcPts val="0"/>
+              </a:spcBef>
+              <a:spcAft>
+                <a:spcPts val="0"/>
+              </a:spcAft>
+              <a:buNone/>
+            </a:pPr>
+            <a:r>
+              <a:rPr lang="en-US" sz="1800" dirty="0">
+                <a:solidFill>
+                  <a:schemeClr val="bg1">
+                    <a:lumMod val="50000"/>
+                  </a:schemeClr>
+                </a:solidFill>
+              </a:rPr>
+              <a:t>Solutions: use SOLID principles, Adapter and Strategy patterns</a:t>
+            </a:r>
+          </a:p>
+        </p:txBody>
+      </p:sp>
     </p:spTree>
     <p:extLst>
       <p:ext uri="{BB962C8B-B14F-4D97-AF65-F5344CB8AC3E}">
-        <p14:creationId xmlns:p14="http://schemas.microsoft.com/office/powerpoint/2010/main" val="826294762"/>
+        <p14:creationId xmlns:p14="http://schemas.microsoft.com/office/powerpoint/2010/main" val="3432105840"/>
       </p:ext>
     </p:extLst>
   </p:cSld>
@@ -8531,49 +8549,49 @@
           <p:nvPr>
             <p:extLst>
               <p:ext uri="{D42A27DB-BD31-4B8C-83A1-F6EECF244321}">
-                <p14:modId xmlns:p14="http://schemas.microsoft.com/office/powerpoint/2010/main" val="1115196209"/>
+                <p14:modId xmlns:p14="http://schemas.microsoft.com/office/powerpoint/2010/main" val="149459380"/>
               </p:ext>
             </p:extLst>
           </p:nvPr>
         </p:nvGraphicFramePr>
         <p:xfrm>
-          <a:off x="1148157" y="1464414"/>
-          <a:ext cx="6710182" cy="2818830"/>
+          <a:off x="900953" y="1351429"/>
+          <a:ext cx="7167282" cy="3200398"/>
         </p:xfrm>
         <a:graphic>
           <a:graphicData uri="http://schemas.openxmlformats.org/drawingml/2006/table">
             <a:tbl>
               <a:tblPr/>
               <a:tblGrid>
-                <a:gridCol w="1722281">
+                <a:gridCol w="1839603">
                   <a:extLst>
                     <a:ext uri="{9D8B030D-6E8A-4147-A177-3AD203B41FA5}">
                       <a16:colId xmlns:a16="http://schemas.microsoft.com/office/drawing/2014/main" val="1636098904"/>
                     </a:ext>
                   </a:extLst>
                 </a:gridCol>
-                <a:gridCol w="961793">
+                <a:gridCol w="1027311">
                   <a:extLst>
                     <a:ext uri="{9D8B030D-6E8A-4147-A177-3AD203B41FA5}">
                       <a16:colId xmlns:a16="http://schemas.microsoft.com/office/drawing/2014/main" val="723940613"/>
                     </a:ext>
                   </a:extLst>
                 </a:gridCol>
-                <a:gridCol w="1342036">
+                <a:gridCol w="1433456">
                   <a:extLst>
                     <a:ext uri="{9D8B030D-6E8A-4147-A177-3AD203B41FA5}">
                       <a16:colId xmlns:a16="http://schemas.microsoft.com/office/drawing/2014/main" val="3033018205"/>
                     </a:ext>
                   </a:extLst>
                 </a:gridCol>
-                <a:gridCol w="1342036">
+                <a:gridCol w="1433456">
                   <a:extLst>
                     <a:ext uri="{9D8B030D-6E8A-4147-A177-3AD203B41FA5}">
                       <a16:colId xmlns:a16="http://schemas.microsoft.com/office/drawing/2014/main" val="2470044663"/>
                     </a:ext>
                   </a:extLst>
                 </a:gridCol>
-                <a:gridCol w="1342036">
+                <a:gridCol w="1433456">
                   <a:extLst>
                     <a:ext uri="{9D8B030D-6E8A-4147-A177-3AD203B41FA5}">
                       <a16:colId xmlns:a16="http://schemas.microsoft.com/office/drawing/2014/main" val="3882684967"/>
@@ -8581,7 +8599,7 @@
                   </a:extLst>
                 </a:gridCol>
               </a:tblGrid>
-              <a:tr h="402690">
+              <a:tr h="433949">
                 <a:tc>
                   <a:txBody>
                     <a:bodyPr/>
@@ -8596,7 +8614,7 @@
                         </a:spcAft>
                       </a:pPr>
                       <a:r>
-                        <a:rPr lang="en-US" sz="1100" b="0" i="0" u="none" strike="noStrike" dirty="0">
+                        <a:rPr lang="en-US" sz="1400" b="0" i="0" u="none" strike="noStrike" dirty="0">
                           <a:solidFill>
                             <a:srgbClr val="000000"/>
                           </a:solidFill>
@@ -8605,7 +8623,7 @@
                         </a:rPr>
                         <a:t>Class/Metrics</a:t>
                       </a:r>
-                      <a:endParaRPr lang="en-US" dirty="0">
+                      <a:endParaRPr lang="en-US" sz="1400" dirty="0">
                         <a:effectLst/>
                       </a:endParaRPr>
                     </a:p>
@@ -8666,7 +8684,7 @@
                         </a:spcAft>
                       </a:pPr>
                       <a:r>
-                        <a:rPr lang="en-US" sz="1100" b="0" i="0" u="none" strike="noStrike">
+                        <a:rPr lang="en-US" sz="1400" b="0" i="0" u="none" strike="noStrike">
                           <a:solidFill>
                             <a:srgbClr val="000000"/>
                           </a:solidFill>
@@ -8675,7 +8693,7 @@
                         </a:rPr>
                         <a:t>WMC</a:t>
                       </a:r>
-                      <a:endParaRPr lang="en-US">
+                      <a:endParaRPr lang="en-US" sz="1400">
                         <a:effectLst/>
                       </a:endParaRPr>
                     </a:p>
@@ -8736,7 +8754,7 @@
                         </a:spcAft>
                       </a:pPr>
                       <a:r>
-                        <a:rPr lang="en-US" sz="1100" b="0" i="0" u="none" strike="noStrike">
+                        <a:rPr lang="en-US" sz="1400" b="0" i="0" u="none" strike="noStrike">
                           <a:solidFill>
                             <a:srgbClr val="000000"/>
                           </a:solidFill>
@@ -8745,7 +8763,7 @@
                         </a:rPr>
                         <a:t>CBO</a:t>
                       </a:r>
-                      <a:endParaRPr lang="en-US">
+                      <a:endParaRPr lang="en-US" sz="1400">
                         <a:effectLst/>
                       </a:endParaRPr>
                     </a:p>
@@ -8806,7 +8824,7 @@
                         </a:spcAft>
                       </a:pPr>
                       <a:r>
-                        <a:rPr lang="en-US" sz="1100" b="0" i="0" u="none" strike="noStrike">
+                        <a:rPr lang="en-US" sz="1400" b="0" i="0" u="none" strike="noStrike">
                           <a:solidFill>
                             <a:srgbClr val="000000"/>
                           </a:solidFill>
@@ -8815,7 +8833,7 @@
                         </a:rPr>
                         <a:t>NOC</a:t>
                       </a:r>
-                      <a:endParaRPr lang="en-US">
+                      <a:endParaRPr lang="en-US" sz="1400">
                         <a:effectLst/>
                       </a:endParaRPr>
                     </a:p>
@@ -8876,7 +8894,7 @@
                         </a:spcAft>
                       </a:pPr>
                       <a:r>
-                        <a:rPr lang="en-US" sz="1100" b="0" i="0" u="none" strike="noStrike">
+                        <a:rPr lang="en-US" sz="1400" b="0" i="0" u="none" strike="noStrike">
                           <a:solidFill>
                             <a:srgbClr val="000000"/>
                           </a:solidFill>
@@ -8885,7 +8903,7 @@
                         </a:rPr>
                         <a:t>DIT</a:t>
                       </a:r>
-                      <a:endParaRPr lang="en-US">
+                      <a:endParaRPr lang="en-US" sz="1400">
                         <a:effectLst/>
                       </a:endParaRPr>
                     </a:p>
@@ -8938,7 +8956,7 @@
                   </a:ext>
                 </a:extLst>
               </a:tr>
-              <a:tr h="402690">
+              <a:tr h="433949">
                 <a:tc>
                   <a:txBody>
                     <a:bodyPr/>
@@ -8953,7 +8971,7 @@
                         </a:spcAft>
                       </a:pPr>
                       <a:r>
-                        <a:rPr lang="en-US" sz="1100" b="0" i="0" u="none" strike="noStrike" dirty="0" err="1">
+                        <a:rPr lang="en-US" sz="1400" b="0" i="0" u="none" strike="noStrike" dirty="0" err="1">
                           <a:solidFill>
                             <a:srgbClr val="000000"/>
                           </a:solidFill>
@@ -8962,7 +8980,7 @@
                         </a:rPr>
                         <a:t>ServiceDeployer</a:t>
                       </a:r>
-                      <a:endParaRPr lang="en-US" dirty="0">
+                      <a:endParaRPr lang="en-US" sz="1400" dirty="0">
                         <a:effectLst/>
                       </a:endParaRPr>
                     </a:p>
@@ -9020,7 +9038,7 @@
                         </a:spcAft>
                       </a:pPr>
                       <a:r>
-                        <a:rPr lang="ru-RU" sz="1100" b="0" i="0" u="none" strike="noStrike" dirty="0">
+                        <a:rPr lang="ru-RU" sz="1400" b="0" i="0" u="none" strike="noStrike" dirty="0">
                           <a:solidFill>
                             <a:srgbClr val="000000"/>
                           </a:solidFill>
@@ -9029,7 +9047,7 @@
                         </a:rPr>
                         <a:t>1</a:t>
                       </a:r>
-                      <a:endParaRPr lang="ru-RU" dirty="0">
+                      <a:endParaRPr lang="ru-RU" sz="1400" dirty="0">
                         <a:effectLst/>
                       </a:endParaRPr>
                     </a:p>
@@ -9087,7 +9105,7 @@
                         </a:spcAft>
                       </a:pPr>
                       <a:r>
-                        <a:rPr lang="ru-RU" sz="1100" b="0" i="0" u="none" strike="noStrike">
+                        <a:rPr lang="ru-RU" sz="1400" b="0" i="0" u="none" strike="noStrike" dirty="0">
                           <a:solidFill>
                             <a:srgbClr val="000000"/>
                           </a:solidFill>
@@ -9096,7 +9114,7 @@
                         </a:rPr>
                         <a:t>8</a:t>
                       </a:r>
-                      <a:endParaRPr lang="ru-RU">
+                      <a:endParaRPr lang="ru-RU" sz="1400" dirty="0">
                         <a:effectLst/>
                       </a:endParaRPr>
                     </a:p>
@@ -9154,7 +9172,7 @@
                         </a:spcAft>
                       </a:pPr>
                       <a:r>
-                        <a:rPr lang="ru-RU" sz="1100" b="0" i="0" u="none" strike="noStrike">
+                        <a:rPr lang="ru-RU" sz="1400" b="0" i="0" u="none" strike="noStrike" dirty="0">
                           <a:solidFill>
                             <a:srgbClr val="000000"/>
                           </a:solidFill>
@@ -9163,7 +9181,7 @@
                         </a:rPr>
                         <a:t>0</a:t>
                       </a:r>
-                      <a:endParaRPr lang="ru-RU">
+                      <a:endParaRPr lang="ru-RU" sz="1400" dirty="0">
                         <a:effectLst/>
                       </a:endParaRPr>
                     </a:p>
@@ -9221,7 +9239,7 @@
                         </a:spcAft>
                       </a:pPr>
                       <a:r>
-                        <a:rPr lang="ru-RU" sz="1100" b="0" i="0" u="none" strike="noStrike">
+                        <a:rPr lang="ru-RU" sz="1400" b="0" i="0" u="none" strike="noStrike" dirty="0">
                           <a:solidFill>
                             <a:srgbClr val="000000"/>
                           </a:solidFill>
@@ -9230,7 +9248,7 @@
                         </a:rPr>
                         <a:t>1</a:t>
                       </a:r>
-                      <a:endParaRPr lang="ru-RU">
+                      <a:endParaRPr lang="ru-RU" sz="1400" dirty="0">
                         <a:effectLst/>
                       </a:endParaRPr>
                     </a:p>
@@ -9280,7 +9298,7 @@
                   </a:ext>
                 </a:extLst>
               </a:tr>
-              <a:tr h="402690">
+              <a:tr h="433949">
                 <a:tc>
                   <a:txBody>
                     <a:bodyPr/>
@@ -9295,7 +9313,7 @@
                         </a:spcAft>
                       </a:pPr>
                       <a:r>
-                        <a:rPr lang="en-US" sz="1100" b="0" i="0" u="none" strike="noStrike" dirty="0" err="1">
+                        <a:rPr lang="en-US" sz="1400" b="0" i="0" u="none" strike="noStrike" dirty="0" err="1">
                           <a:solidFill>
                             <a:srgbClr val="000000"/>
                           </a:solidFill>
@@ -9304,7 +9322,7 @@
                         </a:rPr>
                         <a:t>ContainerizerImpl</a:t>
                       </a:r>
-                      <a:endParaRPr lang="en-US" dirty="0">
+                      <a:endParaRPr lang="en-US" sz="1400" dirty="0">
                         <a:effectLst/>
                       </a:endParaRPr>
                     </a:p>
@@ -9362,7 +9380,7 @@
                         </a:spcAft>
                       </a:pPr>
                       <a:r>
-                        <a:rPr lang="ru-RU" sz="1100" b="0" i="0" u="none" strike="noStrike">
+                        <a:rPr lang="ru-RU" sz="1400" b="0" i="0" u="none" strike="noStrike" dirty="0">
                           <a:solidFill>
                             <a:srgbClr val="000000"/>
                           </a:solidFill>
@@ -9371,7 +9389,7 @@
                         </a:rPr>
                         <a:t>1</a:t>
                       </a:r>
-                      <a:endParaRPr lang="ru-RU">
+                      <a:endParaRPr lang="ru-RU" sz="1400" dirty="0">
                         <a:effectLst/>
                       </a:endParaRPr>
                     </a:p>
@@ -9429,7 +9447,7 @@
                         </a:spcAft>
                       </a:pPr>
                       <a:r>
-                        <a:rPr lang="ru-RU" sz="1100" b="0" i="0" u="none" strike="noStrike" dirty="0">
+                        <a:rPr lang="ru-RU" sz="1400" b="0" i="0" u="none" strike="noStrike" dirty="0">
                           <a:solidFill>
                             <a:srgbClr val="000000"/>
                           </a:solidFill>
@@ -9438,7 +9456,7 @@
                         </a:rPr>
                         <a:t>1</a:t>
                       </a:r>
-                      <a:endParaRPr lang="ru-RU" dirty="0">
+                      <a:endParaRPr lang="ru-RU" sz="1400" dirty="0">
                         <a:effectLst/>
                       </a:endParaRPr>
                     </a:p>
@@ -9496,7 +9514,7 @@
                         </a:spcAft>
                       </a:pPr>
                       <a:r>
-                        <a:rPr lang="ru-RU" sz="1100" b="0" i="0" u="none" strike="noStrike" dirty="0">
+                        <a:rPr lang="ru-RU" sz="1400" b="0" i="0" u="none" strike="noStrike" dirty="0">
                           <a:solidFill>
                             <a:srgbClr val="000000"/>
                           </a:solidFill>
@@ -9505,7 +9523,7 @@
                         </a:rPr>
                         <a:t>0</a:t>
                       </a:r>
-                      <a:endParaRPr lang="ru-RU" dirty="0">
+                      <a:endParaRPr lang="ru-RU" sz="1400" dirty="0">
                         <a:effectLst/>
                       </a:endParaRPr>
                     </a:p>
@@ -9563,7 +9581,7 @@
                         </a:spcAft>
                       </a:pPr>
                       <a:r>
-                        <a:rPr lang="ru-RU" sz="1100" b="0" i="0" u="none" strike="noStrike">
+                        <a:rPr lang="ru-RU" sz="1400" b="0" i="0" u="none" strike="noStrike" dirty="0">
                           <a:solidFill>
                             <a:srgbClr val="000000"/>
                           </a:solidFill>
@@ -9572,7 +9590,7 @@
                         </a:rPr>
                         <a:t>2</a:t>
                       </a:r>
-                      <a:endParaRPr lang="ru-RU">
+                      <a:endParaRPr lang="ru-RU" sz="1400" dirty="0">
                         <a:effectLst/>
                       </a:endParaRPr>
                     </a:p>
@@ -9622,7 +9640,7 @@
                   </a:ext>
                 </a:extLst>
               </a:tr>
-              <a:tr h="402690">
+              <a:tr h="433949">
                 <a:tc>
                   <a:txBody>
                     <a:bodyPr/>
@@ -9637,7 +9655,7 @@
                         </a:spcAft>
                       </a:pPr>
                       <a:r>
-                        <a:rPr lang="en-US" sz="1100" b="0" i="0" u="none" strike="noStrike" dirty="0" err="1">
+                        <a:rPr lang="en-US" sz="1400" b="0" i="0" u="none" strike="noStrike" dirty="0" err="1">
                           <a:solidFill>
                             <a:srgbClr val="000000"/>
                           </a:solidFill>
@@ -9646,7 +9664,7 @@
                         </a:rPr>
                         <a:t>CRDStrategy</a:t>
                       </a:r>
-                      <a:endParaRPr lang="en-US" dirty="0">
+                      <a:endParaRPr lang="en-US" sz="1400" dirty="0">
                         <a:effectLst/>
                       </a:endParaRPr>
                     </a:p>
@@ -9704,7 +9722,7 @@
                         </a:spcAft>
                       </a:pPr>
                       <a:r>
-                        <a:rPr lang="ru-RU" sz="1100" b="0" i="0" u="none" strike="noStrike" dirty="0">
+                        <a:rPr lang="ru-RU" sz="1400" b="0" i="0" u="none" strike="noStrike" dirty="0">
                           <a:solidFill>
                             <a:srgbClr val="000000"/>
                           </a:solidFill>
@@ -9713,7 +9731,7 @@
                         </a:rPr>
                         <a:t>1</a:t>
                       </a:r>
-                      <a:endParaRPr lang="ru-RU" dirty="0">
+                      <a:endParaRPr lang="ru-RU" sz="1400" dirty="0">
                         <a:effectLst/>
                       </a:endParaRPr>
                     </a:p>
@@ -9771,7 +9789,7 @@
                         </a:spcAft>
                       </a:pPr>
                       <a:r>
-                        <a:rPr lang="ru-RU" sz="1100" b="0" i="0" u="none" strike="noStrike">
+                        <a:rPr lang="ru-RU" sz="1400" b="0" i="0" u="none" strike="noStrike" dirty="0">
                           <a:solidFill>
                             <a:srgbClr val="000000"/>
                           </a:solidFill>
@@ -9780,7 +9798,7 @@
                         </a:rPr>
                         <a:t>1</a:t>
                       </a:r>
-                      <a:endParaRPr lang="ru-RU">
+                      <a:endParaRPr lang="ru-RU" sz="1400" dirty="0">
                         <a:effectLst/>
                       </a:endParaRPr>
                     </a:p>
@@ -9838,7 +9856,7 @@
                         </a:spcAft>
                       </a:pPr>
                       <a:r>
-                        <a:rPr lang="ru-RU" sz="1100" b="0" i="0" u="none" strike="noStrike">
+                        <a:rPr lang="ru-RU" sz="1400" b="0" i="0" u="none" strike="noStrike" dirty="0">
                           <a:solidFill>
                             <a:srgbClr val="000000"/>
                           </a:solidFill>
@@ -9847,7 +9865,7 @@
                         </a:rPr>
                         <a:t>0</a:t>
                       </a:r>
-                      <a:endParaRPr lang="ru-RU">
+                      <a:endParaRPr lang="ru-RU" sz="1400" dirty="0">
                         <a:effectLst/>
                       </a:endParaRPr>
                     </a:p>
@@ -9905,7 +9923,7 @@
                         </a:spcAft>
                       </a:pPr>
                       <a:r>
-                        <a:rPr lang="ru-RU" sz="1100" b="0" i="0" u="none" strike="noStrike">
+                        <a:rPr lang="ru-RU" sz="1400" b="0" i="0" u="none" strike="noStrike" dirty="0">
                           <a:solidFill>
                             <a:srgbClr val="000000"/>
                           </a:solidFill>
@@ -9914,7 +9932,7 @@
                         </a:rPr>
                         <a:t>2</a:t>
                       </a:r>
-                      <a:endParaRPr lang="ru-RU">
+                      <a:endParaRPr lang="ru-RU" sz="1400" dirty="0">
                         <a:effectLst/>
                       </a:endParaRPr>
                     </a:p>
@@ -9964,7 +9982,7 @@
                   </a:ext>
                 </a:extLst>
               </a:tr>
-              <a:tr h="402690">
+              <a:tr h="596704">
                 <a:tc>
                   <a:txBody>
                     <a:bodyPr/>
@@ -9979,7 +9997,7 @@
                         </a:spcAft>
                       </a:pPr>
                       <a:r>
-                        <a:rPr lang="en-US" sz="1100" b="0" i="0" u="none" strike="noStrike">
+                        <a:rPr lang="en-US" sz="1400" b="0" i="0" u="none" strike="noStrike">
                           <a:solidFill>
                             <a:srgbClr val="000000"/>
                           </a:solidFill>
@@ -9988,7 +10006,7 @@
                         </a:rPr>
                         <a:t>SourceCodeStrategy</a:t>
                       </a:r>
-                      <a:endParaRPr lang="en-US">
+                      <a:endParaRPr lang="en-US" sz="1400">
                         <a:effectLst/>
                       </a:endParaRPr>
                     </a:p>
@@ -10046,7 +10064,7 @@
                         </a:spcAft>
                       </a:pPr>
                       <a:r>
-                        <a:rPr lang="ru-RU" sz="1100" b="0" i="0" u="none" strike="noStrike">
+                        <a:rPr lang="ru-RU" sz="1400" b="0" i="0" u="none" strike="noStrike" dirty="0">
                           <a:solidFill>
                             <a:srgbClr val="000000"/>
                           </a:solidFill>
@@ -10055,7 +10073,7 @@
                         </a:rPr>
                         <a:t>1</a:t>
                       </a:r>
-                      <a:endParaRPr lang="ru-RU">
+                      <a:endParaRPr lang="ru-RU" sz="1400" dirty="0">
                         <a:effectLst/>
                       </a:endParaRPr>
                     </a:p>
@@ -10113,7 +10131,7 @@
                         </a:spcAft>
                       </a:pPr>
                       <a:r>
-                        <a:rPr lang="ru-RU" sz="1100" b="0" i="0" u="none" strike="noStrike" dirty="0">
+                        <a:rPr lang="ru-RU" sz="1400" b="0" i="0" u="none" strike="noStrike" dirty="0">
                           <a:solidFill>
                             <a:srgbClr val="000000"/>
                           </a:solidFill>
@@ -10122,7 +10140,7 @@
                         </a:rPr>
                         <a:t>1</a:t>
                       </a:r>
-                      <a:endParaRPr lang="ru-RU" dirty="0">
+                      <a:endParaRPr lang="ru-RU" sz="1400" dirty="0">
                         <a:effectLst/>
                       </a:endParaRPr>
                     </a:p>
@@ -10180,7 +10198,7 @@
                         </a:spcAft>
                       </a:pPr>
                       <a:r>
-                        <a:rPr lang="ru-RU" sz="1100" b="0" i="0" u="none" strike="noStrike">
+                        <a:rPr lang="ru-RU" sz="1400" b="0" i="0" u="none" strike="noStrike" dirty="0">
                           <a:solidFill>
                             <a:srgbClr val="000000"/>
                           </a:solidFill>
@@ -10189,7 +10207,7 @@
                         </a:rPr>
                         <a:t>0</a:t>
                       </a:r>
-                      <a:endParaRPr lang="ru-RU">
+                      <a:endParaRPr lang="ru-RU" sz="1400" dirty="0">
                         <a:effectLst/>
                       </a:endParaRPr>
                     </a:p>
@@ -10247,7 +10265,7 @@
                         </a:spcAft>
                       </a:pPr>
                       <a:r>
-                        <a:rPr lang="ru-RU" sz="1100" b="0" i="0" u="none" strike="noStrike">
+                        <a:rPr lang="ru-RU" sz="1400" b="0" i="0" u="none" strike="noStrike" dirty="0">
                           <a:solidFill>
                             <a:srgbClr val="000000"/>
                           </a:solidFill>
@@ -10256,7 +10274,7 @@
                         </a:rPr>
                         <a:t>2</a:t>
                       </a:r>
-                      <a:endParaRPr lang="ru-RU">
+                      <a:endParaRPr lang="ru-RU" sz="1400" dirty="0">
                         <a:effectLst/>
                       </a:endParaRPr>
                     </a:p>
@@ -10306,7 +10324,7 @@
                   </a:ext>
                 </a:extLst>
               </a:tr>
-              <a:tr h="402690">
+              <a:tr h="433949">
                 <a:tc>
                   <a:txBody>
                     <a:bodyPr/>
@@ -10321,7 +10339,7 @@
                         </a:spcAft>
                       </a:pPr>
                       <a:r>
-                        <a:rPr lang="en-US" sz="1100" b="0" i="0" u="none" strike="noStrike" dirty="0" err="1">
+                        <a:rPr lang="en-US" sz="1400" b="0" i="0" u="none" strike="noStrike" dirty="0" err="1">
                           <a:solidFill>
                             <a:srgbClr val="000000"/>
                           </a:solidFill>
@@ -10330,7 +10348,7 @@
                         </a:rPr>
                         <a:t>GitAdapter</a:t>
                       </a:r>
-                      <a:endParaRPr lang="en-US" dirty="0">
+                      <a:endParaRPr lang="en-US" sz="1400" dirty="0">
                         <a:effectLst/>
                       </a:endParaRPr>
                     </a:p>
@@ -10388,7 +10406,7 @@
                         </a:spcAft>
                       </a:pPr>
                       <a:r>
-                        <a:rPr lang="ru-RU" sz="1100" b="0" i="0" u="none" strike="noStrike">
+                        <a:rPr lang="ru-RU" sz="1400" b="0" i="0" u="none" strike="noStrike" dirty="0">
                           <a:solidFill>
                             <a:srgbClr val="000000"/>
                           </a:solidFill>
@@ -10397,7 +10415,7 @@
                         </a:rPr>
                         <a:t>1</a:t>
                       </a:r>
-                      <a:endParaRPr lang="ru-RU">
+                      <a:endParaRPr lang="ru-RU" sz="1400" dirty="0">
                         <a:effectLst/>
                       </a:endParaRPr>
                     </a:p>
@@ -10455,7 +10473,7 @@
                         </a:spcAft>
                       </a:pPr>
                       <a:r>
-                        <a:rPr lang="ru-RU" sz="1100" b="0" i="0" u="none" strike="noStrike" dirty="0">
+                        <a:rPr lang="ru-RU" sz="1400" b="0" i="0" u="none" strike="noStrike" dirty="0">
                           <a:solidFill>
                             <a:srgbClr val="000000"/>
                           </a:solidFill>
@@ -10464,7 +10482,7 @@
                         </a:rPr>
                         <a:t>1</a:t>
                       </a:r>
-                      <a:endParaRPr lang="ru-RU" dirty="0">
+                      <a:endParaRPr lang="ru-RU" sz="1400" dirty="0">
                         <a:effectLst/>
                       </a:endParaRPr>
                     </a:p>
@@ -10522,7 +10540,7 @@
                         </a:spcAft>
                       </a:pPr>
                       <a:r>
-                        <a:rPr lang="ru-RU" sz="1100" b="0" i="0" u="none" strike="noStrike" dirty="0">
+                        <a:rPr lang="ru-RU" sz="1400" b="0" i="0" u="none" strike="noStrike" dirty="0">
                           <a:solidFill>
                             <a:srgbClr val="000000"/>
                           </a:solidFill>
@@ -10531,7 +10549,7 @@
                         </a:rPr>
                         <a:t>0</a:t>
                       </a:r>
-                      <a:endParaRPr lang="ru-RU" dirty="0">
+                      <a:endParaRPr lang="ru-RU" sz="1400" dirty="0">
                         <a:effectLst/>
                       </a:endParaRPr>
                     </a:p>
@@ -10589,7 +10607,7 @@
                         </a:spcAft>
                       </a:pPr>
                       <a:r>
-                        <a:rPr lang="ru-RU" sz="1100" b="0" i="0" u="none" strike="noStrike">
+                        <a:rPr lang="ru-RU" sz="1400" b="0" i="0" u="none" strike="noStrike" dirty="0">
                           <a:solidFill>
                             <a:srgbClr val="000000"/>
                           </a:solidFill>
@@ -10598,7 +10616,7 @@
                         </a:rPr>
                         <a:t>2</a:t>
                       </a:r>
-                      <a:endParaRPr lang="ru-RU">
+                      <a:endParaRPr lang="ru-RU" sz="1400" dirty="0">
                         <a:effectLst/>
                       </a:endParaRPr>
                     </a:p>
@@ -10648,7 +10666,7 @@
                   </a:ext>
                 </a:extLst>
               </a:tr>
-              <a:tr h="402690">
+              <a:tr h="433949">
                 <a:tc>
                   <a:txBody>
                     <a:bodyPr/>
@@ -10663,7 +10681,7 @@
                         </a:spcAft>
                       </a:pPr>
                       <a:r>
-                        <a:rPr lang="en-US" sz="1100" b="0" i="0" u="none" strike="noStrike" dirty="0" err="1">
+                        <a:rPr lang="en-US" sz="1400" b="0" i="0" u="none" strike="noStrike" dirty="0" err="1">
                           <a:solidFill>
                             <a:srgbClr val="000000"/>
                           </a:solidFill>
@@ -10672,7 +10690,7 @@
                         </a:rPr>
                         <a:t>KubernetesAdapter</a:t>
                       </a:r>
-                      <a:endParaRPr lang="en-US" dirty="0">
+                      <a:endParaRPr lang="en-US" sz="1400" dirty="0">
                         <a:effectLst/>
                       </a:endParaRPr>
                     </a:p>
@@ -10730,7 +10748,7 @@
                         </a:spcAft>
                       </a:pPr>
                       <a:r>
-                        <a:rPr lang="ru-RU" sz="1100" b="0" i="0" u="none" strike="noStrike">
+                        <a:rPr lang="ru-RU" sz="1400" b="0" i="0" u="none" strike="noStrike" dirty="0">
                           <a:solidFill>
                             <a:srgbClr val="000000"/>
                           </a:solidFill>
@@ -10739,7 +10757,7 @@
                         </a:rPr>
                         <a:t>4</a:t>
                       </a:r>
-                      <a:endParaRPr lang="ru-RU">
+                      <a:endParaRPr lang="ru-RU" sz="1400" dirty="0">
                         <a:effectLst/>
                       </a:endParaRPr>
                     </a:p>
@@ -10797,7 +10815,7 @@
                         </a:spcAft>
                       </a:pPr>
                       <a:r>
-                        <a:rPr lang="ru-RU" sz="1100" b="0" i="0" u="none" strike="noStrike">
+                        <a:rPr lang="ru-RU" sz="1400" b="0" i="0" u="none" strike="noStrike" dirty="0">
                           <a:solidFill>
                             <a:srgbClr val="000000"/>
                           </a:solidFill>
@@ -10806,7 +10824,7 @@
                         </a:rPr>
                         <a:t>1</a:t>
                       </a:r>
-                      <a:endParaRPr lang="ru-RU">
+                      <a:endParaRPr lang="ru-RU" sz="1400" dirty="0">
                         <a:effectLst/>
                       </a:endParaRPr>
                     </a:p>
@@ -10864,7 +10882,7 @@
                         </a:spcAft>
                       </a:pPr>
                       <a:r>
-                        <a:rPr lang="ru-RU" sz="1100" b="0" i="0" u="none" strike="noStrike" dirty="0">
+                        <a:rPr lang="ru-RU" sz="1400" b="0" i="0" u="none" strike="noStrike" dirty="0">
                           <a:solidFill>
                             <a:srgbClr val="000000"/>
                           </a:solidFill>
@@ -10873,7 +10891,7 @@
                         </a:rPr>
                         <a:t>0</a:t>
                       </a:r>
-                      <a:endParaRPr lang="ru-RU" dirty="0">
+                      <a:endParaRPr lang="ru-RU" sz="1400" dirty="0">
                         <a:effectLst/>
                       </a:endParaRPr>
                     </a:p>
@@ -10931,7 +10949,7 @@
                         </a:spcAft>
                       </a:pPr>
                       <a:r>
-                        <a:rPr lang="ru-RU" sz="1100" b="0" i="0" u="none" strike="noStrike" dirty="0">
+                        <a:rPr lang="ru-RU" sz="1400" b="0" i="0" u="none" strike="noStrike" dirty="0">
                           <a:solidFill>
                             <a:srgbClr val="000000"/>
                           </a:solidFill>
@@ -10940,7 +10958,7 @@
                         </a:rPr>
                         <a:t>2</a:t>
                       </a:r>
-                      <a:endParaRPr lang="ru-RU" dirty="0">
+                      <a:endParaRPr lang="ru-RU" sz="1400" dirty="0">
                         <a:effectLst/>
                       </a:endParaRPr>
                     </a:p>
@@ -11034,50 +11052,50 @@
           <p:nvPr>
             <p:extLst>
               <p:ext uri="{D42A27DB-BD31-4B8C-83A1-F6EECF244321}">
-                <p14:modId xmlns:p14="http://schemas.microsoft.com/office/powerpoint/2010/main" val="3606746456"/>
+                <p14:modId xmlns:p14="http://schemas.microsoft.com/office/powerpoint/2010/main" val="3565311488"/>
               </p:ext>
             </p:extLst>
           </p:nvPr>
         </p:nvGraphicFramePr>
         <p:xfrm>
-          <a:off x="1780169" y="1471137"/>
-          <a:ext cx="5368146" cy="2416140"/>
+          <a:off x="1381638" y="1169893"/>
+          <a:ext cx="6017559" cy="3286689"/>
         </p:xfrm>
         <a:graphic>
           <a:graphicData uri="http://schemas.openxmlformats.org/drawingml/2006/table">
             <a:tbl>
               <a:tblPr/>
               <a:tblGrid>
-                <a:gridCol w="1722281">
+                <a:gridCol w="2249280">
                   <a:extLst>
                     <a:ext uri="{9D8B030D-6E8A-4147-A177-3AD203B41FA5}">
                       <a16:colId xmlns:a16="http://schemas.microsoft.com/office/drawing/2014/main" val="1636098904"/>
                     </a:ext>
                   </a:extLst>
                 </a:gridCol>
-                <a:gridCol w="961793">
+                <a:gridCol w="1256093">
                   <a:extLst>
                     <a:ext uri="{9D8B030D-6E8A-4147-A177-3AD203B41FA5}">
                       <a16:colId xmlns:a16="http://schemas.microsoft.com/office/drawing/2014/main" val="723940613"/>
                     </a:ext>
                   </a:extLst>
                 </a:gridCol>
-                <a:gridCol w="1342036">
+                <a:gridCol w="1256093">
                   <a:extLst>
                     <a:ext uri="{9D8B030D-6E8A-4147-A177-3AD203B41FA5}">
-                      <a16:colId xmlns:a16="http://schemas.microsoft.com/office/drawing/2014/main" val="3033018205"/>
+                      <a16:colId xmlns:a16="http://schemas.microsoft.com/office/drawing/2014/main" val="2075259300"/>
                     </a:ext>
                   </a:extLst>
                 </a:gridCol>
-                <a:gridCol w="1342036">
+                <a:gridCol w="1256093">
                   <a:extLst>
                     <a:ext uri="{9D8B030D-6E8A-4147-A177-3AD203B41FA5}">
-                      <a16:colId xmlns:a16="http://schemas.microsoft.com/office/drawing/2014/main" val="2470044663"/>
+                      <a16:colId xmlns:a16="http://schemas.microsoft.com/office/drawing/2014/main" val="3848651380"/>
                     </a:ext>
                   </a:extLst>
                 </a:gridCol>
               </a:tblGrid>
-              <a:tr h="402690">
+              <a:tr h="469527">
                 <a:tc>
                   <a:txBody>
                     <a:bodyPr/>
@@ -11092,17 +11110,18 @@
                         </a:spcAft>
                       </a:pPr>
                       <a:r>
-                        <a:rPr lang="en-US" sz="1100" b="0" i="0" u="none" strike="noStrike" dirty="0">
+                        <a:rPr lang="en-US" sz="1400" b="0" i="0" u="none" strike="noStrike" dirty="0">
                           <a:solidFill>
                             <a:srgbClr val="000000"/>
                           </a:solidFill>
                           <a:effectLst/>
-                          <a:latin typeface="Arial" panose="020B0604020202020204" pitchFamily="34" charset="0"/>
+                          <a:latin typeface="+mn-lt"/>
                         </a:rPr>
                         <a:t>Service</a:t>
                       </a:r>
-                      <a:endParaRPr lang="en-US" dirty="0">
+                      <a:endParaRPr lang="en-US" sz="1400" dirty="0">
                         <a:effectLst/>
+                        <a:latin typeface="+mn-lt"/>
                       </a:endParaRPr>
                     </a:p>
                   </a:txBody>
@@ -11162,17 +11181,18 @@
                         </a:spcAft>
                       </a:pPr>
                       <a:r>
-                        <a:rPr lang="en-US" sz="1100" b="0" i="0" u="none" strike="noStrike" dirty="0">
+                        <a:rPr lang="en-US" sz="1400" b="0" i="0" u="none" strike="noStrike" dirty="0">
                           <a:solidFill>
                             <a:srgbClr val="000000"/>
                           </a:solidFill>
                           <a:effectLst/>
-                          <a:latin typeface="Arial" panose="020B0604020202020204" pitchFamily="34" charset="0"/>
+                          <a:latin typeface="+mn-lt"/>
                         </a:rPr>
                         <a:t>SIY</a:t>
                       </a:r>
-                      <a:endParaRPr lang="en-US" dirty="0">
+                      <a:endParaRPr lang="en-US" sz="1400" dirty="0">
                         <a:effectLst/>
+                        <a:latin typeface="+mn-lt"/>
                       </a:endParaRPr>
                     </a:p>
                   </a:txBody>
@@ -11216,6 +11236,238 @@
                     <a:solidFill>
                       <a:srgbClr val="D9D9D9"/>
                     </a:solidFill>
+                  </a:tcPr>
+                </a:tc>
+                <a:tc>
+                  <a:txBody>
+                    <a:bodyPr/>
+                    <a:lstStyle/>
+                    <a:p>
+                      <a:pPr marL="0" marR="0" lvl="0" indent="0" algn="ctr" defTabSz="914400" rtl="0" eaLnBrk="1" fontAlgn="t" latinLnBrk="0" hangingPunct="1">
+                        <a:lnSpc>
+                          <a:spcPct val="100000"/>
+                        </a:lnSpc>
+                        <a:spcBef>
+                          <a:spcPts val="0"/>
+                        </a:spcBef>
+                        <a:spcAft>
+                          <a:spcPts val="0"/>
+                        </a:spcAft>
+                        <a:buClr>
+                          <a:srgbClr val="000000"/>
+                        </a:buClr>
+                        <a:buSzTx/>
+                        <a:buFont typeface="Arial"/>
+                        <a:buNone/>
+                        <a:tabLst/>
+                        <a:defRPr/>
+                      </a:pPr>
+                      <a:r>
+                        <a:rPr lang="en-US" sz="1400" b="0" i="0" u="none" strike="noStrike" dirty="0">
+                          <a:solidFill>
+                            <a:srgbClr val="000000"/>
+                          </a:solidFill>
+                          <a:effectLst/>
+                          <a:latin typeface="+mn-lt"/>
+                        </a:rPr>
+                        <a:t>AIS</a:t>
+                      </a:r>
+                      <a:endParaRPr lang="en-US" sz="1400" dirty="0">
+                        <a:effectLst/>
+                        <a:latin typeface="+mn-lt"/>
+                      </a:endParaRPr>
+                    </a:p>
+                  </a:txBody>
+                  <a:tcPr marL="63500" marR="63500" marT="63500" marB="63500" anchor="ctr">
+                    <a:lnL w="12700" cap="flat" cmpd="sng" algn="ctr">
+                      <a:solidFill>
+                        <a:srgbClr val="000000"/>
+                      </a:solidFill>
+                      <a:prstDash val="solid"/>
+                      <a:round/>
+                      <a:headEnd type="none" w="med" len="med"/>
+                      <a:tailEnd type="none" w="med" len="med"/>
+                    </a:lnL>
+                    <a:lnR w="12700" cap="flat" cmpd="sng" algn="ctr">
+                      <a:solidFill>
+                        <a:srgbClr val="000000"/>
+                      </a:solidFill>
+                      <a:prstDash val="solid"/>
+                      <a:round/>
+                      <a:headEnd type="none" w="med" len="med"/>
+                      <a:tailEnd type="none" w="med" len="med"/>
+                    </a:lnR>
+                    <a:lnT w="12700" cap="flat" cmpd="sng" algn="ctr">
+                      <a:solidFill>
+                        <a:srgbClr val="000000"/>
+                      </a:solidFill>
+                      <a:prstDash val="solid"/>
+                      <a:round/>
+                      <a:headEnd type="none" w="med" len="med"/>
+                      <a:tailEnd type="none" w="med" len="med"/>
+                    </a:lnT>
+                    <a:lnB w="12700" cap="flat" cmpd="sng" algn="ctr">
+                      <a:solidFill>
+                        <a:srgbClr val="000000"/>
+                      </a:solidFill>
+                      <a:prstDash val="solid"/>
+                      <a:round/>
+                      <a:headEnd type="none" w="med" len="med"/>
+                      <a:tailEnd type="none" w="med" len="med"/>
+                    </a:lnB>
+                    <a:solidFill>
+                      <a:srgbClr val="D9D9D9"/>
+                    </a:solidFill>
+                  </a:tcPr>
+                </a:tc>
+                <a:tc>
+                  <a:txBody>
+                    <a:bodyPr/>
+                    <a:lstStyle/>
+                    <a:p>
+                      <a:pPr marL="0" marR="0" lvl="0" indent="0" algn="ctr" defTabSz="914400" rtl="0" eaLnBrk="1" fontAlgn="t" latinLnBrk="0" hangingPunct="1">
+                        <a:lnSpc>
+                          <a:spcPct val="100000"/>
+                        </a:lnSpc>
+                        <a:spcBef>
+                          <a:spcPts val="0"/>
+                        </a:spcBef>
+                        <a:spcAft>
+                          <a:spcPts val="0"/>
+                        </a:spcAft>
+                        <a:buClr>
+                          <a:srgbClr val="000000"/>
+                        </a:buClr>
+                        <a:buSzTx/>
+                        <a:buFont typeface="Arial"/>
+                        <a:buNone/>
+                        <a:tabLst/>
+                        <a:defRPr/>
+                      </a:pPr>
+                      <a:r>
+                        <a:rPr lang="en-US" sz="1400" dirty="0">
+                          <a:effectLst/>
+                          <a:latin typeface="+mn-lt"/>
+                        </a:rPr>
+                        <a:t>ADS</a:t>
+                      </a:r>
+                    </a:p>
+                  </a:txBody>
+                  <a:tcPr marL="63500" marR="63500" marT="63500" marB="63500" anchor="ctr">
+                    <a:lnL w="12700" cap="flat" cmpd="sng" algn="ctr">
+                      <a:solidFill>
+                        <a:srgbClr val="000000"/>
+                      </a:solidFill>
+                      <a:prstDash val="solid"/>
+                      <a:round/>
+                      <a:headEnd type="none" w="med" len="med"/>
+                      <a:tailEnd type="none" w="med" len="med"/>
+                    </a:lnL>
+                    <a:lnR w="12700" cap="flat" cmpd="sng" algn="ctr">
+                      <a:solidFill>
+                        <a:srgbClr val="000000"/>
+                      </a:solidFill>
+                      <a:prstDash val="solid"/>
+                      <a:round/>
+                      <a:headEnd type="none" w="med" len="med"/>
+                      <a:tailEnd type="none" w="med" len="med"/>
+                    </a:lnR>
+                    <a:lnT w="12700" cap="flat" cmpd="sng" algn="ctr">
+                      <a:solidFill>
+                        <a:srgbClr val="000000"/>
+                      </a:solidFill>
+                      <a:prstDash val="solid"/>
+                      <a:round/>
+                      <a:headEnd type="none" w="med" len="med"/>
+                      <a:tailEnd type="none" w="med" len="med"/>
+                    </a:lnT>
+                    <a:lnB w="12700" cap="flat" cmpd="sng" algn="ctr">
+                      <a:solidFill>
+                        <a:srgbClr val="000000"/>
+                      </a:solidFill>
+                      <a:prstDash val="solid"/>
+                      <a:round/>
+                      <a:headEnd type="none" w="med" len="med"/>
+                      <a:tailEnd type="none" w="med" len="med"/>
+                    </a:lnB>
+                    <a:solidFill>
+                      <a:srgbClr val="D9D9D9"/>
+                    </a:solidFill>
+                  </a:tcPr>
+                </a:tc>
+                <a:extLst>
+                  <a:ext uri="{0D108BD9-81ED-4DB2-BD59-A6C34878D82A}">
+                    <a16:rowId xmlns:a16="http://schemas.microsoft.com/office/drawing/2014/main" val="298126595"/>
+                  </a:ext>
+                </a:extLst>
+              </a:tr>
+              <a:tr h="469527">
+                <a:tc>
+                  <a:txBody>
+                    <a:bodyPr/>
+                    <a:lstStyle/>
+                    <a:p>
+                      <a:pPr algn="l" rtl="0" fontAlgn="t">
+                        <a:spcBef>
+                          <a:spcPts val="0"/>
+                        </a:spcBef>
+                        <a:spcAft>
+                          <a:spcPts val="0"/>
+                        </a:spcAft>
+                      </a:pPr>
+                      <a:r>
+                        <a:rPr lang="en-US" sz="1400" b="0" i="0" u="none" strike="noStrike" dirty="0">
+                          <a:solidFill>
+                            <a:srgbClr val="000000"/>
+                          </a:solidFill>
+                          <a:effectLst/>
+                          <a:latin typeface="+mn-lt"/>
+                        </a:rPr>
+                        <a:t>Request Router</a:t>
+                      </a:r>
+                      <a:endParaRPr lang="en-US" sz="1400" dirty="0">
+                        <a:effectLst/>
+                        <a:latin typeface="+mn-lt"/>
+                      </a:endParaRPr>
+                    </a:p>
+                  </a:txBody>
+                  <a:tcPr marL="63500" marR="63500" marT="63500" marB="63500" anchor="ctr">
+                    <a:lnL w="12700" cap="flat" cmpd="sng" algn="ctr">
+                      <a:solidFill>
+                        <a:srgbClr val="000000"/>
+                      </a:solidFill>
+                      <a:prstDash val="solid"/>
+                      <a:round/>
+                      <a:headEnd type="none" w="med" len="med"/>
+                      <a:tailEnd type="none" w="med" len="med"/>
+                    </a:lnL>
+                    <a:lnR w="12700" cap="flat" cmpd="sng" algn="ctr">
+                      <a:solidFill>
+                        <a:srgbClr val="000000"/>
+                      </a:solidFill>
+                      <a:prstDash val="solid"/>
+                      <a:round/>
+                      <a:headEnd type="none" w="med" len="med"/>
+                      <a:tailEnd type="none" w="med" len="med"/>
+                    </a:lnR>
+                    <a:lnT w="12700" cap="flat" cmpd="sng" algn="ctr">
+                      <a:solidFill>
+                        <a:srgbClr val="000000"/>
+                      </a:solidFill>
+                      <a:prstDash val="solid"/>
+                      <a:round/>
+                      <a:headEnd type="none" w="med" len="med"/>
+                      <a:tailEnd type="none" w="med" len="med"/>
+                    </a:lnT>
+                    <a:lnB w="12700" cap="flat" cmpd="sng" algn="ctr">
+                      <a:solidFill>
+                        <a:srgbClr val="000000"/>
+                      </a:solidFill>
+                      <a:prstDash val="solid"/>
+                      <a:round/>
+                      <a:headEnd type="none" w="med" len="med"/>
+                      <a:tailEnd type="none" w="med" len="med"/>
+                    </a:lnB>
                   </a:tcPr>
                 </a:tc>
                 <a:tc>
@@ -11232,18 +11484,12 @@
                         </a:spcAft>
                       </a:pPr>
                       <a:r>
-                        <a:rPr lang="en-US" sz="1100" b="0" i="0" u="none" strike="noStrike" dirty="0">
-                          <a:solidFill>
-                            <a:srgbClr val="000000"/>
-                          </a:solidFill>
+                        <a:rPr lang="ru-RU" sz="1400" dirty="0">
                           <a:effectLst/>
-                          <a:latin typeface="Arial" panose="020B0604020202020204" pitchFamily="34" charset="0"/>
+                          <a:latin typeface="+mn-lt"/>
                         </a:rPr>
-                        <a:t>AIS</a:t>
+                        <a:t>0</a:t>
                       </a:r>
-                      <a:endParaRPr lang="en-US" dirty="0">
-                        <a:effectLst/>
-                      </a:endParaRPr>
                     </a:p>
                   </a:txBody>
                   <a:tcPr marL="63500" marR="63500" marT="63500" marB="63500" anchor="ctr">
@@ -11283,9 +11529,6 @@
                       <a:headEnd type="none" w="med" len="med"/>
                       <a:tailEnd type="none" w="med" len="med"/>
                     </a:lnB>
-                    <a:solidFill>
-                      <a:srgbClr val="D9D9D9"/>
-                    </a:solidFill>
                   </a:tcPr>
                 </a:tc>
                 <a:tc>
@@ -11302,94 +11545,15 @@
                         </a:spcAft>
                       </a:pPr>
                       <a:r>
-                        <a:rPr lang="en-US" sz="1100" b="0" i="0" u="none" strike="noStrike" dirty="0">
-                          <a:solidFill>
-                            <a:srgbClr val="000000"/>
-                          </a:solidFill>
+                        <a:rPr lang="en-US" sz="1400" dirty="0">
                           <a:effectLst/>
-                          <a:latin typeface="Arial" panose="020B0604020202020204" pitchFamily="34" charset="0"/>
+                          <a:latin typeface="+mn-lt"/>
                         </a:rPr>
-                        <a:t>ADS</a:t>
+                        <a:t>4</a:t>
                       </a:r>
-                      <a:endParaRPr lang="en-US" dirty="0">
+                      <a:endParaRPr lang="ru-RU" sz="1400" dirty="0">
                         <a:effectLst/>
-                      </a:endParaRPr>
-                    </a:p>
-                  </a:txBody>
-                  <a:tcPr marL="63500" marR="63500" marT="63500" marB="63500" anchor="ctr">
-                    <a:lnL w="12700" cap="flat" cmpd="sng" algn="ctr">
-                      <a:solidFill>
-                        <a:srgbClr val="000000"/>
-                      </a:solidFill>
-                      <a:prstDash val="solid"/>
-                      <a:round/>
-                      <a:headEnd type="none" w="med" len="med"/>
-                      <a:tailEnd type="none" w="med" len="med"/>
-                    </a:lnL>
-                    <a:lnR w="12700" cap="flat" cmpd="sng" algn="ctr">
-                      <a:solidFill>
-                        <a:srgbClr val="000000"/>
-                      </a:solidFill>
-                      <a:prstDash val="solid"/>
-                      <a:round/>
-                      <a:headEnd type="none" w="med" len="med"/>
-                      <a:tailEnd type="none" w="med" len="med"/>
-                    </a:lnR>
-                    <a:lnT w="12700" cap="flat" cmpd="sng" algn="ctr">
-                      <a:solidFill>
-                        <a:srgbClr val="000000"/>
-                      </a:solidFill>
-                      <a:prstDash val="solid"/>
-                      <a:round/>
-                      <a:headEnd type="none" w="med" len="med"/>
-                      <a:tailEnd type="none" w="med" len="med"/>
-                    </a:lnT>
-                    <a:lnB w="12700" cap="flat" cmpd="sng" algn="ctr">
-                      <a:solidFill>
-                        <a:srgbClr val="000000"/>
-                      </a:solidFill>
-                      <a:prstDash val="solid"/>
-                      <a:round/>
-                      <a:headEnd type="none" w="med" len="med"/>
-                      <a:tailEnd type="none" w="med" len="med"/>
-                    </a:lnB>
-                    <a:solidFill>
-                      <a:srgbClr val="D9D9D9"/>
-                    </a:solidFill>
-                  </a:tcPr>
-                </a:tc>
-                <a:extLst>
-                  <a:ext uri="{0D108BD9-81ED-4DB2-BD59-A6C34878D82A}">
-                    <a16:rowId xmlns:a16="http://schemas.microsoft.com/office/drawing/2014/main" val="298126595"/>
-                  </a:ext>
-                </a:extLst>
-              </a:tr>
-              <a:tr h="402690">
-                <a:tc>
-                  <a:txBody>
-                    <a:bodyPr/>
-                    <a:lstStyle/>
-                    <a:p>
-                      <a:pPr algn="l" rtl="0" fontAlgn="t">
-                        <a:spcBef>
-                          <a:spcPts val="0"/>
-                        </a:spcBef>
-                        <a:spcAft>
-                          <a:spcPts val="0"/>
-                        </a:spcAft>
-                      </a:pPr>
-                      <a:r>
-                        <a:rPr lang="en-US" sz="1100" b="0" i="0" u="none" strike="noStrike" dirty="0">
-                          <a:solidFill>
-                            <a:srgbClr val="000000"/>
-                          </a:solidFill>
-                          <a:effectLst/>
-                          <a:latin typeface="Arial" panose="020B0604020202020204" pitchFamily="34" charset="0"/>
-                        </a:rPr>
-                        <a:t>Request Router</a:t>
-                      </a:r>
-                      <a:endParaRPr lang="en-US" dirty="0">
-                        <a:effectLst/>
+                        <a:latin typeface="+mn-lt"/>
                       </a:endParaRPr>
                     </a:p>
                   </a:txBody>
@@ -11445,8 +11609,87 @@
                           <a:spcPts val="0"/>
                         </a:spcAft>
                       </a:pPr>
-                      <a:endParaRPr lang="ru-RU" dirty="0">
+                      <a:r>
+                        <a:rPr lang="en-US" sz="1400" dirty="0">
+                          <a:effectLst/>
+                          <a:latin typeface="+mn-lt"/>
+                        </a:rPr>
+                        <a:t>0</a:t>
+                      </a:r>
+                    </a:p>
+                  </a:txBody>
+                  <a:tcPr marL="63500" marR="63500" marT="63500" marB="63500" anchor="ctr">
+                    <a:lnL w="12700" cap="flat" cmpd="sng" algn="ctr">
+                      <a:solidFill>
+                        <a:srgbClr val="000000"/>
+                      </a:solidFill>
+                      <a:prstDash val="solid"/>
+                      <a:round/>
+                      <a:headEnd type="none" w="med" len="med"/>
+                      <a:tailEnd type="none" w="med" len="med"/>
+                    </a:lnL>
+                    <a:lnR w="12700" cap="flat" cmpd="sng" algn="ctr">
+                      <a:solidFill>
+                        <a:srgbClr val="000000"/>
+                      </a:solidFill>
+                      <a:prstDash val="solid"/>
+                      <a:round/>
+                      <a:headEnd type="none" w="med" len="med"/>
+                      <a:tailEnd type="none" w="med" len="med"/>
+                    </a:lnR>
+                    <a:lnT w="12700" cap="flat" cmpd="sng" algn="ctr">
+                      <a:solidFill>
+                        <a:srgbClr val="000000"/>
+                      </a:solidFill>
+                      <a:prstDash val="solid"/>
+                      <a:round/>
+                      <a:headEnd type="none" w="med" len="med"/>
+                      <a:tailEnd type="none" w="med" len="med"/>
+                    </a:lnT>
+                    <a:lnB w="12700" cap="flat" cmpd="sng" algn="ctr">
+                      <a:solidFill>
+                        <a:srgbClr val="000000"/>
+                      </a:solidFill>
+                      <a:prstDash val="solid"/>
+                      <a:round/>
+                      <a:headEnd type="none" w="med" len="med"/>
+                      <a:tailEnd type="none" w="med" len="med"/>
+                    </a:lnB>
+                  </a:tcPr>
+                </a:tc>
+                <a:extLst>
+                  <a:ext uri="{0D108BD9-81ED-4DB2-BD59-A6C34878D82A}">
+                    <a16:rowId xmlns:a16="http://schemas.microsoft.com/office/drawing/2014/main" val="3388595185"/>
+                  </a:ext>
+                </a:extLst>
+              </a:tr>
+              <a:tr h="469527">
+                <a:tc>
+                  <a:txBody>
+                    <a:bodyPr/>
+                    <a:lstStyle/>
+                    <a:p>
+                      <a:pPr algn="l" rtl="0" fontAlgn="t">
+                        <a:spcBef>
+                          <a:spcPts val="0"/>
+                        </a:spcBef>
+                        <a:spcAft>
+                          <a:spcPts val="0"/>
+                        </a:spcAft>
+                      </a:pPr>
+                      <a:r>
+                        <a:rPr lang="en-US" sz="1400" b="0" i="0" u="none" strike="noStrike" dirty="0">
+                          <a:solidFill>
+                            <a:srgbClr val="000000"/>
+                          </a:solidFill>
+                          <a:effectLst/>
+                          <a:latin typeface="+mn-lt"/>
+                        </a:rPr>
+                        <a:t>Authenticator</a:t>
+                      </a:r>
+                      <a:endParaRPr lang="en-US" sz="1400" dirty="0">
                         <a:effectLst/>
+                        <a:latin typeface="+mn-lt"/>
                       </a:endParaRPr>
                     </a:p>
                   </a:txBody>
@@ -11502,9 +11745,13 @@
                           <a:spcPts val="0"/>
                         </a:spcAft>
                       </a:pPr>
-                      <a:endParaRPr lang="ru-RU" dirty="0">
-                        <a:effectLst/>
-                      </a:endParaRPr>
+                      <a:r>
+                        <a:rPr lang="ru-RU" sz="1400" dirty="0">
+                          <a:effectLst/>
+                          <a:latin typeface="+mn-lt"/>
+                        </a:rPr>
+                        <a:t>0</a:t>
+                      </a:r>
                     </a:p>
                   </a:txBody>
                   <a:tcPr marL="63500" marR="63500" marT="63500" marB="63500" anchor="ctr">
@@ -11559,82 +11806,16 @@
                           <a:spcPts val="0"/>
                         </a:spcAft>
                       </a:pPr>
-                      <a:endParaRPr lang="ru-RU">
+                      <a:r>
+                        <a:rPr lang="en-US" sz="1400" dirty="0">
+                          <a:effectLst/>
+                          <a:latin typeface="+mn-lt"/>
+                        </a:rPr>
+                        <a:t>0</a:t>
+                      </a:r>
+                      <a:endParaRPr lang="ru-RU" sz="1400" dirty="0">
                         <a:effectLst/>
-                      </a:endParaRPr>
-                    </a:p>
-                  </a:txBody>
-                  <a:tcPr marL="63500" marR="63500" marT="63500" marB="63500" anchor="ctr">
-                    <a:lnL w="12700" cap="flat" cmpd="sng" algn="ctr">
-                      <a:solidFill>
-                        <a:srgbClr val="000000"/>
-                      </a:solidFill>
-                      <a:prstDash val="solid"/>
-                      <a:round/>
-                      <a:headEnd type="none" w="med" len="med"/>
-                      <a:tailEnd type="none" w="med" len="med"/>
-                    </a:lnL>
-                    <a:lnR w="12700" cap="flat" cmpd="sng" algn="ctr">
-                      <a:solidFill>
-                        <a:srgbClr val="000000"/>
-                      </a:solidFill>
-                      <a:prstDash val="solid"/>
-                      <a:round/>
-                      <a:headEnd type="none" w="med" len="med"/>
-                      <a:tailEnd type="none" w="med" len="med"/>
-                    </a:lnR>
-                    <a:lnT w="12700" cap="flat" cmpd="sng" algn="ctr">
-                      <a:solidFill>
-                        <a:srgbClr val="000000"/>
-                      </a:solidFill>
-                      <a:prstDash val="solid"/>
-                      <a:round/>
-                      <a:headEnd type="none" w="med" len="med"/>
-                      <a:tailEnd type="none" w="med" len="med"/>
-                    </a:lnT>
-                    <a:lnB w="12700" cap="flat" cmpd="sng" algn="ctr">
-                      <a:solidFill>
-                        <a:srgbClr val="000000"/>
-                      </a:solidFill>
-                      <a:prstDash val="solid"/>
-                      <a:round/>
-                      <a:headEnd type="none" w="med" len="med"/>
-                      <a:tailEnd type="none" w="med" len="med"/>
-                    </a:lnB>
-                  </a:tcPr>
-                </a:tc>
-                <a:extLst>
-                  <a:ext uri="{0D108BD9-81ED-4DB2-BD59-A6C34878D82A}">
-                    <a16:rowId xmlns:a16="http://schemas.microsoft.com/office/drawing/2014/main" val="3388595185"/>
-                  </a:ext>
-                </a:extLst>
-              </a:tr>
-              <a:tr h="402690">
-                <a:tc>
-                  <a:txBody>
-                    <a:bodyPr/>
-                    <a:lstStyle/>
-                    <a:p>
-                      <a:pPr algn="l" rtl="0" fontAlgn="t">
-                        <a:spcBef>
-                          <a:spcPts val="0"/>
-                        </a:spcBef>
-                        <a:spcAft>
-                          <a:spcPts val="0"/>
-                        </a:spcAft>
-                      </a:pPr>
-                      <a:r>
-                        <a:rPr lang="en-US" sz="1100" b="0" i="0" u="none" strike="noStrike" dirty="0">
-                          <a:solidFill>
-                            <a:srgbClr val="000000"/>
-                          </a:solidFill>
-                          <a:effectLst/>
-                          <a:latin typeface="Arial" panose="020B0604020202020204" pitchFamily="34" charset="0"/>
-                        </a:rPr>
-                        <a:t>Authenticator</a:t>
-                      </a:r>
-                      <a:endParaRPr lang="en-US" dirty="0">
-                        <a:effectLst/>
+                        <a:latin typeface="+mn-lt"/>
                       </a:endParaRPr>
                     </a:p>
                   </a:txBody>
@@ -11690,8 +11871,101 @@
                           <a:spcPts val="0"/>
                         </a:spcAft>
                       </a:pPr>
-                      <a:endParaRPr lang="ru-RU" dirty="0">
+                      <a:r>
+                        <a:rPr lang="en-US" sz="1400" dirty="0">
+                          <a:effectLst/>
+                          <a:latin typeface="+mn-lt"/>
+                        </a:rPr>
+                        <a:t>1</a:t>
+                      </a:r>
+                      <a:endParaRPr lang="ru-RU" sz="1400" dirty="0">
                         <a:effectLst/>
+                        <a:latin typeface="+mn-lt"/>
+                      </a:endParaRPr>
+                    </a:p>
+                  </a:txBody>
+                  <a:tcPr marL="63500" marR="63500" marT="63500" marB="63500" anchor="ctr">
+                    <a:lnL w="12700" cap="flat" cmpd="sng" algn="ctr">
+                      <a:solidFill>
+                        <a:srgbClr val="000000"/>
+                      </a:solidFill>
+                      <a:prstDash val="solid"/>
+                      <a:round/>
+                      <a:headEnd type="none" w="med" len="med"/>
+                      <a:tailEnd type="none" w="med" len="med"/>
+                    </a:lnL>
+                    <a:lnR w="12700" cap="flat" cmpd="sng" algn="ctr">
+                      <a:solidFill>
+                        <a:srgbClr val="000000"/>
+                      </a:solidFill>
+                      <a:prstDash val="solid"/>
+                      <a:round/>
+                      <a:headEnd type="none" w="med" len="med"/>
+                      <a:tailEnd type="none" w="med" len="med"/>
+                    </a:lnR>
+                    <a:lnT w="12700" cap="flat" cmpd="sng" algn="ctr">
+                      <a:solidFill>
+                        <a:srgbClr val="000000"/>
+                      </a:solidFill>
+                      <a:prstDash val="solid"/>
+                      <a:round/>
+                      <a:headEnd type="none" w="med" len="med"/>
+                      <a:tailEnd type="none" w="med" len="med"/>
+                    </a:lnT>
+                    <a:lnB w="12700" cap="flat" cmpd="sng" algn="ctr">
+                      <a:solidFill>
+                        <a:srgbClr val="000000"/>
+                      </a:solidFill>
+                      <a:prstDash val="solid"/>
+                      <a:round/>
+                      <a:headEnd type="none" w="med" len="med"/>
+                      <a:tailEnd type="none" w="med" len="med"/>
+                    </a:lnB>
+                  </a:tcPr>
+                </a:tc>
+                <a:extLst>
+                  <a:ext uri="{0D108BD9-81ED-4DB2-BD59-A6C34878D82A}">
+                    <a16:rowId xmlns:a16="http://schemas.microsoft.com/office/drawing/2014/main" val="3027098782"/>
+                  </a:ext>
+                </a:extLst>
+              </a:tr>
+              <a:tr h="469527">
+                <a:tc>
+                  <a:txBody>
+                    <a:bodyPr/>
+                    <a:lstStyle/>
+                    <a:p>
+                      <a:pPr algn="l" rtl="0" fontAlgn="t">
+                        <a:spcBef>
+                          <a:spcPts val="0"/>
+                        </a:spcBef>
+                        <a:spcAft>
+                          <a:spcPts val="0"/>
+                        </a:spcAft>
+                      </a:pPr>
+                      <a:r>
+                        <a:rPr lang="en-US" sz="1400" b="0" i="0" u="none" strike="noStrike" dirty="0" err="1">
+                          <a:solidFill>
+                            <a:srgbClr val="000000"/>
+                          </a:solidFill>
+                          <a:effectLst/>
+                          <a:latin typeface="+mn-lt"/>
+                        </a:rPr>
+                        <a:t>OpenAPI</a:t>
+                      </a:r>
+                      <a:r>
+                        <a:rPr lang="en-US" sz="1400" b="0" i="0" u="none" strike="noStrike" dirty="0">
+                          <a:solidFill>
+                            <a:srgbClr val="000000"/>
+                          </a:solidFill>
+                          <a:effectLst/>
+                          <a:latin typeface="+mn-lt"/>
+                        </a:rPr>
+                        <a:t> Generator</a:t>
+                      </a:r>
+                      <a:endParaRPr lang="en-US" sz="1400" dirty="0">
+                        <a:effectLst/>
+                        <a:latin typeface="+mn-lt"/>
                       </a:endParaRPr>
                     </a:p>
                   </a:txBody>
@@ -11747,8 +12021,16 @@
                           <a:spcPts val="0"/>
                         </a:spcAft>
                       </a:pPr>
-                      <a:endParaRPr lang="ru-RU" dirty="0">
+                      <a:r>
+                        <a:rPr lang="ru-RU" sz="1400" dirty="0">
+                          <a:effectLst/>
+                          <a:latin typeface="+mn-lt"/>
+                        </a:rPr>
+                        <a:t>0</a:t>
+                      </a:r>
+                      <a:endParaRPr lang="en-US" sz="1400" dirty="0">
                         <a:effectLst/>
+                        <a:latin typeface="+mn-lt"/>
                       </a:endParaRPr>
                     </a:p>
                   </a:txBody>
@@ -11804,93 +12086,13 @@
                           <a:spcPts val="0"/>
                         </a:spcAft>
                       </a:pPr>
-                      <a:endParaRPr lang="ru-RU" dirty="0">
-                        <a:effectLst/>
-                      </a:endParaRPr>
-                    </a:p>
-                  </a:txBody>
-                  <a:tcPr marL="63500" marR="63500" marT="63500" marB="63500" anchor="ctr">
-                    <a:lnL w="12700" cap="flat" cmpd="sng" algn="ctr">
-                      <a:solidFill>
-                        <a:srgbClr val="000000"/>
-                      </a:solidFill>
-                      <a:prstDash val="solid"/>
-                      <a:round/>
-                      <a:headEnd type="none" w="med" len="med"/>
-                      <a:tailEnd type="none" w="med" len="med"/>
-                    </a:lnL>
-                    <a:lnR w="12700" cap="flat" cmpd="sng" algn="ctr">
-                      <a:solidFill>
-                        <a:srgbClr val="000000"/>
-                      </a:solidFill>
-                      <a:prstDash val="solid"/>
-                      <a:round/>
-                      <a:headEnd type="none" w="med" len="med"/>
-                      <a:tailEnd type="none" w="med" len="med"/>
-                    </a:lnR>
-                    <a:lnT w="12700" cap="flat" cmpd="sng" algn="ctr">
-                      <a:solidFill>
-                        <a:srgbClr val="000000"/>
-                      </a:solidFill>
-                      <a:prstDash val="solid"/>
-                      <a:round/>
-                      <a:headEnd type="none" w="med" len="med"/>
-                      <a:tailEnd type="none" w="med" len="med"/>
-                    </a:lnT>
-                    <a:lnB w="12700" cap="flat" cmpd="sng" algn="ctr">
-                      <a:solidFill>
-                        <a:srgbClr val="000000"/>
-                      </a:solidFill>
-                      <a:prstDash val="solid"/>
-                      <a:round/>
-                      <a:headEnd type="none" w="med" len="med"/>
-                      <a:tailEnd type="none" w="med" len="med"/>
-                    </a:lnB>
-                  </a:tcPr>
-                </a:tc>
-                <a:extLst>
-                  <a:ext uri="{0D108BD9-81ED-4DB2-BD59-A6C34878D82A}">
-                    <a16:rowId xmlns:a16="http://schemas.microsoft.com/office/drawing/2014/main" val="3027098782"/>
-                  </a:ext>
-                </a:extLst>
-              </a:tr>
-              <a:tr h="402690">
-                <a:tc>
-                  <a:txBody>
-                    <a:bodyPr/>
-                    <a:lstStyle/>
-                    <a:p>
-                      <a:pPr algn="l" rtl="0" fontAlgn="t">
-                        <a:spcBef>
-                          <a:spcPts val="0"/>
-                        </a:spcBef>
-                        <a:spcAft>
-                          <a:spcPts val="0"/>
-                        </a:spcAft>
-                      </a:pPr>
                       <a:r>
-                        <a:rPr lang="en-US" sz="1100" b="0" i="0" u="none" strike="noStrike" dirty="0" err="1">
-                          <a:solidFill>
-                            <a:srgbClr val="000000"/>
-                          </a:solidFill>
+                        <a:rPr lang="en-US" sz="1400" dirty="0">
                           <a:effectLst/>
-                          <a:latin typeface="Arial" panose="020B0604020202020204" pitchFamily="34" charset="0"/>
+                          <a:latin typeface="+mn-lt"/>
                         </a:rPr>
-                        <a:t>OpenAPI</a:t>
+                        <a:t>0</a:t>
                       </a:r>
-                      <a:r>
-                        <a:rPr lang="en-US" sz="1100" b="0" i="0" u="none" strike="noStrike" dirty="0">
-                          <a:solidFill>
-                            <a:srgbClr val="000000"/>
-                          </a:solidFill>
-                          <a:effectLst/>
-                          <a:latin typeface="Arial" panose="020B0604020202020204" pitchFamily="34" charset="0"/>
-                        </a:rPr>
-                        <a:t> Generator</a:t>
-                      </a:r>
-                      <a:endParaRPr lang="en-US" dirty="0">
-                        <a:effectLst/>
-                      </a:endParaRPr>
                     </a:p>
                   </a:txBody>
                   <a:tcPr marL="63500" marR="63500" marT="63500" marB="63500" anchor="ctr">
@@ -11945,8 +12147,87 @@
                           <a:spcPts val="0"/>
                         </a:spcAft>
                       </a:pPr>
-                      <a:endParaRPr lang="ru-RU" dirty="0">
+                      <a:r>
+                        <a:rPr lang="en-US" sz="1400" dirty="0">
+                          <a:effectLst/>
+                          <a:latin typeface="+mn-lt"/>
+                        </a:rPr>
+                        <a:t>1</a:t>
+                      </a:r>
+                    </a:p>
+                  </a:txBody>
+                  <a:tcPr marL="63500" marR="63500" marT="63500" marB="63500" anchor="ctr">
+                    <a:lnL w="12700" cap="flat" cmpd="sng" algn="ctr">
+                      <a:solidFill>
+                        <a:srgbClr val="000000"/>
+                      </a:solidFill>
+                      <a:prstDash val="solid"/>
+                      <a:round/>
+                      <a:headEnd type="none" w="med" len="med"/>
+                      <a:tailEnd type="none" w="med" len="med"/>
+                    </a:lnL>
+                    <a:lnR w="12700" cap="flat" cmpd="sng" algn="ctr">
+                      <a:solidFill>
+                        <a:srgbClr val="000000"/>
+                      </a:solidFill>
+                      <a:prstDash val="solid"/>
+                      <a:round/>
+                      <a:headEnd type="none" w="med" len="med"/>
+                      <a:tailEnd type="none" w="med" len="med"/>
+                    </a:lnR>
+                    <a:lnT w="12700" cap="flat" cmpd="sng" algn="ctr">
+                      <a:solidFill>
+                        <a:srgbClr val="000000"/>
+                      </a:solidFill>
+                      <a:prstDash val="solid"/>
+                      <a:round/>
+                      <a:headEnd type="none" w="med" len="med"/>
+                      <a:tailEnd type="none" w="med" len="med"/>
+                    </a:lnT>
+                    <a:lnB w="12700" cap="flat" cmpd="sng" algn="ctr">
+                      <a:solidFill>
+                        <a:srgbClr val="000000"/>
+                      </a:solidFill>
+                      <a:prstDash val="solid"/>
+                      <a:round/>
+                      <a:headEnd type="none" w="med" len="med"/>
+                      <a:tailEnd type="none" w="med" len="med"/>
+                    </a:lnB>
+                  </a:tcPr>
+                </a:tc>
+                <a:extLst>
+                  <a:ext uri="{0D108BD9-81ED-4DB2-BD59-A6C34878D82A}">
+                    <a16:rowId xmlns:a16="http://schemas.microsoft.com/office/drawing/2014/main" val="2955508502"/>
+                  </a:ext>
+                </a:extLst>
+              </a:tr>
+              <a:tr h="469527">
+                <a:tc>
+                  <a:txBody>
+                    <a:bodyPr/>
+                    <a:lstStyle/>
+                    <a:p>
+                      <a:pPr algn="l" rtl="0" fontAlgn="t">
+                        <a:spcBef>
+                          <a:spcPts val="0"/>
+                        </a:spcBef>
+                        <a:spcAft>
+                          <a:spcPts val="0"/>
+                        </a:spcAft>
+                      </a:pPr>
+                      <a:r>
+                        <a:rPr lang="en-US" sz="1400" b="0" i="0" u="none" strike="noStrike" dirty="0">
+                          <a:solidFill>
+                            <a:srgbClr val="000000"/>
+                          </a:solidFill>
+                          <a:effectLst/>
+                          <a:latin typeface="+mn-lt"/>
+                        </a:rPr>
+                        <a:t>Deployer</a:t>
+                      </a:r>
+                      <a:endParaRPr lang="en-US" sz="1400" dirty="0">
                         <a:effectLst/>
+                        <a:latin typeface="+mn-lt"/>
                       </a:endParaRPr>
                     </a:p>
                   </a:txBody>
@@ -12002,8 +12283,16 @@
                           <a:spcPts val="0"/>
                         </a:spcAft>
                       </a:pPr>
-                      <a:endParaRPr lang="ru-RU" dirty="0">
+                      <a:r>
+                        <a:rPr lang="ru-RU" sz="1400" dirty="0">
+                          <a:effectLst/>
+                          <a:latin typeface="+mn-lt"/>
+                        </a:rPr>
+                        <a:t>0</a:t>
+                      </a:r>
+                      <a:endParaRPr lang="en-US" sz="1400" dirty="0">
                         <a:effectLst/>
+                        <a:latin typeface="+mn-lt"/>
                       </a:endParaRPr>
                     </a:p>
                   </a:txBody>
@@ -12059,83 +12348,13 @@
                           <a:spcPts val="0"/>
                         </a:spcAft>
                       </a:pPr>
-                      <a:endParaRPr lang="ru-RU">
-                        <a:effectLst/>
-                      </a:endParaRPr>
-                    </a:p>
-                  </a:txBody>
-                  <a:tcPr marL="63500" marR="63500" marT="63500" marB="63500" anchor="ctr">
-                    <a:lnL w="12700" cap="flat" cmpd="sng" algn="ctr">
-                      <a:solidFill>
-                        <a:srgbClr val="000000"/>
-                      </a:solidFill>
-                      <a:prstDash val="solid"/>
-                      <a:round/>
-                      <a:headEnd type="none" w="med" len="med"/>
-                      <a:tailEnd type="none" w="med" len="med"/>
-                    </a:lnL>
-                    <a:lnR w="12700" cap="flat" cmpd="sng" algn="ctr">
-                      <a:solidFill>
-                        <a:srgbClr val="000000"/>
-                      </a:solidFill>
-                      <a:prstDash val="solid"/>
-                      <a:round/>
-                      <a:headEnd type="none" w="med" len="med"/>
-                      <a:tailEnd type="none" w="med" len="med"/>
-                    </a:lnR>
-                    <a:lnT w="12700" cap="flat" cmpd="sng" algn="ctr">
-                      <a:solidFill>
-                        <a:srgbClr val="000000"/>
-                      </a:solidFill>
-                      <a:prstDash val="solid"/>
-                      <a:round/>
-                      <a:headEnd type="none" w="med" len="med"/>
-                      <a:tailEnd type="none" w="med" len="med"/>
-                    </a:lnT>
-                    <a:lnB w="12700" cap="flat" cmpd="sng" algn="ctr">
-                      <a:solidFill>
-                        <a:srgbClr val="000000"/>
-                      </a:solidFill>
-                      <a:prstDash val="solid"/>
-                      <a:round/>
-                      <a:headEnd type="none" w="med" len="med"/>
-                      <a:tailEnd type="none" w="med" len="med"/>
-                    </a:lnB>
-                  </a:tcPr>
-                </a:tc>
-                <a:extLst>
-                  <a:ext uri="{0D108BD9-81ED-4DB2-BD59-A6C34878D82A}">
-                    <a16:rowId xmlns:a16="http://schemas.microsoft.com/office/drawing/2014/main" val="2955508502"/>
-                  </a:ext>
-                </a:extLst>
-              </a:tr>
-              <a:tr h="402690">
-                <a:tc>
-                  <a:txBody>
-                    <a:bodyPr/>
-                    <a:lstStyle/>
-                    <a:p>
-                      <a:pPr algn="l" rtl="0" fontAlgn="t">
-                        <a:spcBef>
-                          <a:spcPts val="0"/>
-                        </a:spcBef>
-                        <a:spcAft>
-                          <a:spcPts val="0"/>
-                        </a:spcAft>
-                      </a:pPr>
                       <a:r>
-                        <a:rPr lang="en-US" sz="1100" b="0" i="0" u="none" strike="noStrike" dirty="0">
-                          <a:solidFill>
-                            <a:srgbClr val="000000"/>
-                          </a:solidFill>
+                        <a:rPr lang="en-US" sz="1400" dirty="0">
                           <a:effectLst/>
-                          <a:latin typeface="Arial" panose="020B0604020202020204" pitchFamily="34" charset="0"/>
+                          <a:latin typeface="+mn-lt"/>
                         </a:rPr>
-                        <a:t>Deployer</a:t>
+                        <a:t>0</a:t>
                       </a:r>
-                      <a:endParaRPr lang="en-US" dirty="0">
-                        <a:effectLst/>
-                      </a:endParaRPr>
                     </a:p>
                   </a:txBody>
                   <a:tcPr marL="63500" marR="63500" marT="63500" marB="63500" anchor="ctr">
@@ -12190,8 +12409,87 @@
                           <a:spcPts val="0"/>
                         </a:spcAft>
                       </a:pPr>
-                      <a:endParaRPr lang="ru-RU">
+                      <a:r>
+                        <a:rPr lang="en-US" sz="1400" dirty="0">
+                          <a:effectLst/>
+                          <a:latin typeface="+mn-lt"/>
+                        </a:rPr>
+                        <a:t>1</a:t>
+                      </a:r>
+                    </a:p>
+                  </a:txBody>
+                  <a:tcPr marL="63500" marR="63500" marT="63500" marB="63500" anchor="ctr">
+                    <a:lnL w="12700" cap="flat" cmpd="sng" algn="ctr">
+                      <a:solidFill>
+                        <a:srgbClr val="000000"/>
+                      </a:solidFill>
+                      <a:prstDash val="solid"/>
+                      <a:round/>
+                      <a:headEnd type="none" w="med" len="med"/>
+                      <a:tailEnd type="none" w="med" len="med"/>
+                    </a:lnL>
+                    <a:lnR w="12700" cap="flat" cmpd="sng" algn="ctr">
+                      <a:solidFill>
+                        <a:srgbClr val="000000"/>
+                      </a:solidFill>
+                      <a:prstDash val="solid"/>
+                      <a:round/>
+                      <a:headEnd type="none" w="med" len="med"/>
+                      <a:tailEnd type="none" w="med" len="med"/>
+                    </a:lnR>
+                    <a:lnT w="12700" cap="flat" cmpd="sng" algn="ctr">
+                      <a:solidFill>
+                        <a:srgbClr val="000000"/>
+                      </a:solidFill>
+                      <a:prstDash val="solid"/>
+                      <a:round/>
+                      <a:headEnd type="none" w="med" len="med"/>
+                      <a:tailEnd type="none" w="med" len="med"/>
+                    </a:lnT>
+                    <a:lnB w="12700" cap="flat" cmpd="sng" algn="ctr">
+                      <a:solidFill>
+                        <a:srgbClr val="000000"/>
+                      </a:solidFill>
+                      <a:prstDash val="solid"/>
+                      <a:round/>
+                      <a:headEnd type="none" w="med" len="med"/>
+                      <a:tailEnd type="none" w="med" len="med"/>
+                    </a:lnB>
+                  </a:tcPr>
+                </a:tc>
+                <a:extLst>
+                  <a:ext uri="{0D108BD9-81ED-4DB2-BD59-A6C34878D82A}">
+                    <a16:rowId xmlns:a16="http://schemas.microsoft.com/office/drawing/2014/main" val="3386839106"/>
+                  </a:ext>
+                </a:extLst>
+              </a:tr>
+              <a:tr h="469527">
+                <a:tc>
+                  <a:txBody>
+                    <a:bodyPr/>
+                    <a:lstStyle/>
+                    <a:p>
+                      <a:pPr algn="l" rtl="0" fontAlgn="t">
+                        <a:spcBef>
+                          <a:spcPts val="0"/>
+                        </a:spcBef>
+                        <a:spcAft>
+                          <a:spcPts val="0"/>
+                        </a:spcAft>
+                      </a:pPr>
+                      <a:r>
+                        <a:rPr lang="en-US" sz="1400" b="0" i="0" u="none" strike="noStrike" dirty="0">
+                          <a:solidFill>
+                            <a:srgbClr val="000000"/>
+                          </a:solidFill>
+                          <a:effectLst/>
+                          <a:latin typeface="+mn-lt"/>
+                        </a:rPr>
+                        <a:t>Logger</a:t>
+                      </a:r>
+                      <a:endParaRPr lang="en-US" sz="1400" dirty="0">
                         <a:effectLst/>
+                        <a:latin typeface="+mn-lt"/>
                       </a:endParaRPr>
                     </a:p>
                   </a:txBody>
@@ -12247,9 +12545,13 @@
                           <a:spcPts val="0"/>
                         </a:spcAft>
                       </a:pPr>
-                      <a:endParaRPr lang="ru-RU" dirty="0">
-                        <a:effectLst/>
-                      </a:endParaRPr>
+                      <a:r>
+                        <a:rPr lang="ru-RU" sz="1400" dirty="0">
+                          <a:effectLst/>
+                          <a:latin typeface="+mn-lt"/>
+                        </a:rPr>
+                        <a:t>0</a:t>
+                      </a:r>
                     </a:p>
                   </a:txBody>
                   <a:tcPr marL="63500" marR="63500" marT="63500" marB="63500" anchor="ctr">
@@ -12304,82 +12606,16 @@
                           <a:spcPts val="0"/>
                         </a:spcAft>
                       </a:pPr>
-                      <a:endParaRPr lang="ru-RU" dirty="0">
+                      <a:r>
+                        <a:rPr lang="en-US" sz="1400" dirty="0">
+                          <a:effectLst/>
+                          <a:latin typeface="+mn-lt"/>
+                        </a:rPr>
+                        <a:t>0</a:t>
+                      </a:r>
+                      <a:endParaRPr lang="ru-RU" sz="1400" dirty="0">
                         <a:effectLst/>
-                      </a:endParaRPr>
-                    </a:p>
-                  </a:txBody>
-                  <a:tcPr marL="63500" marR="63500" marT="63500" marB="63500" anchor="ctr">
-                    <a:lnL w="12700" cap="flat" cmpd="sng" algn="ctr">
-                      <a:solidFill>
-                        <a:srgbClr val="000000"/>
-                      </a:solidFill>
-                      <a:prstDash val="solid"/>
-                      <a:round/>
-                      <a:headEnd type="none" w="med" len="med"/>
-                      <a:tailEnd type="none" w="med" len="med"/>
-                    </a:lnL>
-                    <a:lnR w="12700" cap="flat" cmpd="sng" algn="ctr">
-                      <a:solidFill>
-                        <a:srgbClr val="000000"/>
-                      </a:solidFill>
-                      <a:prstDash val="solid"/>
-                      <a:round/>
-                      <a:headEnd type="none" w="med" len="med"/>
-                      <a:tailEnd type="none" w="med" len="med"/>
-                    </a:lnR>
-                    <a:lnT w="12700" cap="flat" cmpd="sng" algn="ctr">
-                      <a:solidFill>
-                        <a:srgbClr val="000000"/>
-                      </a:solidFill>
-                      <a:prstDash val="solid"/>
-                      <a:round/>
-                      <a:headEnd type="none" w="med" len="med"/>
-                      <a:tailEnd type="none" w="med" len="med"/>
-                    </a:lnT>
-                    <a:lnB w="12700" cap="flat" cmpd="sng" algn="ctr">
-                      <a:solidFill>
-                        <a:srgbClr val="000000"/>
-                      </a:solidFill>
-                      <a:prstDash val="solid"/>
-                      <a:round/>
-                      <a:headEnd type="none" w="med" len="med"/>
-                      <a:tailEnd type="none" w="med" len="med"/>
-                    </a:lnB>
-                  </a:tcPr>
-                </a:tc>
-                <a:extLst>
-                  <a:ext uri="{0D108BD9-81ED-4DB2-BD59-A6C34878D82A}">
-                    <a16:rowId xmlns:a16="http://schemas.microsoft.com/office/drawing/2014/main" val="3386839106"/>
-                  </a:ext>
-                </a:extLst>
-              </a:tr>
-              <a:tr h="402690">
-                <a:tc>
-                  <a:txBody>
-                    <a:bodyPr/>
-                    <a:lstStyle/>
-                    <a:p>
-                      <a:pPr algn="l" rtl="0" fontAlgn="t">
-                        <a:spcBef>
-                          <a:spcPts val="0"/>
-                        </a:spcBef>
-                        <a:spcAft>
-                          <a:spcPts val="0"/>
-                        </a:spcAft>
-                      </a:pPr>
-                      <a:r>
-                        <a:rPr lang="en-US" sz="1100" b="0" i="0" u="none" strike="noStrike" dirty="0">
-                          <a:solidFill>
-                            <a:srgbClr val="000000"/>
-                          </a:solidFill>
-                          <a:effectLst/>
-                          <a:latin typeface="Arial" panose="020B0604020202020204" pitchFamily="34" charset="0"/>
-                        </a:rPr>
-                        <a:t>Logger</a:t>
-                      </a:r>
-                      <a:endParaRPr lang="en-US" dirty="0">
-                        <a:effectLst/>
+                        <a:latin typeface="+mn-lt"/>
                       </a:endParaRPr>
                     </a:p>
                   </a:txBody>
@@ -12435,9 +12671,85 @@
                           <a:spcPts val="0"/>
                         </a:spcAft>
                       </a:pPr>
-                      <a:endParaRPr lang="ru-RU">
+                      <a:r>
+                        <a:rPr lang="en-US" sz="1400" dirty="0">
+                          <a:effectLst/>
+                          <a:latin typeface="+mn-lt"/>
+                        </a:rPr>
+                        <a:t>1</a:t>
+                      </a:r>
+                      <a:endParaRPr lang="ru-RU" sz="1400" dirty="0">
                         <a:effectLst/>
+                        <a:latin typeface="+mn-lt"/>
                       </a:endParaRPr>
+                    </a:p>
+                  </a:txBody>
+                  <a:tcPr marL="63500" marR="63500" marT="63500" marB="63500" anchor="ctr">
+                    <a:lnL w="12700" cap="flat" cmpd="sng" algn="ctr">
+                      <a:solidFill>
+                        <a:srgbClr val="000000"/>
+                      </a:solidFill>
+                      <a:prstDash val="solid"/>
+                      <a:round/>
+                      <a:headEnd type="none" w="med" len="med"/>
+                      <a:tailEnd type="none" w="med" len="med"/>
+                    </a:lnL>
+                    <a:lnR w="12700" cap="flat" cmpd="sng" algn="ctr">
+                      <a:solidFill>
+                        <a:srgbClr val="000000"/>
+                      </a:solidFill>
+                      <a:prstDash val="solid"/>
+                      <a:round/>
+                      <a:headEnd type="none" w="med" len="med"/>
+                      <a:tailEnd type="none" w="med" len="med"/>
+                    </a:lnR>
+                    <a:lnT w="12700" cap="flat" cmpd="sng" algn="ctr">
+                      <a:solidFill>
+                        <a:srgbClr val="000000"/>
+                      </a:solidFill>
+                      <a:prstDash val="solid"/>
+                      <a:round/>
+                      <a:headEnd type="none" w="med" len="med"/>
+                      <a:tailEnd type="none" w="med" len="med"/>
+                    </a:lnT>
+                    <a:lnB w="12700" cap="flat" cmpd="sng" algn="ctr">
+                      <a:solidFill>
+                        <a:srgbClr val="000000"/>
+                      </a:solidFill>
+                      <a:prstDash val="solid"/>
+                      <a:round/>
+                      <a:headEnd type="none" w="med" len="med"/>
+                      <a:tailEnd type="none" w="med" len="med"/>
+                    </a:lnB>
+                  </a:tcPr>
+                </a:tc>
+                <a:extLst>
+                  <a:ext uri="{0D108BD9-81ED-4DB2-BD59-A6C34878D82A}">
+                    <a16:rowId xmlns:a16="http://schemas.microsoft.com/office/drawing/2014/main" val="175829328"/>
+                  </a:ext>
+                </a:extLst>
+              </a:tr>
+              <a:tr h="469527">
+                <a:tc>
+                  <a:txBody>
+                    <a:bodyPr/>
+                    <a:lstStyle/>
+                    <a:p>
+                      <a:pPr algn="l" rtl="0" fontAlgn="t">
+                        <a:spcBef>
+                          <a:spcPts val="0"/>
+                        </a:spcBef>
+                        <a:spcAft>
+                          <a:spcPts val="0"/>
+                        </a:spcAft>
+                      </a:pPr>
+                      <a:r>
+                        <a:rPr lang="en-US" sz="1400" dirty="0">
+                          <a:effectLst/>
+                          <a:latin typeface="+mn-lt"/>
+                        </a:rPr>
+                        <a:t>AVG</a:t>
+                      </a:r>
                     </a:p>
                   </a:txBody>
                   <a:tcPr marL="63500" marR="63500" marT="63500" marB="63500" anchor="ctr">
@@ -12492,8 +12804,16 @@
                           <a:spcPts val="0"/>
                         </a:spcAft>
                       </a:pPr>
-                      <a:endParaRPr lang="ru-RU" dirty="0">
+                      <a:r>
+                        <a:rPr lang="en-US" sz="1400" dirty="0">
+                          <a:effectLst/>
+                          <a:latin typeface="+mn-lt"/>
+                        </a:rPr>
+                        <a:t>-</a:t>
+                      </a:r>
+                      <a:endParaRPr lang="ru-RU" sz="1400" dirty="0">
                         <a:effectLst/>
+                        <a:latin typeface="+mn-lt"/>
                       </a:endParaRPr>
                     </a:p>
                   </a:txBody>
@@ -12549,8 +12869,16 @@
                           <a:spcPts val="0"/>
                         </a:spcAft>
                       </a:pPr>
-                      <a:endParaRPr lang="ru-RU" dirty="0">
+                      <a:r>
+                        <a:rPr lang="en-US" sz="1400" dirty="0">
+                          <a:effectLst/>
+                          <a:latin typeface="+mn-lt"/>
+                        </a:rPr>
+                        <a:t>0,8</a:t>
+                      </a:r>
+                      <a:endParaRPr lang="ru-RU" sz="1400" dirty="0">
                         <a:effectLst/>
+                        <a:latin typeface="+mn-lt"/>
                       </a:endParaRPr>
                     </a:p>
                   </a:txBody>
@@ -12593,9 +12921,74 @@
                     </a:lnB>
                   </a:tcPr>
                 </a:tc>
+                <a:tc>
+                  <a:txBody>
+                    <a:bodyPr/>
+                    <a:lstStyle/>
+                    <a:p>
+                      <a:pPr algn="ctr" rtl="0" fontAlgn="t">
+                        <a:spcBef>
+                          <a:spcPts val="0"/>
+                        </a:spcBef>
+                        <a:spcAft>
+                          <a:spcPts val="0"/>
+                        </a:spcAft>
+                      </a:pPr>
+                      <a:r>
+                        <a:rPr lang="en-US" sz="1400" dirty="0">
+                          <a:effectLst/>
+                          <a:latin typeface="+mn-lt"/>
+                        </a:rPr>
+                        <a:t>0,8</a:t>
+                      </a:r>
+                      <a:endParaRPr lang="ru-RU" sz="1400" dirty="0">
+                        <a:effectLst/>
+                        <a:latin typeface="+mn-lt"/>
+                      </a:endParaRPr>
+                    </a:p>
+                  </a:txBody>
+                  <a:tcPr marL="63500" marR="63500" marT="63500" marB="63500" anchor="ctr">
+                    <a:lnL w="12700" cap="flat" cmpd="sng" algn="ctr">
+                      <a:solidFill>
+                        <a:srgbClr val="000000"/>
+                      </a:solidFill>
+                      <a:prstDash val="solid"/>
+                      <a:round/>
+                      <a:headEnd type="none" w="med" len="med"/>
+                      <a:tailEnd type="none" w="med" len="med"/>
+                    </a:lnL>
+                    <a:lnR w="12700" cap="flat" cmpd="sng" algn="ctr">
+                      <a:solidFill>
+                        <a:srgbClr val="000000"/>
+                      </a:solidFill>
+                      <a:prstDash val="solid"/>
+                      <a:round/>
+                      <a:headEnd type="none" w="med" len="med"/>
+                      <a:tailEnd type="none" w="med" len="med"/>
+                    </a:lnR>
+                    <a:lnT w="12700" cap="flat" cmpd="sng" algn="ctr">
+                      <a:solidFill>
+                        <a:srgbClr val="000000"/>
+                      </a:solidFill>
+                      <a:prstDash val="solid"/>
+                      <a:round/>
+                      <a:headEnd type="none" w="med" len="med"/>
+                      <a:tailEnd type="none" w="med" len="med"/>
+                    </a:lnT>
+                    <a:lnB w="12700" cap="flat" cmpd="sng" algn="ctr">
+                      <a:solidFill>
+                        <a:srgbClr val="000000"/>
+                      </a:solidFill>
+                      <a:prstDash val="solid"/>
+                      <a:round/>
+                      <a:headEnd type="none" w="med" len="med"/>
+                      <a:tailEnd type="none" w="med" len="med"/>
+                    </a:lnB>
+                  </a:tcPr>
+                </a:tc>
                 <a:extLst>
                   <a:ext uri="{0D108BD9-81ED-4DB2-BD59-A6C34878D82A}">
-                    <a16:rowId xmlns:a16="http://schemas.microsoft.com/office/drawing/2014/main" val="175829328"/>
+                    <a16:rowId xmlns:a16="http://schemas.microsoft.com/office/drawing/2014/main" val="1949632349"/>
                   </a:ext>
                 </a:extLst>
               </a:tr>
@@ -12640,7 +13033,7 @@
             <a:r>
               <a:rPr lang="en-GB" b="1" dirty="0">
                 <a:solidFill>
-                  <a:srgbClr val="FF0000"/>
+                  <a:schemeClr val="tx1"/>
                 </a:solidFill>
                 <a:effectLst>
                   <a:outerShdw blurRad="38100" dist="38100" dir="2700000" algn="tl">
@@ -12654,7 +13047,7 @@
             </a:r>
             <a:endParaRPr b="1" dirty="0">
               <a:solidFill>
-                <a:srgbClr val="FF0000"/>
+                <a:schemeClr val="tx1"/>
               </a:solidFill>
               <a:effectLst>
                 <a:outerShdw blurRad="38100" dist="38100" dir="2700000" algn="tl">
@@ -16741,6 +17134,45 @@
           <a:chExt cx="0" cy="0"/>
         </a:xfrm>
       </p:grpSpPr>
+      <p:pic>
+        <p:nvPicPr>
+          <p:cNvPr id="1026" name="Picture 2">
+            <a:extLst>
+              <a:ext uri="{FF2B5EF4-FFF2-40B4-BE49-F238E27FC236}">
+                <a16:creationId xmlns:a16="http://schemas.microsoft.com/office/drawing/2014/main" id="{3A857196-0038-484D-BFE7-822F8BEF4B90}"/>
+              </a:ext>
+            </a:extLst>
+          </p:cNvPr>
+          <p:cNvPicPr>
+            <a:picLocks noChangeAspect="1" noChangeArrowheads="1"/>
+          </p:cNvPicPr>
+          <p:nvPr/>
+        </p:nvPicPr>
+        <p:blipFill>
+          <a:blip r:embed="rId3"/>
+          <a:srcRect/>
+          <a:stretch/>
+        </p:blipFill>
+        <p:spPr bwMode="auto">
+          <a:xfrm>
+            <a:off x="7676" y="2433919"/>
+            <a:ext cx="8929796" cy="2061372"/>
+          </a:xfrm>
+          <a:prstGeom prst="rect">
+            <a:avLst/>
+          </a:prstGeom>
+          <a:noFill/>
+          <a:extLst>
+            <a:ext uri="{909E8E84-426E-40DD-AFC4-6F175D3DCCD1}">
+              <a14:hiddenFill xmlns:a14="http://schemas.microsoft.com/office/drawing/2010/main">
+                <a:solidFill>
+                  <a:srgbClr val="FFFFFF"/>
+                </a:solidFill>
+              </a14:hiddenFill>
+            </a:ext>
+          </a:extLst>
+        </p:spPr>
+      </p:pic>
       <p:sp>
         <p:nvSpPr>
           <p:cNvPr id="72" name="Google Shape;72;p16"/>
@@ -16753,7 +17185,7 @@
         </p:nvSpPr>
         <p:spPr>
           <a:xfrm>
-            <a:off x="0" y="10531"/>
+            <a:off x="0" y="-4799"/>
             <a:ext cx="8520600" cy="572700"/>
           </a:xfrm>
           <a:prstGeom prst="rect">
@@ -16788,7 +17220,22 @@
                   </a:outerShdw>
                 </a:effectLst>
               </a:rPr>
-              <a:t>Design case of Service Deployer</a:t>
+              <a:t>Design case for </a:t>
+            </a:r>
+            <a:r>
+              <a:rPr lang="en-GB" b="1" dirty="0" err="1">
+                <a:solidFill>
+                  <a:schemeClr val="tx1"/>
+                </a:solidFill>
+                <a:effectLst>
+                  <a:outerShdw blurRad="38100" dist="38100" dir="2700000" algn="tl">
+                    <a:srgbClr val="000000">
+                      <a:alpha val="43137"/>
+                    </a:srgbClr>
+                  </a:outerShdw>
+                </a:effectLst>
+              </a:rPr>
+              <a:t>RequestRouter</a:t>
             </a:r>
             <a:endParaRPr b="1" dirty="0">
               <a:solidFill>
@@ -16807,10 +17254,133 @@
       </p:sp>
       <p:sp>
         <p:nvSpPr>
+          <p:cNvPr id="73" name="Google Shape;73;p16"/>
+          <p:cNvSpPr txBox="1">
+            <a:spLocks noGrp="1"/>
+          </p:cNvSpPr>
+          <p:nvPr>
+            <p:ph type="body" idx="1"/>
+          </p:nvPr>
+        </p:nvSpPr>
+        <p:spPr>
+          <a:xfrm>
+            <a:off x="163782" y="648210"/>
+            <a:ext cx="3990600" cy="2552189"/>
+          </a:xfrm>
+          <a:prstGeom prst="rect">
+            <a:avLst/>
+          </a:prstGeom>
+        </p:spPr>
+        <p:txBody>
+          <a:bodyPr spcFirstLastPara="1" wrap="square" lIns="91425" tIns="91425" rIns="91425" bIns="91425" anchor="t" anchorCtr="0">
+            <a:noAutofit/>
+          </a:bodyPr>
+          <a:lstStyle/>
+          <a:p>
+            <a:pPr marL="0" lvl="0" indent="0" algn="l" rtl="0">
+              <a:spcBef>
+                <a:spcPts val="0"/>
+              </a:spcBef>
+              <a:spcAft>
+                <a:spcPts val="0"/>
+              </a:spcAft>
+              <a:buNone/>
+            </a:pPr>
+            <a:r>
+              <a:rPr lang="en-GB" dirty="0">
+                <a:solidFill>
+                  <a:schemeClr val="bg1">
+                    <a:lumMod val="50000"/>
+                  </a:schemeClr>
+                </a:solidFill>
+              </a:rPr>
+              <a:t>Problems: </a:t>
+            </a:r>
+            <a:r>
+              <a:rPr lang="en-US" dirty="0">
+                <a:solidFill>
+                  <a:schemeClr val="bg1">
+                    <a:lumMod val="50000"/>
+                  </a:schemeClr>
+                </a:solidFill>
+              </a:rPr>
+              <a:t>strong dependency on Kubernetes, </a:t>
+            </a:r>
+            <a:r>
+              <a:rPr lang="en-US" dirty="0" err="1">
+                <a:solidFill>
+                  <a:schemeClr val="bg1">
+                    <a:lumMod val="50000"/>
+                  </a:schemeClr>
+                </a:solidFill>
+              </a:rPr>
+              <a:t>OpenAPI</a:t>
+            </a:r>
+            <a:r>
+              <a:rPr lang="en-US" dirty="0">
+                <a:solidFill>
+                  <a:schemeClr val="bg1">
+                    <a:lumMod val="50000"/>
+                  </a:schemeClr>
+                </a:solidFill>
+              </a:rPr>
+              <a:t> schemas, cache storage, many functions</a:t>
+            </a:r>
+          </a:p>
+          <a:p>
+            <a:pPr marL="0" lvl="0" indent="0" algn="l" rtl="0">
+              <a:spcBef>
+                <a:spcPts val="0"/>
+              </a:spcBef>
+              <a:spcAft>
+                <a:spcPts val="0"/>
+              </a:spcAft>
+              <a:buNone/>
+            </a:pPr>
+            <a:endParaRPr dirty="0">
+              <a:solidFill>
+                <a:schemeClr val="bg1">
+                  <a:lumMod val="50000"/>
+                </a:schemeClr>
+              </a:solidFill>
+            </a:endParaRPr>
+          </a:p>
+          <a:p>
+            <a:pPr marL="0" lvl="0" indent="0" algn="l" rtl="0">
+              <a:spcBef>
+                <a:spcPts val="1200"/>
+              </a:spcBef>
+              <a:spcAft>
+                <a:spcPts val="0"/>
+              </a:spcAft>
+              <a:buNone/>
+            </a:pPr>
+            <a:r>
+              <a:rPr lang="en-GB" dirty="0">
+                <a:solidFill>
+                  <a:schemeClr val="bg1">
+                    <a:lumMod val="50000"/>
+                  </a:schemeClr>
+                </a:solidFill>
+              </a:rPr>
+              <a:t>Solutions: use Strategy and Adapter patterns, SOLID principles</a:t>
+            </a:r>
+            <a:endParaRPr dirty="0">
+              <a:solidFill>
+                <a:schemeClr val="bg1">
+                  <a:lumMod val="50000"/>
+                </a:schemeClr>
+              </a:solidFill>
+            </a:endParaRPr>
+          </a:p>
+        </p:txBody>
+      </p:sp>
+      <p:sp>
+        <p:nvSpPr>
           <p:cNvPr id="2" name="Номер слайда 1">
             <a:extLst>
               <a:ext uri="{FF2B5EF4-FFF2-40B4-BE49-F238E27FC236}">
-                <a16:creationId xmlns:a16="http://schemas.microsoft.com/office/drawing/2014/main" id="{CCF8C985-188F-4FA0-8D7B-4C048618B2F1}"/>
+                <a16:creationId xmlns:a16="http://schemas.microsoft.com/office/drawing/2014/main" id="{28C48E86-CE85-4322-B2F3-5074156B1600}"/>
               </a:ext>
             </a:extLst>
           </p:cNvPr>
@@ -16843,176 +17413,10 @@
           </a:p>
         </p:txBody>
       </p:sp>
-      <p:pic>
-        <p:nvPicPr>
-          <p:cNvPr id="6" name="Picture 5">
-            <a:extLst>
-              <a:ext uri="{FF2B5EF4-FFF2-40B4-BE49-F238E27FC236}">
-                <a16:creationId xmlns:a16="http://schemas.microsoft.com/office/drawing/2014/main" id="{FD9F5773-8B1E-42C9-A714-ED751F17B937}"/>
-              </a:ext>
-            </a:extLst>
-          </p:cNvPr>
-          <p:cNvPicPr>
-            <a:picLocks noChangeAspect="1"/>
-          </p:cNvPicPr>
-          <p:nvPr/>
-        </p:nvPicPr>
-        <p:blipFill>
-          <a:blip r:embed="rId3"/>
-          <a:srcRect/>
-          <a:stretch/>
-        </p:blipFill>
-        <p:spPr>
-          <a:xfrm>
-            <a:off x="3813" y="2144806"/>
-            <a:ext cx="9135886" cy="2518411"/>
-          </a:xfrm>
-          <a:prstGeom prst="rect">
-            <a:avLst/>
-          </a:prstGeom>
-        </p:spPr>
-      </p:pic>
-      <p:sp>
-        <p:nvSpPr>
-          <p:cNvPr id="73" name="Google Shape;73;p16"/>
-          <p:cNvSpPr txBox="1">
-            <a:spLocks noGrp="1"/>
-          </p:cNvSpPr>
-          <p:nvPr>
-            <p:ph type="body" idx="1"/>
-          </p:nvPr>
-        </p:nvSpPr>
-        <p:spPr>
-          <a:xfrm>
-            <a:off x="116899" y="583231"/>
-            <a:ext cx="3990600" cy="2220481"/>
-          </a:xfrm>
-          <a:prstGeom prst="rect">
-            <a:avLst/>
-          </a:prstGeom>
-        </p:spPr>
-        <p:txBody>
-          <a:bodyPr spcFirstLastPara="1" wrap="square" lIns="91425" tIns="91425" rIns="91425" bIns="91425" anchor="t" anchorCtr="0">
-            <a:noAutofit/>
-          </a:bodyPr>
-          <a:lstStyle/>
-          <a:p>
-            <a:pPr marL="0" lvl="0" indent="0" rtl="0">
-              <a:spcBef>
-                <a:spcPts val="0"/>
-              </a:spcBef>
-              <a:spcAft>
-                <a:spcPts val="0"/>
-              </a:spcAft>
-              <a:buNone/>
-            </a:pPr>
-            <a:r>
-              <a:rPr lang="en-GB" dirty="0">
-                <a:solidFill>
-                  <a:schemeClr val="bg1">
-                    <a:lumMod val="50000"/>
-                  </a:schemeClr>
-                </a:solidFill>
-              </a:rPr>
-              <a:t>Problems: new deploy strategies require changes in </a:t>
-            </a:r>
-            <a:r>
-              <a:rPr lang="en-GB" dirty="0" err="1">
-                <a:solidFill>
-                  <a:schemeClr val="bg1">
-                    <a:lumMod val="50000"/>
-                  </a:schemeClr>
-                </a:solidFill>
-              </a:rPr>
-              <a:t>ServiceDeployer</a:t>
-            </a:r>
-            <a:r>
-              <a:rPr lang="en-GB" dirty="0">
-                <a:solidFill>
-                  <a:schemeClr val="bg1">
-                    <a:lumMod val="50000"/>
-                  </a:schemeClr>
-                </a:solidFill>
-              </a:rPr>
-              <a:t>; </a:t>
-            </a:r>
-            <a:r>
-              <a:rPr lang="en-GB" dirty="0" err="1">
-                <a:solidFill>
-                  <a:schemeClr val="bg1">
-                    <a:lumMod val="50000"/>
-                  </a:schemeClr>
-                </a:solidFill>
-              </a:rPr>
-              <a:t>ServiceDeployer</a:t>
-            </a:r>
-            <a:r>
-              <a:rPr lang="en-GB" dirty="0">
-                <a:solidFill>
-                  <a:schemeClr val="bg1">
-                    <a:lumMod val="50000"/>
-                  </a:schemeClr>
-                </a:solidFill>
-              </a:rPr>
-              <a:t> can work with different data, repository or orchestrator, many functions in one class</a:t>
-            </a:r>
-          </a:p>
-        </p:txBody>
-      </p:sp>
-      <p:sp>
-        <p:nvSpPr>
-          <p:cNvPr id="7" name="TextBox 6">
-            <a:extLst>
-              <a:ext uri="{FF2B5EF4-FFF2-40B4-BE49-F238E27FC236}">
-                <a16:creationId xmlns:a16="http://schemas.microsoft.com/office/drawing/2014/main" id="{AEF34781-237A-42D9-B366-DCA2304439B3}"/>
-              </a:ext>
-            </a:extLst>
-          </p:cNvPr>
-          <p:cNvSpPr txBox="1"/>
-          <p:nvPr/>
-        </p:nvSpPr>
-        <p:spPr>
-          <a:xfrm>
-            <a:off x="4572000" y="1073155"/>
-            <a:ext cx="4635872" cy="646331"/>
-          </a:xfrm>
-          <a:prstGeom prst="rect">
-            <a:avLst/>
-          </a:prstGeom>
-          <a:noFill/>
-        </p:spPr>
-        <p:txBody>
-          <a:bodyPr wrap="square">
-            <a:spAutoFit/>
-          </a:bodyPr>
-          <a:lstStyle/>
-          <a:p>
-            <a:pPr marL="0" lvl="0" indent="0" algn="l" rtl="0">
-              <a:spcBef>
-                <a:spcPts val="0"/>
-              </a:spcBef>
-              <a:spcAft>
-                <a:spcPts val="0"/>
-              </a:spcAft>
-              <a:buNone/>
-            </a:pPr>
-            <a:r>
-              <a:rPr lang="en-US" sz="1800" dirty="0">
-                <a:solidFill>
-                  <a:schemeClr val="bg1">
-                    <a:lumMod val="50000"/>
-                  </a:schemeClr>
-                </a:solidFill>
-              </a:rPr>
-              <a:t>Solutions: use SOLID principles, Adapter and Strategy patterns</a:t>
-            </a:r>
-          </a:p>
-        </p:txBody>
-      </p:sp>
     </p:spTree>
     <p:extLst>
       <p:ext uri="{BB962C8B-B14F-4D97-AF65-F5344CB8AC3E}">
-        <p14:creationId xmlns:p14="http://schemas.microsoft.com/office/powerpoint/2010/main" val="3432105840"/>
+        <p14:creationId xmlns:p14="http://schemas.microsoft.com/office/powerpoint/2010/main" val="826294762"/>
       </p:ext>
     </p:extLst>
   </p:cSld>

--- a/PracticeTasks/Module2/FinalTask_2/FinalTask_2.pptx
+++ b/PracticeTasks/Module2/FinalTask_2/FinalTask_2.pptx
@@ -7542,7 +7542,7 @@
         </p:nvSpPr>
         <p:spPr>
           <a:xfrm>
-            <a:off x="311700" y="182807"/>
+            <a:off x="163783" y="86683"/>
             <a:ext cx="8520600" cy="572700"/>
           </a:xfrm>
           <a:prstGeom prst="rect">
@@ -7710,7 +7710,7 @@
         </p:nvSpPr>
         <p:spPr>
           <a:xfrm>
-            <a:off x="311700" y="209702"/>
+            <a:off x="226208" y="102066"/>
             <a:ext cx="8520600" cy="572700"/>
           </a:xfrm>
           <a:prstGeom prst="rect">
@@ -8001,7 +8001,7 @@
         </p:nvSpPr>
         <p:spPr>
           <a:xfrm>
-            <a:off x="311700" y="182807"/>
+            <a:off x="226208" y="113100"/>
             <a:ext cx="8520600" cy="572700"/>
           </a:xfrm>
           <a:prstGeom prst="rect">
@@ -8169,7 +8169,7 @@
         </p:nvSpPr>
         <p:spPr>
           <a:xfrm>
-            <a:off x="0" y="10531"/>
+            <a:off x="116899" y="26551"/>
             <a:ext cx="8520600" cy="572700"/>
           </a:xfrm>
           <a:prstGeom prst="rect">
@@ -8370,7 +8370,7 @@
                   </a:schemeClr>
                 </a:solidFill>
               </a:rPr>
-              <a:t> can work with different data, repository or orchestrator, many functions in one class</a:t>
+              <a:t> can work with different data, many functions in one class</a:t>
             </a:r>
           </a:p>
         </p:txBody>
@@ -13074,7 +13074,7 @@
 </file>
 
 <file path=ppt/slides/slide16.xml><?xml version="1.0" encoding="utf-8"?>
-<p:sld xmlns:a="http://schemas.openxmlformats.org/drawingml/2006/main" xmlns:r="http://schemas.openxmlformats.org/officeDocument/2006/relationships" xmlns:p="http://schemas.openxmlformats.org/presentationml/2006/main" show="0">
+<p:sld xmlns:a="http://schemas.openxmlformats.org/drawingml/2006/main" xmlns:r="http://schemas.openxmlformats.org/officeDocument/2006/relationships" xmlns:p="http://schemas.openxmlformats.org/presentationml/2006/main">
   <p:cSld>
     <p:spTree>
       <p:nvGrpSpPr>
@@ -13102,7 +13102,7 @@
         </p:nvSpPr>
         <p:spPr>
           <a:xfrm>
-            <a:off x="123632" y="140225"/>
+            <a:off x="110185" y="44242"/>
             <a:ext cx="8520600" cy="572700"/>
           </a:xfrm>
           <a:prstGeom prst="rect">
@@ -13137,7 +13137,7 @@
                   </a:outerShdw>
                 </a:effectLst>
               </a:rPr>
-              <a:t>System demo</a:t>
+              <a:t>System demo (TBD)</a:t>
             </a:r>
             <a:endParaRPr b="1" dirty="0">
               <a:solidFill>
@@ -13156,8 +13156,14 @@
       </p:sp>
       <p:sp>
         <p:nvSpPr>
-          <p:cNvPr id="149" name="Google Shape;149;p26"/>
-          <p:cNvSpPr txBox="1">
+          <p:cNvPr id="3" name="Текст 2">
+            <a:extLst>
+              <a:ext uri="{FF2B5EF4-FFF2-40B4-BE49-F238E27FC236}">
+                <a16:creationId xmlns:a16="http://schemas.microsoft.com/office/drawing/2014/main" id="{DB82EFB0-2113-4DCE-8B48-37C1F26B082E}"/>
+              </a:ext>
+            </a:extLst>
+          </p:cNvPr>
+          <p:cNvSpPr>
             <a:spLocks noGrp="1"/>
           </p:cNvSpPr>
           <p:nvPr>
@@ -13166,99 +13172,78 @@
         </p:nvSpPr>
         <p:spPr>
           <a:xfrm>
-            <a:off x="226979" y="791183"/>
-            <a:ext cx="8605321" cy="3777692"/>
+            <a:off x="190677" y="4161864"/>
+            <a:ext cx="8520600" cy="756634"/>
+          </a:xfrm>
+        </p:spPr>
+        <p:txBody>
+          <a:bodyPr/>
+          <a:lstStyle/>
+          <a:p>
+            <a:pPr marL="114300" indent="0">
+              <a:buNone/>
+            </a:pPr>
+            <a:r>
+              <a:rPr lang="ru-RU" dirty="0">
+                <a:hlinkClick r:id="rId3"/>
+              </a:rPr>
+              <a:t>http://84.201.148.234.nip.io/kea-project/pong</a:t>
+            </a:r>
+            <a:endParaRPr lang="en-US" dirty="0"/>
+          </a:p>
+          <a:p>
+            <a:pPr marL="114300" indent="0">
+              <a:buNone/>
+            </a:pPr>
+            <a:r>
+              <a:rPr lang="ru-RU" dirty="0">
+                <a:hlinkClick r:id="rId4"/>
+              </a:rPr>
+              <a:t>http://84.201.148.234.nip.io/kea-project/ping</a:t>
+            </a:r>
+            <a:r>
+              <a:rPr lang="en-US" dirty="0"/>
+              <a:t> </a:t>
+            </a:r>
+            <a:endParaRPr lang="ru-RU" dirty="0"/>
+          </a:p>
+        </p:txBody>
+      </p:sp>
+      <p:pic>
+        <p:nvPicPr>
+          <p:cNvPr id="5" name="Рисунок 4">
+            <a:extLst>
+              <a:ext uri="{FF2B5EF4-FFF2-40B4-BE49-F238E27FC236}">
+                <a16:creationId xmlns:a16="http://schemas.microsoft.com/office/drawing/2014/main" id="{357DE9AD-6447-48CB-BF07-7A9050D26D0E}"/>
+              </a:ext>
+            </a:extLst>
+          </p:cNvPr>
+          <p:cNvPicPr>
+            <a:picLocks noChangeAspect="1"/>
+          </p:cNvPicPr>
+          <p:nvPr/>
+        </p:nvPicPr>
+        <p:blipFill>
+          <a:blip r:embed="rId5"/>
+          <a:stretch>
+            <a:fillRect/>
+          </a:stretch>
+        </p:blipFill>
+        <p:spPr>
+          <a:xfrm>
+            <a:off x="2481625" y="800876"/>
+            <a:ext cx="4274879" cy="3260135"/>
           </a:xfrm>
           <a:prstGeom prst="rect">
             <a:avLst/>
           </a:prstGeom>
+          <a:ln w="19050">
+            <a:solidFill>
+              <a:schemeClr val="tx1"/>
+            </a:solidFill>
+          </a:ln>
         </p:spPr>
-        <p:txBody>
-          <a:bodyPr spcFirstLastPara="1" wrap="square" lIns="91425" tIns="91425" rIns="91425" bIns="91425" anchor="t" anchorCtr="0">
-            <a:noAutofit/>
-          </a:bodyPr>
-          <a:lstStyle/>
-          <a:p>
-            <a:pPr marL="0" lvl="0" indent="0" algn="l" rtl="0">
-              <a:spcBef>
-                <a:spcPts val="0"/>
-              </a:spcBef>
-              <a:spcAft>
-                <a:spcPts val="0"/>
-              </a:spcAft>
-              <a:buNone/>
-            </a:pPr>
-            <a:r>
-              <a:rPr lang="en-GB" dirty="0"/>
-              <a:t>&lt;Draw a diagram to present the structure of the system as deployed on k8s cluster. Choose appropriate notation&gt;</a:t>
-            </a:r>
-            <a:endParaRPr dirty="0"/>
-          </a:p>
-          <a:p>
-            <a:pPr marL="0" lvl="0" indent="0" algn="l" rtl="0">
-              <a:spcBef>
-                <a:spcPts val="1200"/>
-              </a:spcBef>
-              <a:spcAft>
-                <a:spcPts val="0"/>
-              </a:spcAft>
-              <a:buNone/>
-            </a:pPr>
-            <a:r>
-              <a:rPr lang="en-GB" dirty="0"/>
-              <a:t>&lt;For each use case paste a link to a video with a demonstration how the product works at the k8s cluster. At least the main use case, recommended - one use case per team member&gt;</a:t>
-            </a:r>
-            <a:endParaRPr dirty="0"/>
-          </a:p>
-          <a:p>
-            <a:pPr marL="0" lvl="0" indent="0" algn="l" rtl="0">
-              <a:spcBef>
-                <a:spcPts val="1200"/>
-              </a:spcBef>
-              <a:spcAft>
-                <a:spcPts val="0"/>
-              </a:spcAft>
-              <a:buNone/>
-            </a:pPr>
-            <a:r>
-              <a:rPr lang="en-GB" dirty="0"/>
-              <a:t>Use case - &lt;name of the UC/Story&gt;</a:t>
-            </a:r>
-            <a:br>
-              <a:rPr lang="en-GB" dirty="0"/>
-            </a:br>
-            <a:r>
-              <a:rPr lang="en-GB" dirty="0"/>
-              <a:t>&lt;</a:t>
-            </a:r>
-            <a:r>
-              <a:rPr lang="en-GB" dirty="0" err="1"/>
-              <a:t>url</a:t>
-            </a:r>
-            <a:r>
-              <a:rPr lang="en-GB" dirty="0"/>
-              <a:t> to video/screencast&gt;</a:t>
-            </a:r>
-            <a:endParaRPr dirty="0"/>
-          </a:p>
-          <a:p>
-            <a:pPr marL="0" lvl="0" indent="0" algn="l" rtl="0">
-              <a:spcBef>
-                <a:spcPts val="1200"/>
-              </a:spcBef>
-              <a:spcAft>
-                <a:spcPts val="1200"/>
-              </a:spcAft>
-              <a:buNone/>
-            </a:pPr>
-            <a:r>
-              <a:rPr lang="en-GB" dirty="0"/>
-              <a:t>&lt;Be prepared to repeat the demo at the exam&gt;</a:t>
-            </a:r>
-            <a:endParaRPr dirty="0"/>
-          </a:p>
-        </p:txBody>
-      </p:sp>
+      </p:pic>
     </p:spTree>
   </p:cSld>
   <p:clrMapOvr>
@@ -17304,7 +17289,17 @@
                   </a:schemeClr>
                 </a:solidFill>
               </a:rPr>
-              <a:t>strong dependency on Kubernetes, </a:t>
+              <a:t>strong </a:t>
+            </a:r>
+            <a:r>
+              <a:rPr lang="en-US">
+                <a:solidFill>
+                  <a:schemeClr val="bg1">
+                    <a:lumMod val="50000"/>
+                  </a:schemeClr>
+                </a:solidFill>
+              </a:rPr>
+              <a:t>dependency on </a:t>
             </a:r>
             <a:r>
               <a:rPr lang="en-US" dirty="0" err="1">

--- a/PracticeTasks/Module2/FinalTask_2/FinalTask_2.pptx
+++ b/PracticeTasks/Module2/FinalTask_2/FinalTask_2.pptx
@@ -11052,7 +11052,7 @@
           <p:nvPr>
             <p:extLst>
               <p:ext uri="{D42A27DB-BD31-4B8C-83A1-F6EECF244321}">
-                <p14:modId xmlns:p14="http://schemas.microsoft.com/office/powerpoint/2010/main" val="3565311488"/>
+                <p14:modId xmlns:p14="http://schemas.microsoft.com/office/powerpoint/2010/main" val="269113983"/>
               </p:ext>
             </p:extLst>
           </p:nvPr>
@@ -11263,14 +11263,14 @@
                         <a:defRPr/>
                       </a:pPr>
                       <a:r>
-                        <a:rPr lang="en-US" sz="1400" b="0" i="0" u="none" strike="noStrike" dirty="0">
+                        <a:rPr lang="en-US" sz="1400" b="0" i="0" u="none" strike="noStrike">
                           <a:solidFill>
                             <a:srgbClr val="000000"/>
                           </a:solidFill>
                           <a:effectLst/>
                           <a:latin typeface="+mn-lt"/>
                         </a:rPr>
-                        <a:t>AIS</a:t>
+                        <a:t>ADS</a:t>
                       </a:r>
                       <a:endParaRPr lang="en-US" sz="1400" dirty="0">
                         <a:effectLst/>
@@ -11345,12 +11345,16 @@
                         <a:defRPr/>
                       </a:pPr>
                       <a:r>
-                        <a:rPr lang="en-US" sz="1400" dirty="0">
+                        <a:rPr lang="en-US" sz="1400">
                           <a:effectLst/>
                           <a:latin typeface="+mn-lt"/>
                         </a:rPr>
-                        <a:t>ADS</a:t>
+                        <a:t>AIS</a:t>
                       </a:r>
+                      <a:endParaRPr lang="en-US" sz="1400" dirty="0">
+                        <a:effectLst/>
+                        <a:latin typeface="+mn-lt"/>
+                      </a:endParaRPr>
                     </a:p>
                   </a:txBody>
                   <a:tcPr marL="63500" marR="63500" marT="63500" marB="63500" anchor="ctr">
@@ -13127,7 +13131,7 @@
             <a:r>
               <a:rPr lang="en-GB" b="1" dirty="0">
                 <a:solidFill>
-                  <a:srgbClr val="FF0000"/>
+                  <a:schemeClr val="tx1"/>
                 </a:solidFill>
                 <a:effectLst>
                   <a:outerShdw blurRad="38100" dist="38100" dir="2700000" algn="tl">
@@ -13137,11 +13141,11 @@
                   </a:outerShdw>
                 </a:effectLst>
               </a:rPr>
-              <a:t>System demo (TBD)</a:t>
+              <a:t>System demo</a:t>
             </a:r>
             <a:endParaRPr b="1" dirty="0">
               <a:solidFill>
-                <a:srgbClr val="FF0000"/>
+                <a:schemeClr val="tx1"/>
               </a:solidFill>
               <a:effectLst>
                 <a:outerShdw blurRad="38100" dist="38100" dir="2700000" algn="tl">
@@ -13209,41 +13213,61 @@
           </a:p>
         </p:txBody>
       </p:sp>
-      <p:pic>
-        <p:nvPicPr>
-          <p:cNvPr id="5" name="Рисунок 4">
+      <p:sp>
+        <p:nvSpPr>
+          <p:cNvPr id="2" name="TextBox 1">
             <a:extLst>
               <a:ext uri="{FF2B5EF4-FFF2-40B4-BE49-F238E27FC236}">
-                <a16:creationId xmlns:a16="http://schemas.microsoft.com/office/drawing/2014/main" id="{357DE9AD-6447-48CB-BF07-7A9050D26D0E}"/>
+                <a16:creationId xmlns:a16="http://schemas.microsoft.com/office/drawing/2014/main" id="{0439241F-E259-47A3-96B9-25F8C8C4AB9A}"/>
               </a:ext>
             </a:extLst>
           </p:cNvPr>
-          <p:cNvPicPr>
-            <a:picLocks noChangeAspect="1"/>
-          </p:cNvPicPr>
+          <p:cNvSpPr txBox="1"/>
           <p:nvPr/>
-        </p:nvPicPr>
-        <p:blipFill>
-          <a:blip r:embed="rId5"/>
-          <a:stretch>
-            <a:fillRect/>
-          </a:stretch>
-        </p:blipFill>
+        </p:nvSpPr>
         <p:spPr>
           <a:xfrm>
-            <a:off x="2481625" y="800876"/>
-            <a:ext cx="4274879" cy="3260135"/>
+            <a:off x="190677" y="1716429"/>
+            <a:ext cx="6608323" cy="1015663"/>
           </a:xfrm>
           <a:prstGeom prst="rect">
             <a:avLst/>
           </a:prstGeom>
-          <a:ln w="19050">
-            <a:solidFill>
-              <a:schemeClr val="tx1"/>
-            </a:solidFill>
-          </a:ln>
+          <a:noFill/>
         </p:spPr>
-      </p:pic>
+        <p:txBody>
+          <a:bodyPr wrap="square" rtlCol="0">
+            <a:spAutoFit/>
+          </a:bodyPr>
+          <a:lstStyle/>
+          <a:p>
+            <a:r>
+              <a:rPr lang="en-US" sz="2000" dirty="0"/>
+              <a:t>Service ping generates static answer </a:t>
+            </a:r>
+            <a:r>
+              <a:rPr lang="ru-RU" sz="2000" dirty="0"/>
+              <a:t>«</a:t>
+            </a:r>
+            <a:r>
+              <a:rPr lang="en-US" sz="2000" dirty="0"/>
+              <a:t>Ping!</a:t>
+            </a:r>
+            <a:r>
+              <a:rPr lang="ru-RU" sz="2000" dirty="0"/>
+              <a:t>»</a:t>
+            </a:r>
+            <a:endParaRPr lang="en-US" sz="2000" dirty="0"/>
+          </a:p>
+          <a:p>
+            <a:r>
+              <a:rPr lang="en-US" sz="2000" dirty="0"/>
+              <a:t>While service pong addresses Ping and returns the answer from it to the user</a:t>
+            </a:r>
+            <a:endParaRPr lang="ru-RU" sz="2000" dirty="0"/>
+          </a:p>
+        </p:txBody>
+      </p:sp>
     </p:spTree>
   </p:cSld>
   <p:clrMapOvr>
